--- a/JournalToSubmit2013/figs/Ready/Figuras Journal.pptx
+++ b/JournalToSubmit2013/figs/Ready/Figuras Journal.pptx
@@ -310,7 +310,7 @@
           <a:p>
             <a:fld id="{D728701E-CAF4-4159-9B3E-41C86DFFA30D}" type="datetimeFigureOut">
               <a:rPr lang="en-US" smtClean="0"/>
-              <a:t>01/11/2013</a:t>
+              <a:t>13/12/2013</a:t>
             </a:fld>
             <a:endParaRPr lang="en-US"/>
           </a:p>
@@ -764,7 +764,7 @@
           <a:p>
             <a:fld id="{D728701E-CAF4-4159-9B3E-41C86DFFA30D}" type="datetimeFigureOut">
               <a:rPr lang="en-US" smtClean="0"/>
-              <a:t>01/11/2013</a:t>
+              <a:t>13/12/2013</a:t>
             </a:fld>
             <a:endParaRPr lang="en-US"/>
           </a:p>
@@ -1307,7 +1307,7 @@
           <a:p>
             <a:fld id="{D728701E-CAF4-4159-9B3E-41C86DFFA30D}" type="datetimeFigureOut">
               <a:rPr lang="en-US" smtClean="0"/>
-              <a:t>01/11/2013</a:t>
+              <a:t>13/12/2013</a:t>
             </a:fld>
             <a:endParaRPr lang="en-US"/>
           </a:p>
@@ -1443,7 +1443,7 @@
           <a:p>
             <a:fld id="{D728701E-CAF4-4159-9B3E-41C86DFFA30D}" type="datetimeFigureOut">
               <a:rPr lang="en-US" smtClean="0"/>
-              <a:t>01/11/2013</a:t>
+              <a:t>13/12/2013</a:t>
             </a:fld>
             <a:endParaRPr lang="en-US"/>
           </a:p>
@@ -1556,7 +1556,7 @@
           <a:p>
             <a:fld id="{D728701E-CAF4-4159-9B3E-41C86DFFA30D}" type="datetimeFigureOut">
               <a:rPr lang="en-US" smtClean="0"/>
-              <a:t>01/11/2013</a:t>
+              <a:t>13/12/2013</a:t>
             </a:fld>
             <a:endParaRPr lang="en-US"/>
           </a:p>
@@ -1681,7 +1681,7 @@
           <a:p>
             <a:fld id="{D728701E-CAF4-4159-9B3E-41C86DFFA30D}" type="datetimeFigureOut">
               <a:rPr lang="en-US" smtClean="0"/>
-              <a:t>01/11/2013</a:t>
+              <a:t>13/12/2013</a:t>
             </a:fld>
             <a:endParaRPr lang="en-US"/>
           </a:p>
@@ -2031,7 +2031,7 @@
           <a:p>
             <a:fld id="{D728701E-CAF4-4159-9B3E-41C86DFFA30D}" type="datetimeFigureOut">
               <a:rPr lang="en-US" smtClean="0"/>
-              <a:t>01/11/2013</a:t>
+              <a:t>13/12/2013</a:t>
             </a:fld>
             <a:endParaRPr lang="en-US"/>
           </a:p>
@@ -2357,7 +2357,7 @@
           <a:p>
             <a:fld id="{D728701E-CAF4-4159-9B3E-41C86DFFA30D}" type="datetimeFigureOut">
               <a:rPr lang="en-US" smtClean="0"/>
-              <a:t>01/11/2013</a:t>
+              <a:t>13/12/2013</a:t>
             </a:fld>
             <a:endParaRPr lang="en-US"/>
           </a:p>
@@ -2655,7 +2655,7 @@
           <a:p>
             <a:fld id="{D728701E-CAF4-4159-9B3E-41C86DFFA30D}" type="datetimeFigureOut">
               <a:rPr lang="en-US" smtClean="0"/>
-              <a:t>01/11/2013</a:t>
+              <a:t>13/12/2013</a:t>
             </a:fld>
             <a:endParaRPr lang="en-US"/>
           </a:p>
@@ -3042,7 +3042,7 @@
           <a:p>
             <a:fld id="{D728701E-CAF4-4159-9B3E-41C86DFFA30D}" type="datetimeFigureOut">
               <a:rPr lang="en-US" smtClean="0"/>
-              <a:t>01/11/2013</a:t>
+              <a:t>13/12/2013</a:t>
             </a:fld>
             <a:endParaRPr lang="en-US"/>
           </a:p>
@@ -3462,7 +3462,7 @@
           <a:p>
             <a:fld id="{D728701E-CAF4-4159-9B3E-41C86DFFA30D}" type="datetimeFigureOut">
               <a:rPr lang="en-US" smtClean="0"/>
-              <a:t>01/11/2013</a:t>
+              <a:t>13/12/2013</a:t>
             </a:fld>
             <a:endParaRPr lang="en-US"/>
           </a:p>
@@ -3917,7 +3917,7 @@
           <a:p>
             <a:fld id="{D728701E-CAF4-4159-9B3E-41C86DFFA30D}" type="datetimeFigureOut">
               <a:rPr lang="en-US" smtClean="0"/>
-              <a:t>01/11/2013</a:t>
+              <a:t>13/12/2013</a:t>
             </a:fld>
             <a:endParaRPr lang="en-US"/>
           </a:p>
@@ -4307,7 +4307,7 @@
           <a:p>
             <a:fld id="{D728701E-CAF4-4159-9B3E-41C86DFFA30D}" type="datetimeFigureOut">
               <a:rPr lang="en-US" smtClean="0"/>
-              <a:t>01/11/2013</a:t>
+              <a:t>13/12/2013</a:t>
             </a:fld>
             <a:endParaRPr lang="en-US"/>
           </a:p>
@@ -4665,7 +4665,7 @@
           <a:p>
             <a:fld id="{D728701E-CAF4-4159-9B3E-41C86DFFA30D}" type="datetimeFigureOut">
               <a:rPr lang="en-US" smtClean="0"/>
-              <a:t>01/11/2013</a:t>
+              <a:t>13/12/2013</a:t>
             </a:fld>
             <a:endParaRPr lang="en-US"/>
           </a:p>
@@ -4890,7 +4890,7 @@
           <a:p>
             <a:fld id="{D728701E-CAF4-4159-9B3E-41C86DFFA30D}" type="datetimeFigureOut">
               <a:rPr lang="en-US" smtClean="0"/>
-              <a:t>01/11/2013</a:t>
+              <a:t>13/12/2013</a:t>
             </a:fld>
             <a:endParaRPr lang="en-US"/>
           </a:p>
@@ -5146,7 +5146,7 @@
           <a:p>
             <a:fld id="{D728701E-CAF4-4159-9B3E-41C86DFFA30D}" type="datetimeFigureOut">
               <a:rPr lang="en-US" smtClean="0"/>
-              <a:t>01/11/2013</a:t>
+              <a:t>13/12/2013</a:t>
             </a:fld>
             <a:endParaRPr lang="en-US"/>
           </a:p>
@@ -5535,7 +5535,7 @@
           <a:p>
             <a:fld id="{D728701E-CAF4-4159-9B3E-41C86DFFA30D}" type="datetimeFigureOut">
               <a:rPr lang="en-US" smtClean="0"/>
-              <a:t>01/11/2013</a:t>
+              <a:t>13/12/2013</a:t>
             </a:fld>
             <a:endParaRPr lang="en-US"/>
           </a:p>
@@ -6124,7 +6124,7 @@
           <a:p>
             <a:fld id="{D728701E-CAF4-4159-9B3E-41C86DFFA30D}" type="datetimeFigureOut">
               <a:rPr lang="en-US" smtClean="0"/>
-              <a:t>01/11/2013</a:t>
+              <a:t>13/12/2013</a:t>
             </a:fld>
             <a:endParaRPr lang="en-US"/>
           </a:p>
@@ -6639,7 +6639,7 @@
           <a:p>
             <a:fld id="{D728701E-CAF4-4159-9B3E-41C86DFFA30D}" type="datetimeFigureOut">
               <a:rPr lang="en-US" smtClean="0"/>
-              <a:t>01/11/2013</a:t>
+              <a:t>13/12/2013</a:t>
             </a:fld>
             <a:endParaRPr lang="en-US"/>
           </a:p>
@@ -7012,7 +7012,7 @@
           <a:p>
             <a:fld id="{D728701E-CAF4-4159-9B3E-41C86DFFA30D}" type="datetimeFigureOut">
               <a:rPr lang="en-US" smtClean="0"/>
-              <a:t>01/11/2013</a:t>
+              <a:t>13/12/2013</a:t>
             </a:fld>
             <a:endParaRPr lang="en-US"/>
           </a:p>
@@ -7411,7 +7411,7 @@
           <a:p>
             <a:fld id="{D728701E-CAF4-4159-9B3E-41C86DFFA30D}" type="datetimeFigureOut">
               <a:rPr lang="en-US" smtClean="0"/>
-              <a:t>01/11/2013</a:t>
+              <a:t>13/12/2013</a:t>
             </a:fld>
             <a:endParaRPr lang="en-US"/>
           </a:p>
@@ -7831,7 +7831,7 @@
           <a:p>
             <a:fld id="{D728701E-CAF4-4159-9B3E-41C86DFFA30D}" type="datetimeFigureOut">
               <a:rPr lang="en-US" smtClean="0"/>
-              <a:t>01/11/2013</a:t>
+              <a:t>13/12/2013</a:t>
             </a:fld>
             <a:endParaRPr lang="en-US"/>
           </a:p>
@@ -8214,7 +8214,7 @@
           <a:p>
             <a:fld id="{D728701E-CAF4-4159-9B3E-41C86DFFA30D}" type="datetimeFigureOut">
               <a:rPr lang="en-US" smtClean="0"/>
-              <a:t>01/11/2013</a:t>
+              <a:t>13/12/2013</a:t>
             </a:fld>
             <a:endParaRPr lang="en-US"/>
           </a:p>
@@ -8671,385 +8671,354 @@
       </p:grpSpPr>
       <p:grpSp>
         <p:nvGrpSpPr>
-          <p:cNvPr id="12" name="Grouper 11"/>
+          <p:cNvPr id="263" name="Grouper 262"/>
           <p:cNvGrpSpPr/>
           <p:nvPr/>
         </p:nvGrpSpPr>
         <p:grpSpPr>
           <a:xfrm>
-            <a:off x="2212187" y="325313"/>
-            <a:ext cx="4832856" cy="4281196"/>
-            <a:chOff x="2212187" y="325313"/>
-            <a:chExt cx="4832856" cy="4281196"/>
+            <a:off x="2588242" y="3030767"/>
+            <a:ext cx="4014052" cy="1575742"/>
+            <a:chOff x="2669572" y="3030767"/>
+            <a:chExt cx="4014052" cy="1575742"/>
           </a:xfrm>
         </p:grpSpPr>
         <p:grpSp>
           <p:nvGrpSpPr>
-            <p:cNvPr id="264" name="Grouper 263"/>
+            <p:cNvPr id="260" name="Grouper 259"/>
             <p:cNvGrpSpPr/>
             <p:nvPr/>
           </p:nvGrpSpPr>
           <p:grpSpPr>
             <a:xfrm>
-              <a:off x="2212187" y="325313"/>
-              <a:ext cx="4832856" cy="2517070"/>
-              <a:chOff x="2212187" y="325313"/>
-              <a:chExt cx="4832856" cy="2517070"/>
+              <a:off x="2669572" y="3292377"/>
+              <a:ext cx="4014052" cy="1314132"/>
+              <a:chOff x="504409" y="3166160"/>
+              <a:chExt cx="4785117" cy="1566566"/>
             </a:xfrm>
           </p:grpSpPr>
-          <p:cxnSp>
-            <p:nvCxnSpPr>
-              <p:cNvPr id="153" name="Connecteur droit 22"/>
-              <p:cNvCxnSpPr>
-                <a:endCxn id="136" idx="2"/>
-              </p:cNvCxnSpPr>
-              <p:nvPr/>
-            </p:nvCxnSpPr>
-            <p:spPr>
-              <a:xfrm flipV="1">
-                <a:off x="4673310" y="1797853"/>
-                <a:ext cx="0" cy="127431"/>
-              </a:xfrm>
-              <a:prstGeom prst="straightConnector1">
-                <a:avLst/>
-              </a:prstGeom>
-              <a:ln w="12700" cmpd="sng">
-                <a:solidFill>
-                  <a:schemeClr val="bg1">
-                    <a:lumMod val="75000"/>
-                  </a:schemeClr>
-                </a:solidFill>
-                <a:prstDash val="solid"/>
-              </a:ln>
-            </p:spPr>
-            <p:style>
-              <a:lnRef idx="2">
-                <a:schemeClr val="accent1"/>
-              </a:lnRef>
-              <a:fillRef idx="0">
-                <a:schemeClr val="accent1"/>
-              </a:fillRef>
-              <a:effectRef idx="1">
-                <a:schemeClr val="accent1"/>
-              </a:effectRef>
-              <a:fontRef idx="minor">
-                <a:schemeClr val="tx1"/>
-              </a:fontRef>
-            </p:style>
-          </p:cxnSp>
-          <p:cxnSp>
-            <p:nvCxnSpPr>
-              <p:cNvPr id="149" name="Connecteur droit 22"/>
-              <p:cNvCxnSpPr>
-                <a:stCxn id="140" idx="3"/>
-              </p:cNvCxnSpPr>
-              <p:nvPr/>
-            </p:nvCxnSpPr>
-            <p:spPr>
-              <a:xfrm>
-                <a:off x="2917795" y="1421032"/>
-                <a:ext cx="172322" cy="0"/>
-              </a:xfrm>
-              <a:prstGeom prst="straightConnector1">
-                <a:avLst/>
-              </a:prstGeom>
-              <a:ln w="12700" cmpd="sng">
-                <a:solidFill>
-                  <a:schemeClr val="bg1">
-                    <a:lumMod val="75000"/>
-                  </a:schemeClr>
-                </a:solidFill>
-                <a:prstDash val="solid"/>
-              </a:ln>
-            </p:spPr>
-            <p:style>
-              <a:lnRef idx="2">
-                <a:schemeClr val="accent1"/>
-              </a:lnRef>
-              <a:fillRef idx="0">
-                <a:schemeClr val="accent1"/>
-              </a:fillRef>
-              <a:effectRef idx="1">
-                <a:schemeClr val="accent1"/>
-              </a:effectRef>
-              <a:fontRef idx="minor">
-                <a:schemeClr val="tx1"/>
-              </a:fontRef>
-            </p:style>
-          </p:cxnSp>
-          <p:sp>
-            <p:nvSpPr>
-              <p:cNvPr id="126" name="Rectangle à coins arrondis 125"/>
-              <p:cNvSpPr/>
-              <p:nvPr/>
-            </p:nvSpPr>
-            <p:spPr>
-              <a:xfrm>
-                <a:off x="5263685" y="325313"/>
-                <a:ext cx="1781358" cy="2517070"/>
-              </a:xfrm>
-              <a:prstGeom prst="roundRect">
-                <a:avLst>
-                  <a:gd name="adj" fmla="val 0"/>
-                </a:avLst>
-              </a:prstGeom>
-              <a:solidFill>
-                <a:schemeClr val="bg1"/>
-              </a:solidFill>
-              <a:ln w="12700" cmpd="sng">
-                <a:solidFill>
-                  <a:schemeClr val="tx1"/>
-                </a:solidFill>
-              </a:ln>
-            </p:spPr>
-            <p:style>
-              <a:lnRef idx="2">
-                <a:schemeClr val="accent1">
-                  <a:shade val="50000"/>
-                </a:schemeClr>
-              </a:lnRef>
-              <a:fillRef idx="1">
-                <a:schemeClr val="accent1"/>
-              </a:fillRef>
-              <a:effectRef idx="0">
-                <a:schemeClr val="accent1"/>
-              </a:effectRef>
-              <a:fontRef idx="minor">
-                <a:schemeClr val="lt1"/>
-              </a:fontRef>
-            </p:style>
-            <p:txBody>
-              <a:bodyPr rtlCol="0" anchor="t"/>
-              <a:lstStyle/>
-              <a:p>
-                <a:pPr algn="ctr"/>
-                <a:r>
-                  <a:rPr lang="en-US" sz="1000" b="1" dirty="0" smtClean="0">
-                    <a:solidFill>
-                      <a:srgbClr val="000000"/>
-                    </a:solidFill>
-                    <a:latin typeface="Helvetica Neue"/>
-                    <a:cs typeface="Helvetica Neue"/>
-                  </a:rPr>
-                  <a:t>Channel</a:t>
-                </a:r>
-              </a:p>
-              <a:p>
-                <a:pPr algn="ctr"/>
-                <a:r>
-                  <a:rPr lang="en-US" sz="1000" b="1" dirty="0" smtClean="0">
-                    <a:solidFill>
-                      <a:srgbClr val="000000"/>
-                    </a:solidFill>
-                    <a:latin typeface="Helvetica Neue"/>
-                    <a:cs typeface="Helvetica Neue"/>
-                  </a:rPr>
-                  <a:t>(Broker</a:t>
-                </a:r>
-                <a:r>
-                  <a:rPr lang="en-US" sz="800" b="1" dirty="0" smtClean="0">
-                    <a:solidFill>
-                      <a:srgbClr val="000000"/>
-                    </a:solidFill>
-                    <a:latin typeface="Helvetica Neue"/>
-                    <a:cs typeface="Helvetica Neue"/>
-                  </a:rPr>
-                  <a:t>)</a:t>
-                </a:r>
-                <a:endParaRPr lang="en-US" sz="800" b="1" dirty="0">
-                  <a:solidFill>
-                    <a:srgbClr val="000000"/>
-                  </a:solidFill>
-                  <a:latin typeface="Helvetica Neue"/>
-                  <a:cs typeface="Helvetica Neue"/>
-                </a:endParaRPr>
-              </a:p>
-            </p:txBody>
-          </p:sp>
-          <p:sp>
-            <p:nvSpPr>
-              <p:cNvPr id="53" name="Rectangle à coins arrondis 52"/>
-              <p:cNvSpPr/>
-              <p:nvPr/>
-            </p:nvSpPr>
-            <p:spPr>
-              <a:xfrm>
-                <a:off x="2212187" y="325313"/>
-                <a:ext cx="1908165" cy="2517070"/>
-              </a:xfrm>
-              <a:prstGeom prst="roundRect">
-                <a:avLst>
-                  <a:gd name="adj" fmla="val 0"/>
-                </a:avLst>
-              </a:prstGeom>
-              <a:solidFill>
-                <a:schemeClr val="bg1"/>
-              </a:solidFill>
-              <a:ln w="12700" cmpd="sng">
-                <a:solidFill>
-                  <a:schemeClr val="tx1"/>
-                </a:solidFill>
-              </a:ln>
-            </p:spPr>
-            <p:style>
-              <a:lnRef idx="2">
-                <a:schemeClr val="accent1">
-                  <a:shade val="50000"/>
-                </a:schemeClr>
-              </a:lnRef>
-              <a:fillRef idx="1">
-                <a:schemeClr val="accent1"/>
-              </a:fillRef>
-              <a:effectRef idx="0">
-                <a:schemeClr val="accent1"/>
-              </a:effectRef>
-              <a:fontRef idx="minor">
-                <a:schemeClr val="lt1"/>
-              </a:fontRef>
-            </p:style>
-            <p:txBody>
-              <a:bodyPr rtlCol="0" anchor="t"/>
-              <a:lstStyle/>
-              <a:p>
-                <a:pPr algn="ctr"/>
-                <a:r>
-                  <a:rPr lang="en-US" sz="1000" b="1" dirty="0" smtClean="0">
-                    <a:solidFill>
-                      <a:srgbClr val="000000"/>
-                    </a:solidFill>
-                    <a:latin typeface="Helvetica Neue"/>
-                    <a:cs typeface="Helvetica Neue"/>
-                  </a:rPr>
-                  <a:t>Orca</a:t>
-                </a:r>
-                <a:endParaRPr lang="en-US" sz="800" b="1" dirty="0">
-                  <a:solidFill>
-                    <a:srgbClr val="000000"/>
-                  </a:solidFill>
-                  <a:latin typeface="Helvetica Neue"/>
-                  <a:cs typeface="Helvetica Neue"/>
-                </a:endParaRPr>
-              </a:p>
-            </p:txBody>
-          </p:sp>
           <p:grpSp>
             <p:nvGrpSpPr>
-              <p:cNvPr id="139" name="Grouper 138"/>
+              <p:cNvPr id="258" name="Grouper 257"/>
               <p:cNvGrpSpPr/>
               <p:nvPr/>
             </p:nvGrpSpPr>
             <p:grpSpPr>
               <a:xfrm>
-                <a:off x="2547606" y="1596090"/>
-                <a:ext cx="1219658" cy="976219"/>
-                <a:chOff x="1080625" y="2855345"/>
-                <a:chExt cx="2020619" cy="1617312"/>
+                <a:off x="504409" y="3166160"/>
+                <a:ext cx="4785117" cy="1566566"/>
+                <a:chOff x="4022780" y="3212693"/>
+                <a:chExt cx="4785117" cy="1566566"/>
               </a:xfrm>
             </p:grpSpPr>
-            <p:sp>
-              <p:nvSpPr>
-                <p:cNvPr id="7" name="Rectangle à coins arrondis 6"/>
-                <p:cNvSpPr/>
-                <p:nvPr/>
-              </p:nvSpPr>
-              <p:spPr>
-                <a:xfrm>
-                  <a:off x="1080625" y="2986094"/>
-                  <a:ext cx="1888377" cy="1486563"/>
-                </a:xfrm>
-                <a:prstGeom prst="roundRect">
-                  <a:avLst>
-                    <a:gd name="adj" fmla="val 16326"/>
-                  </a:avLst>
-                </a:prstGeom>
-                <a:solidFill>
-                  <a:schemeClr val="bg1"/>
-                </a:solidFill>
-                <a:ln w="12700" cmpd="sng">
-                  <a:solidFill>
-                    <a:schemeClr val="tx1"/>
-                  </a:solidFill>
-                </a:ln>
-              </p:spPr>
-              <p:style>
-                <a:lnRef idx="2">
-                  <a:schemeClr val="accent1">
-                    <a:shade val="50000"/>
-                  </a:schemeClr>
-                </a:lnRef>
-                <a:fillRef idx="1">
-                  <a:schemeClr val="accent1"/>
-                </a:fillRef>
-                <a:effectRef idx="0">
-                  <a:schemeClr val="accent1"/>
-                </a:effectRef>
-                <a:fontRef idx="minor">
-                  <a:schemeClr val="lt1"/>
-                </a:fontRef>
-              </p:style>
-              <p:txBody>
-                <a:bodyPr rtlCol="0" anchor="b"/>
-                <a:lstStyle/>
-                <a:p>
-                  <a:pPr algn="ctr"/>
-                  <a:r>
-                    <a:rPr lang="en-US" sz="800" dirty="0" smtClean="0">
-                      <a:solidFill>
-                        <a:srgbClr val="000000"/>
-                      </a:solidFill>
-                      <a:latin typeface="Helvetica Neue"/>
-                      <a:cs typeface="Helvetica Neue"/>
-                    </a:rPr>
-                    <a:t>Assess Risk </a:t>
-                  </a:r>
-                </a:p>
-                <a:p>
-                  <a:pPr algn="ctr"/>
-                  <a:r>
-                    <a:rPr lang="en-US" sz="800" dirty="0" smtClean="0">
-                      <a:solidFill>
-                        <a:srgbClr val="000000"/>
-                      </a:solidFill>
-                      <a:latin typeface="Helvetica Neue"/>
-                      <a:cs typeface="Helvetica Neue"/>
-                    </a:rPr>
-                    <a:t>Situation</a:t>
-                  </a:r>
-                </a:p>
-              </p:txBody>
-            </p:sp>
             <p:grpSp>
               <p:nvGrpSpPr>
-                <p:cNvPr id="27" name="Grouper 26"/>
+                <p:cNvPr id="204" name="Grouper 203"/>
                 <p:cNvGrpSpPr/>
                 <p:nvPr/>
               </p:nvGrpSpPr>
               <p:grpSpPr>
                 <a:xfrm>
-                  <a:off x="1693921" y="2855345"/>
-                  <a:ext cx="570980" cy="264489"/>
-                  <a:chOff x="1946335" y="2152645"/>
-                  <a:chExt cx="694269" cy="321599"/>
+                  <a:off x="4022780" y="3212693"/>
+                  <a:ext cx="4785117" cy="1566566"/>
+                  <a:chOff x="809037" y="1472603"/>
+                  <a:chExt cx="7335426" cy="2401494"/>
                 </a:xfrm>
               </p:grpSpPr>
               <p:sp>
                 <p:nvSpPr>
-                  <p:cNvPr id="21" name="Rectangle à coins arrondis 20"/>
+                  <p:cNvPr id="249" name="Rectangle à coins arrondis 248"/>
                   <p:cNvSpPr/>
                   <p:nvPr/>
                 </p:nvSpPr>
                 <p:spPr>
                   <a:xfrm>
-                    <a:off x="1946335" y="2152645"/>
-                    <a:ext cx="694269" cy="321599"/>
+                    <a:off x="809037" y="1472603"/>
+                    <a:ext cx="7335426" cy="2401494"/>
                   </a:xfrm>
                   <a:prstGeom prst="roundRect">
                     <a:avLst>
-                      <a:gd name="adj" fmla="val 50000"/>
+                      <a:gd name="adj" fmla="val 4490"/>
                     </a:avLst>
                   </a:prstGeom>
                   <a:solidFill>
-                    <a:schemeClr val="bg1"/>
+                    <a:schemeClr val="bg1">
+                      <a:lumMod val="95000"/>
+                    </a:schemeClr>
+                  </a:solidFill>
+                  <a:ln w="12700" cmpd="sng"/>
+                </p:spPr>
+                <p:style>
+                  <a:lnRef idx="2">
+                    <a:schemeClr val="accent1">
+                      <a:shade val="50000"/>
+                    </a:schemeClr>
+                  </a:lnRef>
+                  <a:fillRef idx="1">
+                    <a:schemeClr val="accent1"/>
+                  </a:fillRef>
+                  <a:effectRef idx="0">
+                    <a:schemeClr val="accent1"/>
+                  </a:effectRef>
+                  <a:fontRef idx="minor">
+                    <a:schemeClr val="lt1"/>
+                  </a:fontRef>
+                </p:style>
+                <p:txBody>
+                  <a:bodyPr rtlCol="0" anchor="ctr"/>
+                  <a:lstStyle/>
+                  <a:p>
+                    <a:pPr algn="ctr"/>
+                    <a:endParaRPr lang="en-US" sz="1000"/>
+                  </a:p>
+                </p:txBody>
+              </p:sp>
+              <p:cxnSp>
+                <p:nvCxnSpPr>
+                  <p:cNvPr id="250" name="Connecteur droit 249"/>
+                  <p:cNvCxnSpPr/>
+                  <p:nvPr/>
+                </p:nvCxnSpPr>
+                <p:spPr>
+                  <a:xfrm>
+                    <a:off x="2193137" y="1472603"/>
+                    <a:ext cx="25617" cy="2401494"/>
+                  </a:xfrm>
+                  <a:prstGeom prst="line">
+                    <a:avLst/>
+                  </a:prstGeom>
+                  <a:ln w="12700" cmpd="sng">
+                    <a:solidFill>
+                      <a:schemeClr val="tx1"/>
+                    </a:solidFill>
+                  </a:ln>
+                </p:spPr>
+                <p:style>
+                  <a:lnRef idx="2">
+                    <a:schemeClr val="accent1"/>
+                  </a:lnRef>
+                  <a:fillRef idx="0">
+                    <a:schemeClr val="accent1"/>
+                  </a:fillRef>
+                  <a:effectRef idx="1">
+                    <a:schemeClr val="accent1"/>
+                  </a:effectRef>
+                  <a:fontRef idx="minor">
+                    <a:schemeClr val="tx1"/>
+                  </a:fontRef>
+                </p:style>
+              </p:cxnSp>
+              <p:cxnSp>
+                <p:nvCxnSpPr>
+                  <p:cNvPr id="251" name="Connecteur droit 250"/>
+                  <p:cNvCxnSpPr/>
+                  <p:nvPr/>
+                </p:nvCxnSpPr>
+                <p:spPr>
+                  <a:xfrm>
+                    <a:off x="3408574" y="1472603"/>
+                    <a:ext cx="25617" cy="2401494"/>
+                  </a:xfrm>
+                  <a:prstGeom prst="line">
+                    <a:avLst/>
+                  </a:prstGeom>
+                  <a:ln w="12700" cmpd="sng">
+                    <a:solidFill>
+                      <a:schemeClr val="tx1"/>
+                    </a:solidFill>
+                  </a:ln>
+                </p:spPr>
+                <p:style>
+                  <a:lnRef idx="2">
+                    <a:schemeClr val="accent1"/>
+                  </a:lnRef>
+                  <a:fillRef idx="0">
+                    <a:schemeClr val="accent1"/>
+                  </a:fillRef>
+                  <a:effectRef idx="1">
+                    <a:schemeClr val="accent1"/>
+                  </a:effectRef>
+                  <a:fontRef idx="minor">
+                    <a:schemeClr val="tx1"/>
+                  </a:fontRef>
+                </p:style>
+              </p:cxnSp>
+              <p:cxnSp>
+                <p:nvCxnSpPr>
+                  <p:cNvPr id="252" name="Connecteur droit 251"/>
+                  <p:cNvCxnSpPr/>
+                  <p:nvPr/>
+                </p:nvCxnSpPr>
+                <p:spPr>
+                  <a:xfrm>
+                    <a:off x="4518648" y="1472603"/>
+                    <a:ext cx="25617" cy="2401494"/>
+                  </a:xfrm>
+                  <a:prstGeom prst="line">
+                    <a:avLst/>
+                  </a:prstGeom>
+                  <a:ln w="12700" cmpd="sng">
+                    <a:solidFill>
+                      <a:schemeClr val="tx1"/>
+                    </a:solidFill>
+                  </a:ln>
+                </p:spPr>
+                <p:style>
+                  <a:lnRef idx="2">
+                    <a:schemeClr val="accent1"/>
+                  </a:lnRef>
+                  <a:fillRef idx="0">
+                    <a:schemeClr val="accent1"/>
+                  </a:fillRef>
+                  <a:effectRef idx="1">
+                    <a:schemeClr val="accent1"/>
+                  </a:effectRef>
+                  <a:fontRef idx="minor">
+                    <a:schemeClr val="tx1"/>
+                  </a:fontRef>
+                </p:style>
+              </p:cxnSp>
+              <p:cxnSp>
+                <p:nvCxnSpPr>
+                  <p:cNvPr id="253" name="Connecteur droit 252"/>
+                  <p:cNvCxnSpPr/>
+                  <p:nvPr/>
+                </p:nvCxnSpPr>
+                <p:spPr>
+                  <a:xfrm>
+                    <a:off x="5798056" y="1472603"/>
+                    <a:ext cx="0" cy="2401494"/>
+                  </a:xfrm>
+                  <a:prstGeom prst="line">
+                    <a:avLst/>
+                  </a:prstGeom>
+                  <a:ln w="12700" cmpd="sng">
+                    <a:solidFill>
+                      <a:schemeClr val="tx1"/>
+                    </a:solidFill>
+                  </a:ln>
+                </p:spPr>
+                <p:style>
+                  <a:lnRef idx="2">
+                    <a:schemeClr val="accent1"/>
+                  </a:lnRef>
+                  <a:fillRef idx="0">
+                    <a:schemeClr val="accent1"/>
+                  </a:fillRef>
+                  <a:effectRef idx="1">
+                    <a:schemeClr val="accent1"/>
+                  </a:effectRef>
+                  <a:fontRef idx="minor">
+                    <a:schemeClr val="tx1"/>
+                  </a:fontRef>
+                </p:style>
+              </p:cxnSp>
+              <p:cxnSp>
+                <p:nvCxnSpPr>
+                  <p:cNvPr id="254" name="Connecteur droit 253"/>
+                  <p:cNvCxnSpPr/>
+                  <p:nvPr/>
+                </p:nvCxnSpPr>
+                <p:spPr>
+                  <a:xfrm>
+                    <a:off x="6992796" y="1472603"/>
+                    <a:ext cx="25617" cy="2401494"/>
+                  </a:xfrm>
+                  <a:prstGeom prst="line">
+                    <a:avLst/>
+                  </a:prstGeom>
+                  <a:ln w="12700" cmpd="sng">
+                    <a:solidFill>
+                      <a:schemeClr val="tx1"/>
+                    </a:solidFill>
+                  </a:ln>
+                </p:spPr>
+                <p:style>
+                  <a:lnRef idx="2">
+                    <a:schemeClr val="accent1"/>
+                  </a:lnRef>
+                  <a:fillRef idx="0">
+                    <a:schemeClr val="accent1"/>
+                  </a:fillRef>
+                  <a:effectRef idx="1">
+                    <a:schemeClr val="accent1"/>
+                  </a:effectRef>
+                  <a:fontRef idx="minor">
+                    <a:schemeClr val="tx1"/>
+                  </a:fontRef>
+                </p:style>
+              </p:cxnSp>
+              <p:cxnSp>
+                <p:nvCxnSpPr>
+                  <p:cNvPr id="255" name="Connecteur droit 254"/>
+                  <p:cNvCxnSpPr>
+                    <a:stCxn id="249" idx="3"/>
+                    <a:endCxn id="249" idx="1"/>
+                  </p:cNvCxnSpPr>
+                  <p:nvPr/>
+                </p:nvCxnSpPr>
+                <p:spPr>
+                  <a:xfrm flipH="1">
+                    <a:off x="809037" y="2673350"/>
+                    <a:ext cx="7335426" cy="0"/>
+                  </a:xfrm>
+                  <a:prstGeom prst="line">
+                    <a:avLst/>
+                  </a:prstGeom>
+                  <a:ln w="12700" cmpd="sng">
+                    <a:solidFill>
+                      <a:schemeClr val="tx1"/>
+                    </a:solidFill>
+                  </a:ln>
+                </p:spPr>
+                <p:style>
+                  <a:lnRef idx="2">
+                    <a:schemeClr val="accent1"/>
+                  </a:lnRef>
+                  <a:fillRef idx="0">
+                    <a:schemeClr val="accent1"/>
+                  </a:fillRef>
+                  <a:effectRef idx="1">
+                    <a:schemeClr val="accent1"/>
+                  </a:effectRef>
+                  <a:fontRef idx="minor">
+                    <a:schemeClr val="tx1"/>
+                  </a:fontRef>
+                </p:style>
+              </p:cxnSp>
+            </p:grpSp>
+            <p:grpSp>
+              <p:nvGrpSpPr>
+                <p:cNvPr id="205" name="Grouper 204"/>
+                <p:cNvGrpSpPr/>
+                <p:nvPr/>
+              </p:nvGrpSpPr>
+              <p:grpSpPr>
+                <a:xfrm>
+                  <a:off x="4248432" y="3591438"/>
+                  <a:ext cx="4392729" cy="255909"/>
+                  <a:chOff x="1154954" y="1968684"/>
+                  <a:chExt cx="6733908" cy="392300"/>
+                </a:xfrm>
+              </p:grpSpPr>
+              <p:sp>
+                <p:nvSpPr>
+                  <p:cNvPr id="235" name="Rectangle à coins arrondis 234"/>
+                  <p:cNvSpPr/>
+                  <p:nvPr/>
+                </p:nvSpPr>
+                <p:spPr>
+                  <a:xfrm>
+                    <a:off x="1154954" y="1968684"/>
+                    <a:ext cx="795866" cy="392300"/>
+                  </a:xfrm>
+                  <a:prstGeom prst="roundRect">
+                    <a:avLst>
+                      <a:gd name="adj" fmla="val 0"/>
+                    </a:avLst>
+                  </a:prstGeom>
+                  <a:solidFill>
+                    <a:srgbClr val="FFFFFF"/>
                   </a:solidFill>
                   <a:ln w="12700" cmpd="sng">
                     <a:solidFill>
@@ -9078,826 +9047,19 @@
                   <a:lstStyle/>
                   <a:p>
                     <a:pPr algn="ctr"/>
-                    <a:endParaRPr lang="en-US" sz="800"/>
+                    <a:endParaRPr lang="en-US" sz="1000"/>
                   </a:p>
                 </p:txBody>
               </p:sp>
               <p:sp>
                 <p:nvSpPr>
-                  <p:cNvPr id="22" name="Triangle isocèle 21"/>
+                  <p:cNvPr id="236" name="Rectangle à coins arrondis 235"/>
                   <p:cNvSpPr/>
                   <p:nvPr/>
                 </p:nvSpPr>
                 <p:spPr>
                   <a:xfrm>
-                    <a:off x="2184690" y="2212938"/>
-                    <a:ext cx="217551" cy="187543"/>
-                  </a:xfrm>
-                  <a:prstGeom prst="triangle">
-                    <a:avLst/>
-                  </a:prstGeom>
-                  <a:solidFill>
-                    <a:schemeClr val="bg1"/>
-                  </a:solidFill>
-                  <a:ln w="12700" cmpd="sng">
-                    <a:solidFill>
-                      <a:schemeClr val="tx1"/>
-                    </a:solidFill>
-                  </a:ln>
-                </p:spPr>
-                <p:style>
-                  <a:lnRef idx="2">
-                    <a:schemeClr val="accent2">
-                      <a:shade val="50000"/>
-                    </a:schemeClr>
-                  </a:lnRef>
-                  <a:fillRef idx="1">
-                    <a:schemeClr val="accent2"/>
-                  </a:fillRef>
-                  <a:effectRef idx="0">
-                    <a:schemeClr val="accent2"/>
-                  </a:effectRef>
-                  <a:fontRef idx="minor">
-                    <a:schemeClr val="lt1"/>
-                  </a:fontRef>
-                </p:style>
-                <p:txBody>
-                  <a:bodyPr rtlCol="0" anchor="ctr"/>
-                  <a:lstStyle/>
-                  <a:p>
-                    <a:pPr algn="ctr"/>
-                    <a:endParaRPr lang="en-US" sz="800"/>
-                  </a:p>
-                </p:txBody>
-              </p:sp>
-            </p:grpSp>
-            <p:grpSp>
-              <p:nvGrpSpPr>
-                <p:cNvPr id="69" name="Grouper 68"/>
-                <p:cNvGrpSpPr/>
-                <p:nvPr/>
-              </p:nvGrpSpPr>
-              <p:grpSpPr>
-                <a:xfrm>
-                  <a:off x="2836755" y="3175847"/>
-                  <a:ext cx="264489" cy="667506"/>
-                  <a:chOff x="4199622" y="3138563"/>
-                  <a:chExt cx="321600" cy="811637"/>
-                </a:xfrm>
-              </p:grpSpPr>
-              <p:sp>
-                <p:nvSpPr>
-                  <p:cNvPr id="70" name="Rectangle à coins arrondis 69"/>
-                  <p:cNvSpPr/>
-                  <p:nvPr/>
-                </p:nvSpPr>
-                <p:spPr>
-                  <a:xfrm rot="5400000">
-                    <a:off x="3954603" y="3383582"/>
-                    <a:ext cx="811637" cy="321600"/>
-                  </a:xfrm>
-                  <a:prstGeom prst="roundRect">
-                    <a:avLst>
-                      <a:gd name="adj" fmla="val 50000"/>
-                    </a:avLst>
-                  </a:prstGeom>
-                  <a:solidFill>
-                    <a:schemeClr val="bg1"/>
-                  </a:solidFill>
-                  <a:ln w="12700" cmpd="sng">
-                    <a:solidFill>
-                      <a:schemeClr val="tx1"/>
-                    </a:solidFill>
-                  </a:ln>
-                </p:spPr>
-                <p:style>
-                  <a:lnRef idx="2">
-                    <a:schemeClr val="accent1">
-                      <a:shade val="50000"/>
-                    </a:schemeClr>
-                  </a:lnRef>
-                  <a:fillRef idx="1">
-                    <a:schemeClr val="accent1"/>
-                  </a:fillRef>
-                  <a:effectRef idx="0">
-                    <a:schemeClr val="accent1"/>
-                  </a:effectRef>
-                  <a:fontRef idx="minor">
-                    <a:schemeClr val="lt1"/>
-                  </a:fontRef>
-                </p:style>
-                <p:txBody>
-                  <a:bodyPr rtlCol="0" anchor="ctr"/>
-                  <a:lstStyle/>
-                  <a:p>
-                    <a:pPr algn="ctr"/>
-                    <a:endParaRPr lang="en-US" sz="800"/>
-                  </a:p>
-                </p:txBody>
-              </p:sp>
-              <p:sp>
-                <p:nvSpPr>
-                  <p:cNvPr id="71" name="Triangle isocèle 70"/>
-                  <p:cNvSpPr/>
-                  <p:nvPr/>
-                </p:nvSpPr>
-                <p:spPr>
-                  <a:xfrm rot="5400000">
-                    <a:off x="4258365" y="3320805"/>
-                    <a:ext cx="217551" cy="187543"/>
-                  </a:xfrm>
-                  <a:prstGeom prst="triangle">
-                    <a:avLst/>
-                  </a:prstGeom>
-                  <a:solidFill>
-                    <a:schemeClr val="bg1"/>
-                  </a:solidFill>
-                  <a:ln w="12700" cmpd="sng">
-                    <a:solidFill>
-                      <a:schemeClr val="tx1"/>
-                    </a:solidFill>
-                  </a:ln>
-                </p:spPr>
-                <p:style>
-                  <a:lnRef idx="2">
-                    <a:schemeClr val="accent2">
-                      <a:shade val="50000"/>
-                    </a:schemeClr>
-                  </a:lnRef>
-                  <a:fillRef idx="1">
-                    <a:schemeClr val="accent2"/>
-                  </a:fillRef>
-                  <a:effectRef idx="0">
-                    <a:schemeClr val="accent2"/>
-                  </a:effectRef>
-                  <a:fontRef idx="minor">
-                    <a:schemeClr val="lt1"/>
-                  </a:fontRef>
-                </p:style>
-                <p:txBody>
-                  <a:bodyPr rtlCol="0" anchor="ctr"/>
-                  <a:lstStyle/>
-                  <a:p>
-                    <a:pPr algn="ctr"/>
-                    <a:endParaRPr lang="en-US" sz="800"/>
-                  </a:p>
-                </p:txBody>
-              </p:sp>
-              <p:sp>
-                <p:nvSpPr>
-                  <p:cNvPr id="72" name="Triangle isocèle 71"/>
-                  <p:cNvSpPr/>
-                  <p:nvPr/>
-                </p:nvSpPr>
-                <p:spPr>
-                  <a:xfrm rot="16200000">
-                    <a:off x="4258356" y="3584500"/>
-                    <a:ext cx="217551" cy="187543"/>
-                  </a:xfrm>
-                  <a:prstGeom prst="triangle">
-                    <a:avLst/>
-                  </a:prstGeom>
-                  <a:solidFill>
-                    <a:schemeClr val="bg1"/>
-                  </a:solidFill>
-                  <a:ln w="12700" cmpd="sng">
-                    <a:solidFill>
-                      <a:schemeClr val="tx1"/>
-                    </a:solidFill>
-                  </a:ln>
-                </p:spPr>
-                <p:style>
-                  <a:lnRef idx="2">
-                    <a:schemeClr val="accent2">
-                      <a:shade val="50000"/>
-                    </a:schemeClr>
-                  </a:lnRef>
-                  <a:fillRef idx="1">
-                    <a:schemeClr val="accent2"/>
-                  </a:fillRef>
-                  <a:effectRef idx="0">
-                    <a:schemeClr val="accent2"/>
-                  </a:effectRef>
-                  <a:fontRef idx="minor">
-                    <a:schemeClr val="lt1"/>
-                  </a:fontRef>
-                </p:style>
-                <p:txBody>
-                  <a:bodyPr rtlCol="0" anchor="ctr"/>
-                  <a:lstStyle/>
-                  <a:p>
-                    <a:pPr algn="ctr"/>
-                    <a:endParaRPr lang="en-US" sz="800"/>
-                  </a:p>
-                </p:txBody>
-              </p:sp>
-            </p:grpSp>
-          </p:grpSp>
-          <p:grpSp>
-            <p:nvGrpSpPr>
-              <p:cNvPr id="2" name="Grouper 1"/>
-              <p:cNvGrpSpPr/>
-              <p:nvPr/>
-            </p:nvGrpSpPr>
-            <p:grpSpPr>
-              <a:xfrm rot="5400000">
-                <a:off x="3206405" y="1945526"/>
-                <a:ext cx="290875" cy="153984"/>
-                <a:chOff x="4726310" y="3016625"/>
-                <a:chExt cx="585947" cy="310190"/>
-              </a:xfrm>
-            </p:grpSpPr>
-            <p:sp>
-              <p:nvSpPr>
-                <p:cNvPr id="3" name="Triangle isocèle 2"/>
-                <p:cNvSpPr/>
-                <p:nvPr/>
-              </p:nvSpPr>
-              <p:spPr>
-                <a:xfrm>
-                  <a:off x="4726310" y="3110109"/>
-                  <a:ext cx="585947" cy="119135"/>
-                </a:xfrm>
-                <a:prstGeom prst="triangle">
-                  <a:avLst/>
-                </a:prstGeom>
-                <a:solidFill>
-                  <a:schemeClr val="bg1"/>
-                </a:solidFill>
-                <a:ln w="12700" cmpd="sng">
-                  <a:solidFill>
-                    <a:srgbClr val="000000"/>
-                  </a:solidFill>
-                </a:ln>
-              </p:spPr>
-              <p:style>
-                <a:lnRef idx="2">
-                  <a:schemeClr val="accent2">
-                    <a:shade val="50000"/>
-                  </a:schemeClr>
-                </a:lnRef>
-                <a:fillRef idx="1">
-                  <a:schemeClr val="accent2"/>
-                </a:fillRef>
-                <a:effectRef idx="0">
-                  <a:schemeClr val="accent2"/>
-                </a:effectRef>
-                <a:fontRef idx="minor">
-                  <a:schemeClr val="lt1"/>
-                </a:fontRef>
-              </p:style>
-              <p:txBody>
-                <a:bodyPr rtlCol="0" anchor="ctr"/>
-                <a:lstStyle/>
-                <a:p>
-                  <a:pPr algn="ctr"/>
-                  <a:endParaRPr lang="en-US" sz="800"/>
-                </a:p>
-              </p:txBody>
-            </p:sp>
-            <p:sp>
-              <p:nvSpPr>
-                <p:cNvPr id="4" name="Ellipse 3"/>
-                <p:cNvSpPr/>
-                <p:nvPr/>
-              </p:nvSpPr>
-              <p:spPr>
-                <a:xfrm>
-                  <a:off x="4976844" y="3016625"/>
-                  <a:ext cx="84871" cy="84871"/>
-                </a:xfrm>
-                <a:prstGeom prst="ellipse">
-                  <a:avLst/>
-                </a:prstGeom>
-                <a:solidFill>
-                  <a:srgbClr val="000000"/>
-                </a:solidFill>
-                <a:ln w="12700" cmpd="sng">
-                  <a:solidFill>
-                    <a:schemeClr val="tx1"/>
-                  </a:solidFill>
-                </a:ln>
-              </p:spPr>
-              <p:style>
-                <a:lnRef idx="2">
-                  <a:schemeClr val="accent1">
-                    <a:shade val="50000"/>
-                  </a:schemeClr>
-                </a:lnRef>
-                <a:fillRef idx="1">
-                  <a:schemeClr val="accent1"/>
-                </a:fillRef>
-                <a:effectRef idx="0">
-                  <a:schemeClr val="accent1"/>
-                </a:effectRef>
-                <a:fontRef idx="minor">
-                  <a:schemeClr val="lt1"/>
-                </a:fontRef>
-              </p:style>
-              <p:txBody>
-                <a:bodyPr rtlCol="0" anchor="ctr"/>
-                <a:lstStyle/>
-                <a:p>
-                  <a:pPr algn="ctr"/>
-                  <a:endParaRPr lang="en-US" sz="800"/>
-                </a:p>
-              </p:txBody>
-            </p:sp>
-            <p:sp>
-              <p:nvSpPr>
-                <p:cNvPr id="5" name="Ellipse 4"/>
-                <p:cNvSpPr/>
-                <p:nvPr/>
-              </p:nvSpPr>
-              <p:spPr>
-                <a:xfrm>
-                  <a:off x="4840319" y="3241944"/>
-                  <a:ext cx="84871" cy="84871"/>
-                </a:xfrm>
-                <a:prstGeom prst="ellipse">
-                  <a:avLst/>
-                </a:prstGeom>
-                <a:solidFill>
-                  <a:srgbClr val="000000"/>
-                </a:solidFill>
-                <a:ln w="12700" cmpd="sng">
-                  <a:solidFill>
-                    <a:schemeClr val="tx1"/>
-                  </a:solidFill>
-                </a:ln>
-              </p:spPr>
-              <p:style>
-                <a:lnRef idx="2">
-                  <a:schemeClr val="accent1">
-                    <a:shade val="50000"/>
-                  </a:schemeClr>
-                </a:lnRef>
-                <a:fillRef idx="1">
-                  <a:schemeClr val="accent1"/>
-                </a:fillRef>
-                <a:effectRef idx="0">
-                  <a:schemeClr val="accent1"/>
-                </a:effectRef>
-                <a:fontRef idx="minor">
-                  <a:schemeClr val="lt1"/>
-                </a:fontRef>
-              </p:style>
-              <p:txBody>
-                <a:bodyPr rtlCol="0" anchor="ctr"/>
-                <a:lstStyle/>
-                <a:p>
-                  <a:pPr algn="ctr"/>
-                  <a:endParaRPr lang="en-US" sz="800"/>
-                </a:p>
-              </p:txBody>
-            </p:sp>
-            <p:sp>
-              <p:nvSpPr>
-                <p:cNvPr id="6" name="Ellipse 5"/>
-                <p:cNvSpPr/>
-                <p:nvPr/>
-              </p:nvSpPr>
-              <p:spPr>
-                <a:xfrm>
-                  <a:off x="5113369" y="3241944"/>
-                  <a:ext cx="84871" cy="84871"/>
-                </a:xfrm>
-                <a:prstGeom prst="ellipse">
-                  <a:avLst/>
-                </a:prstGeom>
-                <a:solidFill>
-                  <a:srgbClr val="000000"/>
-                </a:solidFill>
-                <a:ln w="12700" cmpd="sng">
-                  <a:solidFill>
-                    <a:schemeClr val="tx1"/>
-                  </a:solidFill>
-                </a:ln>
-              </p:spPr>
-              <p:style>
-                <a:lnRef idx="2">
-                  <a:schemeClr val="accent1">
-                    <a:shade val="50000"/>
-                  </a:schemeClr>
-                </a:lnRef>
-                <a:fillRef idx="1">
-                  <a:schemeClr val="accent1"/>
-                </a:fillRef>
-                <a:effectRef idx="0">
-                  <a:schemeClr val="accent1"/>
-                </a:effectRef>
-                <a:fontRef idx="minor">
-                  <a:schemeClr val="lt1"/>
-                </a:fontRef>
-              </p:style>
-              <p:txBody>
-                <a:bodyPr rtlCol="0" anchor="ctr"/>
-                <a:lstStyle/>
-                <a:p>
-                  <a:pPr algn="ctr"/>
-                  <a:endParaRPr lang="en-US" sz="800"/>
-                </a:p>
-              </p:txBody>
-            </p:sp>
-          </p:grpSp>
-          <p:grpSp>
-            <p:nvGrpSpPr>
-              <p:cNvPr id="8" name="Grouper 7"/>
-              <p:cNvGrpSpPr/>
-              <p:nvPr/>
-            </p:nvGrpSpPr>
-            <p:grpSpPr>
-              <a:xfrm>
-                <a:off x="2716016" y="1989401"/>
-                <a:ext cx="201778" cy="201778"/>
-                <a:chOff x="5279957" y="4005457"/>
-                <a:chExt cx="476318" cy="476318"/>
-              </a:xfrm>
-            </p:grpSpPr>
-            <p:sp>
-              <p:nvSpPr>
-                <p:cNvPr id="9" name="Ellipse 8"/>
-                <p:cNvSpPr/>
-                <p:nvPr/>
-              </p:nvSpPr>
-              <p:spPr>
-                <a:xfrm>
-                  <a:off x="5279957" y="4005457"/>
-                  <a:ext cx="476318" cy="476318"/>
-                </a:xfrm>
-                <a:prstGeom prst="ellipse">
-                  <a:avLst/>
-                </a:prstGeom>
-                <a:noFill/>
-                <a:ln w="12700" cmpd="sng">
-                  <a:solidFill>
-                    <a:srgbClr val="000000"/>
-                  </a:solidFill>
-                </a:ln>
-              </p:spPr>
-              <p:style>
-                <a:lnRef idx="2">
-                  <a:schemeClr val="accent1">
-                    <a:shade val="50000"/>
-                  </a:schemeClr>
-                </a:lnRef>
-                <a:fillRef idx="1">
-                  <a:schemeClr val="accent1"/>
-                </a:fillRef>
-                <a:effectRef idx="0">
-                  <a:schemeClr val="accent1"/>
-                </a:effectRef>
-                <a:fontRef idx="minor">
-                  <a:schemeClr val="lt1"/>
-                </a:fontRef>
-              </p:style>
-              <p:txBody>
-                <a:bodyPr rtlCol="0" anchor="ctr"/>
-                <a:lstStyle/>
-                <a:p>
-                  <a:pPr algn="ctr"/>
-                  <a:endParaRPr lang="en-US" sz="800"/>
-                </a:p>
-              </p:txBody>
-            </p:sp>
-            <p:sp>
-              <p:nvSpPr>
-                <p:cNvPr id="10" name="Ellipse 9"/>
-                <p:cNvSpPr/>
-                <p:nvPr/>
-              </p:nvSpPr>
-              <p:spPr>
-                <a:xfrm>
-                  <a:off x="5348725" y="4074225"/>
-                  <a:ext cx="338782" cy="338782"/>
-                </a:xfrm>
-                <a:prstGeom prst="ellipse">
-                  <a:avLst/>
-                </a:prstGeom>
-                <a:solidFill>
-                  <a:schemeClr val="accent5"/>
-                </a:solidFill>
-                <a:ln w="12700" cmpd="sng">
-                  <a:solidFill>
-                    <a:srgbClr val="000000"/>
-                  </a:solidFill>
-                </a:ln>
-              </p:spPr>
-              <p:style>
-                <a:lnRef idx="2">
-                  <a:schemeClr val="accent1">
-                    <a:shade val="50000"/>
-                  </a:schemeClr>
-                </a:lnRef>
-                <a:fillRef idx="1">
-                  <a:schemeClr val="accent1"/>
-                </a:fillRef>
-                <a:effectRef idx="0">
-                  <a:schemeClr val="accent1"/>
-                </a:effectRef>
-                <a:fontRef idx="minor">
-                  <a:schemeClr val="lt1"/>
-                </a:fontRef>
-              </p:style>
-              <p:txBody>
-                <a:bodyPr rtlCol="0" anchor="ctr"/>
-                <a:lstStyle/>
-                <a:p>
-                  <a:pPr algn="ctr"/>
-                  <a:endParaRPr lang="en-US" sz="800"/>
-                </a:p>
-              </p:txBody>
-            </p:sp>
-            <p:sp>
-              <p:nvSpPr>
-                <p:cNvPr id="11" name="Ellipse 10"/>
-                <p:cNvSpPr/>
-                <p:nvPr/>
-              </p:nvSpPr>
-              <p:spPr>
-                <a:xfrm>
-                  <a:off x="5468388" y="4193888"/>
-                  <a:ext cx="99456" cy="99456"/>
-                </a:xfrm>
-                <a:prstGeom prst="ellipse">
-                  <a:avLst/>
-                </a:prstGeom>
-                <a:solidFill>
-                  <a:srgbClr val="000000"/>
-                </a:solidFill>
-                <a:ln w="12700" cmpd="sng">
-                  <a:noFill/>
-                </a:ln>
-              </p:spPr>
-              <p:style>
-                <a:lnRef idx="2">
-                  <a:schemeClr val="accent1">
-                    <a:shade val="50000"/>
-                  </a:schemeClr>
-                </a:lnRef>
-                <a:fillRef idx="1">
-                  <a:schemeClr val="accent1"/>
-                </a:fillRef>
-                <a:effectRef idx="0">
-                  <a:schemeClr val="accent1"/>
-                </a:effectRef>
-                <a:fontRef idx="minor">
-                  <a:schemeClr val="lt1"/>
-                </a:fontRef>
-              </p:style>
-              <p:txBody>
-                <a:bodyPr rtlCol="0" anchor="ctr"/>
-                <a:lstStyle/>
-                <a:p>
-                  <a:pPr algn="ctr"/>
-                  <a:endParaRPr lang="en-US" sz="800"/>
-                </a:p>
-              </p:txBody>
-            </p:sp>
-          </p:grpSp>
-          <p:cxnSp>
-            <p:nvCxnSpPr>
-              <p:cNvPr id="34" name="Connecteur droit 22"/>
-              <p:cNvCxnSpPr>
-                <a:stCxn id="30" idx="2"/>
-                <a:endCxn id="21" idx="0"/>
-              </p:cNvCxnSpPr>
-              <p:nvPr/>
-            </p:nvCxnSpPr>
-            <p:spPr>
-              <a:xfrm>
-                <a:off x="3090119" y="1248714"/>
-                <a:ext cx="0" cy="347377"/>
-              </a:xfrm>
-              <a:prstGeom prst="straightConnector1">
-                <a:avLst/>
-              </a:prstGeom>
-              <a:ln w="28575" cmpd="sng">
-                <a:solidFill>
-                  <a:schemeClr val="accent3"/>
-                </a:solidFill>
-                <a:prstDash val="solid"/>
-              </a:ln>
-            </p:spPr>
-            <p:style>
-              <a:lnRef idx="2">
-                <a:schemeClr val="accent1"/>
-              </a:lnRef>
-              <a:fillRef idx="0">
-                <a:schemeClr val="accent1"/>
-              </a:fillRef>
-              <a:effectRef idx="1">
-                <a:schemeClr val="accent1"/>
-              </a:effectRef>
-              <a:fontRef idx="minor">
-                <a:schemeClr val="tx1"/>
-              </a:fontRef>
-            </p:style>
-          </p:cxnSp>
-          <p:cxnSp>
-            <p:nvCxnSpPr>
-              <p:cNvPr id="38" name="Connecteur droit 22"/>
-              <p:cNvCxnSpPr>
-                <a:stCxn id="21" idx="2"/>
-                <a:endCxn id="5" idx="4"/>
-              </p:cNvCxnSpPr>
-              <p:nvPr/>
-            </p:nvCxnSpPr>
-            <p:spPr>
-              <a:xfrm rot="16200000" flipH="1">
-                <a:off x="3082982" y="1762874"/>
-                <a:ext cx="199005" cy="184732"/>
-              </a:xfrm>
-              <a:prstGeom prst="curvedConnector2">
-                <a:avLst/>
-              </a:prstGeom>
-              <a:ln w="12700" cmpd="sng">
-                <a:solidFill>
-                  <a:schemeClr val="tx1"/>
-                </a:solidFill>
-                <a:prstDash val="sysDash"/>
-              </a:ln>
-            </p:spPr>
-            <p:style>
-              <a:lnRef idx="2">
-                <a:schemeClr val="accent1"/>
-              </a:lnRef>
-              <a:fillRef idx="0">
-                <a:schemeClr val="accent1"/>
-              </a:fillRef>
-              <a:effectRef idx="1">
-                <a:schemeClr val="accent1"/>
-              </a:effectRef>
-              <a:fontRef idx="minor">
-                <a:schemeClr val="tx1"/>
-              </a:fontRef>
-            </p:style>
-          </p:cxnSp>
-          <p:cxnSp>
-            <p:nvCxnSpPr>
-              <p:cNvPr id="42" name="Connecteur droit 22"/>
-              <p:cNvCxnSpPr>
-                <a:stCxn id="9" idx="6"/>
-                <a:endCxn id="6" idx="4"/>
-              </p:cNvCxnSpPr>
-              <p:nvPr/>
-            </p:nvCxnSpPr>
-            <p:spPr>
-              <a:xfrm>
-                <a:off x="2917795" y="2090290"/>
-                <a:ext cx="357055" cy="0"/>
-              </a:xfrm>
-              <a:prstGeom prst="straightConnector1">
-                <a:avLst/>
-              </a:prstGeom>
-              <a:ln w="12700" cmpd="sng">
-                <a:solidFill>
-                  <a:schemeClr val="tx1"/>
-                </a:solidFill>
-                <a:prstDash val="sysDash"/>
-              </a:ln>
-            </p:spPr>
-            <p:style>
-              <a:lnRef idx="2">
-                <a:schemeClr val="accent1"/>
-              </a:lnRef>
-              <a:fillRef idx="0">
-                <a:schemeClr val="accent1"/>
-              </a:fillRef>
-              <a:effectRef idx="1">
-                <a:schemeClr val="accent1"/>
-              </a:effectRef>
-              <a:fontRef idx="minor">
-                <a:schemeClr val="tx1"/>
-              </a:fontRef>
-            </p:style>
-          </p:cxnSp>
-          <p:grpSp>
-            <p:nvGrpSpPr>
-              <p:cNvPr id="138" name="Grouper 137"/>
-              <p:cNvGrpSpPr/>
-              <p:nvPr/>
-            </p:nvGrpSpPr>
-            <p:grpSpPr>
-              <a:xfrm>
-                <a:off x="2547606" y="585909"/>
-                <a:ext cx="1219659" cy="662804"/>
-                <a:chOff x="1080625" y="1181769"/>
-                <a:chExt cx="2020621" cy="1098074"/>
-              </a:xfrm>
-            </p:grpSpPr>
-            <p:sp>
-              <p:nvSpPr>
-                <p:cNvPr id="28" name="Rectangle à coins arrondis 27"/>
-                <p:cNvSpPr/>
-                <p:nvPr/>
-              </p:nvSpPr>
-              <p:spPr>
-                <a:xfrm>
-                  <a:off x="1080625" y="1181769"/>
-                  <a:ext cx="1888377" cy="965830"/>
-                </a:xfrm>
-                <a:prstGeom prst="roundRect">
-                  <a:avLst>
-                    <a:gd name="adj" fmla="val 16326"/>
-                  </a:avLst>
-                </a:prstGeom>
-                <a:solidFill>
-                  <a:schemeClr val="bg1"/>
-                </a:solidFill>
-                <a:ln w="12700" cmpd="sng">
-                  <a:solidFill>
-                    <a:schemeClr val="tx1"/>
-                  </a:solidFill>
-                </a:ln>
-              </p:spPr>
-              <p:style>
-                <a:lnRef idx="2">
-                  <a:schemeClr val="accent1">
-                    <a:shade val="50000"/>
-                  </a:schemeClr>
-                </a:lnRef>
-                <a:fillRef idx="1">
-                  <a:schemeClr val="accent1"/>
-                </a:fillRef>
-                <a:effectRef idx="0">
-                  <a:schemeClr val="accent1"/>
-                </a:effectRef>
-                <a:fontRef idx="minor">
-                  <a:schemeClr val="lt1"/>
-                </a:fontRef>
-              </p:style>
-              <p:txBody>
-                <a:bodyPr rtlCol="0" anchor="t"/>
-                <a:lstStyle/>
-                <a:p>
-                  <a:pPr algn="ctr"/>
-                  <a:r>
-                    <a:rPr lang="en-US" sz="800" dirty="0" smtClean="0">
-                      <a:solidFill>
-                        <a:srgbClr val="000000"/>
-                      </a:solidFill>
-                      <a:latin typeface="Helvetica Neue"/>
-                      <a:cs typeface="Helvetica Neue"/>
-                    </a:rPr>
-                    <a:t>Identify </a:t>
-                  </a:r>
-                  <a:endParaRPr lang="en-US" sz="800" dirty="0">
-                    <a:solidFill>
-                      <a:srgbClr val="000000"/>
-                    </a:solidFill>
-                    <a:latin typeface="Helvetica Neue"/>
-                    <a:cs typeface="Helvetica Neue"/>
-                  </a:endParaRPr>
-                </a:p>
-                <a:p>
-                  <a:pPr algn="ctr"/>
-                  <a:r>
-                    <a:rPr lang="en-US" sz="800" dirty="0">
-                      <a:solidFill>
-                        <a:srgbClr val="000000"/>
-                      </a:solidFill>
-                      <a:latin typeface="Helvetica Neue"/>
-                      <a:cs typeface="Helvetica Neue"/>
-                    </a:rPr>
-                    <a:t>Amendments</a:t>
-                  </a:r>
-                </a:p>
-                <a:p>
-                  <a:pPr algn="ctr"/>
-                  <a:endParaRPr lang="en-US" sz="800" dirty="0">
-                    <a:solidFill>
-                      <a:srgbClr val="000000"/>
-                    </a:solidFill>
-                    <a:latin typeface="Helvetica Neue"/>
-                    <a:cs typeface="Helvetica Neue"/>
-                  </a:endParaRPr>
-                </a:p>
-              </p:txBody>
-            </p:sp>
-            <p:grpSp>
-              <p:nvGrpSpPr>
-                <p:cNvPr id="29" name="Grouper 28"/>
-                <p:cNvGrpSpPr/>
-                <p:nvPr/>
-              </p:nvGrpSpPr>
-              <p:grpSpPr>
-                <a:xfrm>
-                  <a:off x="1693920" y="2015354"/>
-                  <a:ext cx="570980" cy="264489"/>
-                  <a:chOff x="1946331" y="2152640"/>
-                  <a:chExt cx="694268" cy="321598"/>
-                </a:xfrm>
-              </p:grpSpPr>
-              <p:sp>
-                <p:nvSpPr>
-                  <p:cNvPr id="30" name="Rectangle à coins arrondis 29"/>
-                  <p:cNvSpPr/>
-                  <p:nvPr/>
-                </p:nvSpPr>
-                <p:spPr>
-                  <a:xfrm>
-                    <a:off x="1946331" y="2152640"/>
+                    <a:off x="2412865" y="2004035"/>
                     <a:ext cx="694268" cy="321598"/>
                   </a:xfrm>
                   <a:prstGeom prst="roundRect">
@@ -9935,20 +9097,20 @@
                   <a:lstStyle/>
                   <a:p>
                     <a:pPr algn="ctr"/>
-                    <a:endParaRPr lang="en-US" sz="800"/>
+                    <a:endParaRPr lang="en-US" sz="1000"/>
                   </a:p>
                 </p:txBody>
               </p:sp>
               <p:sp>
                 <p:nvSpPr>
-                  <p:cNvPr id="31" name="Triangle isocèle 30"/>
+                  <p:cNvPr id="237" name="Triangle isocèle 236"/>
                   <p:cNvSpPr/>
                   <p:nvPr/>
                 </p:nvSpPr>
                 <p:spPr>
-                  <a:xfrm>
-                    <a:off x="2184690" y="2212937"/>
-                    <a:ext cx="217550" cy="187542"/>
+                  <a:xfrm rot="10800000">
+                    <a:off x="3780829" y="2016230"/>
+                    <a:ext cx="344762" cy="297208"/>
                   </a:xfrm>
                   <a:prstGeom prst="triangle">
                     <a:avLst/>
@@ -9983,39 +9145,638 @@
                   <a:lstStyle/>
                   <a:p>
                     <a:pPr algn="ctr"/>
-                    <a:endParaRPr lang="en-US" sz="800"/>
+                    <a:endParaRPr lang="en-US" sz="1000"/>
                   </a:p>
                 </p:txBody>
               </p:sp>
+              <p:cxnSp>
+                <p:nvCxnSpPr>
+                  <p:cNvPr id="238" name="Connecteur droit 237"/>
+                  <p:cNvCxnSpPr/>
+                  <p:nvPr/>
+                </p:nvCxnSpPr>
+                <p:spPr>
+                  <a:xfrm>
+                    <a:off x="4907289" y="2164834"/>
+                    <a:ext cx="568028" cy="0"/>
+                  </a:xfrm>
+                  <a:prstGeom prst="line">
+                    <a:avLst/>
+                  </a:prstGeom>
+                  <a:ln w="19050" cmpd="sng">
+                    <a:solidFill>
+                      <a:srgbClr val="526DB0"/>
+                    </a:solidFill>
+                    <a:prstDash val="solid"/>
+                  </a:ln>
+                </p:spPr>
+                <p:style>
+                  <a:lnRef idx="2">
+                    <a:schemeClr val="accent1"/>
+                  </a:lnRef>
+                  <a:fillRef idx="0">
+                    <a:schemeClr val="accent1"/>
+                  </a:fillRef>
+                  <a:effectRef idx="1">
+                    <a:schemeClr val="accent1"/>
+                  </a:effectRef>
+                  <a:fontRef idx="minor">
+                    <a:schemeClr val="tx1"/>
+                  </a:fontRef>
+                </p:style>
+              </p:cxnSp>
+              <p:grpSp>
+                <p:nvGrpSpPr>
+                  <p:cNvPr id="239" name="Grouper 238"/>
+                  <p:cNvGrpSpPr/>
+                  <p:nvPr/>
+                </p:nvGrpSpPr>
+                <p:grpSpPr>
+                  <a:xfrm>
+                    <a:off x="6145383" y="2009739"/>
+                    <a:ext cx="568028" cy="310190"/>
+                    <a:chOff x="4043617" y="3016625"/>
+                    <a:chExt cx="568028" cy="310190"/>
+                  </a:xfrm>
+                </p:grpSpPr>
+                <p:cxnSp>
+                  <p:nvCxnSpPr>
+                    <p:cNvPr id="245" name="Connecteur droit 244"/>
+                    <p:cNvCxnSpPr/>
+                    <p:nvPr/>
+                  </p:nvCxnSpPr>
+                  <p:spPr>
+                    <a:xfrm>
+                      <a:off x="4043617" y="3171242"/>
+                      <a:ext cx="568028" cy="0"/>
+                    </a:xfrm>
+                    <a:prstGeom prst="line">
+                      <a:avLst/>
+                    </a:prstGeom>
+                    <a:ln w="12700" cmpd="sng">
+                      <a:solidFill>
+                        <a:schemeClr val="tx1"/>
+                      </a:solidFill>
+                    </a:ln>
+                  </p:spPr>
+                  <p:style>
+                    <a:lnRef idx="2">
+                      <a:schemeClr val="accent1"/>
+                    </a:lnRef>
+                    <a:fillRef idx="0">
+                      <a:schemeClr val="accent1"/>
+                    </a:fillRef>
+                    <a:effectRef idx="1">
+                      <a:schemeClr val="accent1"/>
+                    </a:effectRef>
+                    <a:fontRef idx="minor">
+                      <a:schemeClr val="tx1"/>
+                    </a:fontRef>
+                  </p:style>
+                </p:cxnSp>
+                <p:sp>
+                  <p:nvSpPr>
+                    <p:cNvPr id="246" name="Ellipse 245"/>
+                    <p:cNvSpPr/>
+                    <p:nvPr/>
+                  </p:nvSpPr>
+                  <p:spPr>
+                    <a:xfrm>
+                      <a:off x="4285196" y="3016625"/>
+                      <a:ext cx="84871" cy="84871"/>
+                    </a:xfrm>
+                    <a:prstGeom prst="ellipse">
+                      <a:avLst/>
+                    </a:prstGeom>
+                    <a:solidFill>
+                      <a:srgbClr val="000000"/>
+                    </a:solidFill>
+                    <a:ln w="12700" cmpd="sng">
+                      <a:solidFill>
+                        <a:schemeClr val="tx1"/>
+                      </a:solidFill>
+                    </a:ln>
+                  </p:spPr>
+                  <p:style>
+                    <a:lnRef idx="2">
+                      <a:schemeClr val="accent1">
+                        <a:shade val="50000"/>
+                      </a:schemeClr>
+                    </a:lnRef>
+                    <a:fillRef idx="1">
+                      <a:schemeClr val="accent1"/>
+                    </a:fillRef>
+                    <a:effectRef idx="0">
+                      <a:schemeClr val="accent1"/>
+                    </a:effectRef>
+                    <a:fontRef idx="minor">
+                      <a:schemeClr val="lt1"/>
+                    </a:fontRef>
+                  </p:style>
+                  <p:txBody>
+                    <a:bodyPr rtlCol="0" anchor="ctr"/>
+                    <a:lstStyle/>
+                    <a:p>
+                      <a:pPr algn="ctr"/>
+                      <a:endParaRPr lang="en-US" sz="200"/>
+                    </a:p>
+                  </p:txBody>
+                </p:sp>
+                <p:sp>
+                  <p:nvSpPr>
+                    <p:cNvPr id="247" name="Ellipse 246"/>
+                    <p:cNvSpPr/>
+                    <p:nvPr/>
+                  </p:nvSpPr>
+                  <p:spPr>
+                    <a:xfrm>
+                      <a:off x="4148671" y="3241944"/>
+                      <a:ext cx="84871" cy="84871"/>
+                    </a:xfrm>
+                    <a:prstGeom prst="ellipse">
+                      <a:avLst/>
+                    </a:prstGeom>
+                    <a:solidFill>
+                      <a:srgbClr val="000000"/>
+                    </a:solidFill>
+                    <a:ln w="12700" cmpd="sng">
+                      <a:solidFill>
+                        <a:schemeClr val="tx1"/>
+                      </a:solidFill>
+                    </a:ln>
+                  </p:spPr>
+                  <p:style>
+                    <a:lnRef idx="2">
+                      <a:schemeClr val="accent1">
+                        <a:shade val="50000"/>
+                      </a:schemeClr>
+                    </a:lnRef>
+                    <a:fillRef idx="1">
+                      <a:schemeClr val="accent1"/>
+                    </a:fillRef>
+                    <a:effectRef idx="0">
+                      <a:schemeClr val="accent1"/>
+                    </a:effectRef>
+                    <a:fontRef idx="minor">
+                      <a:schemeClr val="lt1"/>
+                    </a:fontRef>
+                  </p:style>
+                  <p:txBody>
+                    <a:bodyPr rtlCol="0" anchor="ctr"/>
+                    <a:lstStyle/>
+                    <a:p>
+                      <a:pPr algn="ctr"/>
+                      <a:endParaRPr lang="en-US" sz="200"/>
+                    </a:p>
+                  </p:txBody>
+                </p:sp>
+                <p:sp>
+                  <p:nvSpPr>
+                    <p:cNvPr id="248" name="Ellipse 247"/>
+                    <p:cNvSpPr/>
+                    <p:nvPr/>
+                  </p:nvSpPr>
+                  <p:spPr>
+                    <a:xfrm>
+                      <a:off x="4421721" y="3241944"/>
+                      <a:ext cx="84871" cy="84871"/>
+                    </a:xfrm>
+                    <a:prstGeom prst="ellipse">
+                      <a:avLst/>
+                    </a:prstGeom>
+                    <a:solidFill>
+                      <a:srgbClr val="000000"/>
+                    </a:solidFill>
+                    <a:ln w="12700" cmpd="sng">
+                      <a:solidFill>
+                        <a:schemeClr val="tx1"/>
+                      </a:solidFill>
+                    </a:ln>
+                  </p:spPr>
+                  <p:style>
+                    <a:lnRef idx="2">
+                      <a:schemeClr val="accent1">
+                        <a:shade val="50000"/>
+                      </a:schemeClr>
+                    </a:lnRef>
+                    <a:fillRef idx="1">
+                      <a:schemeClr val="accent1"/>
+                    </a:fillRef>
+                    <a:effectRef idx="0">
+                      <a:schemeClr val="accent1"/>
+                    </a:effectRef>
+                    <a:fontRef idx="minor">
+                      <a:schemeClr val="lt1"/>
+                    </a:fontRef>
+                  </p:style>
+                  <p:txBody>
+                    <a:bodyPr rtlCol="0" anchor="ctr"/>
+                    <a:lstStyle/>
+                    <a:p>
+                      <a:pPr algn="ctr"/>
+                      <a:endParaRPr lang="en-US" sz="200"/>
+                    </a:p>
+                  </p:txBody>
+                </p:sp>
+              </p:grpSp>
+              <p:grpSp>
+                <p:nvGrpSpPr>
+                  <p:cNvPr id="240" name="Grouper 239"/>
+                  <p:cNvGrpSpPr/>
+                  <p:nvPr/>
+                </p:nvGrpSpPr>
+                <p:grpSpPr>
+                  <a:xfrm>
+                    <a:off x="7302915" y="2009739"/>
+                    <a:ext cx="585947" cy="310190"/>
+                    <a:chOff x="4726306" y="3016625"/>
+                    <a:chExt cx="585947" cy="310190"/>
+                  </a:xfrm>
+                </p:grpSpPr>
+                <p:sp>
+                  <p:nvSpPr>
+                    <p:cNvPr id="241" name="Triangle isocèle 240"/>
+                    <p:cNvSpPr/>
+                    <p:nvPr/>
+                  </p:nvSpPr>
+                  <p:spPr>
+                    <a:xfrm>
+                      <a:off x="4726306" y="3106933"/>
+                      <a:ext cx="585947" cy="119135"/>
+                    </a:xfrm>
+                    <a:prstGeom prst="triangle">
+                      <a:avLst/>
+                    </a:prstGeom>
+                    <a:solidFill>
+                      <a:schemeClr val="bg1"/>
+                    </a:solidFill>
+                    <a:ln w="12700" cmpd="sng">
+                      <a:solidFill>
+                        <a:srgbClr val="000000"/>
+                      </a:solidFill>
+                    </a:ln>
+                  </p:spPr>
+                  <p:style>
+                    <a:lnRef idx="2">
+                      <a:schemeClr val="accent2">
+                        <a:shade val="50000"/>
+                      </a:schemeClr>
+                    </a:lnRef>
+                    <a:fillRef idx="1">
+                      <a:schemeClr val="accent2"/>
+                    </a:fillRef>
+                    <a:effectRef idx="0">
+                      <a:schemeClr val="accent2"/>
+                    </a:effectRef>
+                    <a:fontRef idx="minor">
+                      <a:schemeClr val="lt1"/>
+                    </a:fontRef>
+                  </p:style>
+                  <p:txBody>
+                    <a:bodyPr rtlCol="0" anchor="ctr"/>
+                    <a:lstStyle/>
+                    <a:p>
+                      <a:pPr algn="ctr"/>
+                      <a:endParaRPr lang="en-US" sz="1000"/>
+                    </a:p>
+                  </p:txBody>
+                </p:sp>
+                <p:sp>
+                  <p:nvSpPr>
+                    <p:cNvPr id="242" name="Ellipse 241"/>
+                    <p:cNvSpPr/>
+                    <p:nvPr/>
+                  </p:nvSpPr>
+                  <p:spPr>
+                    <a:xfrm>
+                      <a:off x="4976844" y="3016625"/>
+                      <a:ext cx="84871" cy="84871"/>
+                    </a:xfrm>
+                    <a:prstGeom prst="ellipse">
+                      <a:avLst/>
+                    </a:prstGeom>
+                    <a:solidFill>
+                      <a:srgbClr val="000000"/>
+                    </a:solidFill>
+                    <a:ln w="12700" cmpd="sng">
+                      <a:solidFill>
+                        <a:schemeClr val="tx1"/>
+                      </a:solidFill>
+                    </a:ln>
+                  </p:spPr>
+                  <p:style>
+                    <a:lnRef idx="2">
+                      <a:schemeClr val="accent1">
+                        <a:shade val="50000"/>
+                      </a:schemeClr>
+                    </a:lnRef>
+                    <a:fillRef idx="1">
+                      <a:schemeClr val="accent1"/>
+                    </a:fillRef>
+                    <a:effectRef idx="0">
+                      <a:schemeClr val="accent1"/>
+                    </a:effectRef>
+                    <a:fontRef idx="minor">
+                      <a:schemeClr val="lt1"/>
+                    </a:fontRef>
+                  </p:style>
+                  <p:txBody>
+                    <a:bodyPr rtlCol="0" anchor="ctr"/>
+                    <a:lstStyle/>
+                    <a:p>
+                      <a:pPr algn="ctr"/>
+                      <a:endParaRPr lang="en-US" sz="200"/>
+                    </a:p>
+                  </p:txBody>
+                </p:sp>
+                <p:sp>
+                  <p:nvSpPr>
+                    <p:cNvPr id="243" name="Ellipse 242"/>
+                    <p:cNvSpPr/>
+                    <p:nvPr/>
+                  </p:nvSpPr>
+                  <p:spPr>
+                    <a:xfrm>
+                      <a:off x="4840319" y="3241944"/>
+                      <a:ext cx="84871" cy="84871"/>
+                    </a:xfrm>
+                    <a:prstGeom prst="ellipse">
+                      <a:avLst/>
+                    </a:prstGeom>
+                    <a:solidFill>
+                      <a:srgbClr val="000000"/>
+                    </a:solidFill>
+                    <a:ln w="12700" cmpd="sng">
+                      <a:solidFill>
+                        <a:schemeClr val="tx1"/>
+                      </a:solidFill>
+                    </a:ln>
+                  </p:spPr>
+                  <p:style>
+                    <a:lnRef idx="2">
+                      <a:schemeClr val="accent1">
+                        <a:shade val="50000"/>
+                      </a:schemeClr>
+                    </a:lnRef>
+                    <a:fillRef idx="1">
+                      <a:schemeClr val="accent1"/>
+                    </a:fillRef>
+                    <a:effectRef idx="0">
+                      <a:schemeClr val="accent1"/>
+                    </a:effectRef>
+                    <a:fontRef idx="minor">
+                      <a:schemeClr val="lt1"/>
+                    </a:fontRef>
+                  </p:style>
+                  <p:txBody>
+                    <a:bodyPr rtlCol="0" anchor="ctr"/>
+                    <a:lstStyle/>
+                    <a:p>
+                      <a:pPr algn="ctr"/>
+                      <a:endParaRPr lang="en-US" sz="200"/>
+                    </a:p>
+                  </p:txBody>
+                </p:sp>
+                <p:sp>
+                  <p:nvSpPr>
+                    <p:cNvPr id="244" name="Ellipse 243"/>
+                    <p:cNvSpPr/>
+                    <p:nvPr/>
+                  </p:nvSpPr>
+                  <p:spPr>
+                    <a:xfrm>
+                      <a:off x="5113369" y="3241944"/>
+                      <a:ext cx="84871" cy="84871"/>
+                    </a:xfrm>
+                    <a:prstGeom prst="ellipse">
+                      <a:avLst/>
+                    </a:prstGeom>
+                    <a:solidFill>
+                      <a:srgbClr val="000000"/>
+                    </a:solidFill>
+                    <a:ln w="12700" cmpd="sng">
+                      <a:solidFill>
+                        <a:schemeClr val="tx1"/>
+                      </a:solidFill>
+                    </a:ln>
+                  </p:spPr>
+                  <p:style>
+                    <a:lnRef idx="2">
+                      <a:schemeClr val="accent1">
+                        <a:shade val="50000"/>
+                      </a:schemeClr>
+                    </a:lnRef>
+                    <a:fillRef idx="1">
+                      <a:schemeClr val="accent1"/>
+                    </a:fillRef>
+                    <a:effectRef idx="0">
+                      <a:schemeClr val="accent1"/>
+                    </a:effectRef>
+                    <a:fontRef idx="minor">
+                      <a:schemeClr val="lt1"/>
+                    </a:fontRef>
+                  </p:style>
+                  <p:txBody>
+                    <a:bodyPr rtlCol="0" anchor="ctr"/>
+                    <a:lstStyle/>
+                    <a:p>
+                      <a:pPr algn="ctr"/>
+                      <a:endParaRPr lang="en-US" sz="200"/>
+                    </a:p>
+                  </p:txBody>
+                </p:sp>
+              </p:grpSp>
             </p:grpSp>
             <p:grpSp>
               <p:nvGrpSpPr>
-                <p:cNvPr id="45" name="Grouper 44"/>
+                <p:cNvPr id="206" name="Grouper 205"/>
                 <p:cNvGrpSpPr/>
                 <p:nvPr/>
               </p:nvGrpSpPr>
               <p:grpSpPr>
-                <a:xfrm rot="5400000">
-                  <a:off x="2683512" y="1526069"/>
-                  <a:ext cx="570980" cy="264489"/>
-                  <a:chOff x="1946331" y="2152640"/>
-                  <a:chExt cx="694268" cy="321598"/>
+                <a:xfrm>
+                  <a:off x="4211980" y="4390249"/>
+                  <a:ext cx="4472318" cy="342477"/>
+                  <a:chOff x="1099074" y="3277757"/>
+                  <a:chExt cx="6855916" cy="525006"/>
                 </a:xfrm>
               </p:grpSpPr>
+              <p:grpSp>
+                <p:nvGrpSpPr>
+                  <p:cNvPr id="221" name="Grouper 220"/>
+                  <p:cNvGrpSpPr/>
+                  <p:nvPr/>
+                </p:nvGrpSpPr>
+                <p:grpSpPr>
+                  <a:xfrm>
+                    <a:off x="1099074" y="3277757"/>
+                    <a:ext cx="907626" cy="525006"/>
+                    <a:chOff x="1244601" y="3816148"/>
+                    <a:chExt cx="907626" cy="525006"/>
+                  </a:xfrm>
+                  <a:solidFill>
+                    <a:srgbClr val="FFFFFF"/>
+                  </a:solidFill>
+                </p:grpSpPr>
+                <p:sp>
+                  <p:nvSpPr>
+                    <p:cNvPr id="232" name="Rectangle à coins arrondis 231"/>
+                    <p:cNvSpPr/>
+                    <p:nvPr/>
+                  </p:nvSpPr>
+                  <p:spPr>
+                    <a:xfrm>
+                      <a:off x="1356361" y="3816148"/>
+                      <a:ext cx="795866" cy="392300"/>
+                    </a:xfrm>
+                    <a:prstGeom prst="roundRect">
+                      <a:avLst>
+                        <a:gd name="adj" fmla="val 0"/>
+                      </a:avLst>
+                    </a:prstGeom>
+                    <a:grpFill/>
+                    <a:ln w="12700" cmpd="sng">
+                      <a:solidFill>
+                        <a:schemeClr val="tx1"/>
+                      </a:solidFill>
+                    </a:ln>
+                  </p:spPr>
+                  <p:style>
+                    <a:lnRef idx="2">
+                      <a:schemeClr val="accent1">
+                        <a:shade val="50000"/>
+                      </a:schemeClr>
+                    </a:lnRef>
+                    <a:fillRef idx="1">
+                      <a:schemeClr val="accent1"/>
+                    </a:fillRef>
+                    <a:effectRef idx="0">
+                      <a:schemeClr val="accent1"/>
+                    </a:effectRef>
+                    <a:fontRef idx="minor">
+                      <a:schemeClr val="lt1"/>
+                    </a:fontRef>
+                  </p:style>
+                  <p:txBody>
+                    <a:bodyPr rtlCol="0" anchor="ctr"/>
+                    <a:lstStyle/>
+                    <a:p>
+                      <a:pPr algn="ctr"/>
+                      <a:endParaRPr lang="en-US" sz="1000"/>
+                    </a:p>
+                  </p:txBody>
+                </p:sp>
+                <p:sp>
+                  <p:nvSpPr>
+                    <p:cNvPr id="233" name="Rectangle à coins arrondis 232"/>
+                    <p:cNvSpPr/>
+                    <p:nvPr/>
+                  </p:nvSpPr>
+                  <p:spPr>
+                    <a:xfrm>
+                      <a:off x="1300481" y="3882501"/>
+                      <a:ext cx="795866" cy="392300"/>
+                    </a:xfrm>
+                    <a:prstGeom prst="roundRect">
+                      <a:avLst>
+                        <a:gd name="adj" fmla="val 0"/>
+                      </a:avLst>
+                    </a:prstGeom>
+                    <a:grpFill/>
+                    <a:ln w="12700" cmpd="sng">
+                      <a:solidFill>
+                        <a:schemeClr val="tx1"/>
+                      </a:solidFill>
+                    </a:ln>
+                  </p:spPr>
+                  <p:style>
+                    <a:lnRef idx="2">
+                      <a:schemeClr val="accent1">
+                        <a:shade val="50000"/>
+                      </a:schemeClr>
+                    </a:lnRef>
+                    <a:fillRef idx="1">
+                      <a:schemeClr val="accent1"/>
+                    </a:fillRef>
+                    <a:effectRef idx="0">
+                      <a:schemeClr val="accent1"/>
+                    </a:effectRef>
+                    <a:fontRef idx="minor">
+                      <a:schemeClr val="lt1"/>
+                    </a:fontRef>
+                  </p:style>
+                  <p:txBody>
+                    <a:bodyPr rtlCol="0" anchor="ctr"/>
+                    <a:lstStyle/>
+                    <a:p>
+                      <a:pPr algn="ctr"/>
+                      <a:endParaRPr lang="en-US" sz="1000"/>
+                    </a:p>
+                  </p:txBody>
+                </p:sp>
+                <p:sp>
+                  <p:nvSpPr>
+                    <p:cNvPr id="234" name="Rectangle à coins arrondis 233"/>
+                    <p:cNvSpPr/>
+                    <p:nvPr/>
+                  </p:nvSpPr>
+                  <p:spPr>
+                    <a:xfrm>
+                      <a:off x="1244601" y="3948854"/>
+                      <a:ext cx="795866" cy="392300"/>
+                    </a:xfrm>
+                    <a:prstGeom prst="roundRect">
+                      <a:avLst>
+                        <a:gd name="adj" fmla="val 0"/>
+                      </a:avLst>
+                    </a:prstGeom>
+                    <a:grpFill/>
+                    <a:ln w="12700" cmpd="sng">
+                      <a:solidFill>
+                        <a:schemeClr val="tx1"/>
+                      </a:solidFill>
+                    </a:ln>
+                  </p:spPr>
+                  <p:style>
+                    <a:lnRef idx="2">
+                      <a:schemeClr val="accent1">
+                        <a:shade val="50000"/>
+                      </a:schemeClr>
+                    </a:lnRef>
+                    <a:fillRef idx="1">
+                      <a:schemeClr val="accent1"/>
+                    </a:fillRef>
+                    <a:effectRef idx="0">
+                      <a:schemeClr val="accent1"/>
+                    </a:effectRef>
+                    <a:fontRef idx="minor">
+                      <a:schemeClr val="lt1"/>
+                    </a:fontRef>
+                  </p:style>
+                  <p:txBody>
+                    <a:bodyPr rtlCol="0" anchor="ctr"/>
+                    <a:lstStyle/>
+                    <a:p>
+                      <a:pPr algn="ctr"/>
+                      <a:endParaRPr lang="en-US" sz="1000"/>
+                    </a:p>
+                  </p:txBody>
+                </p:sp>
+              </p:grpSp>
               <p:sp>
                 <p:nvSpPr>
-                  <p:cNvPr id="46" name="Rectangle à coins arrondis 45"/>
+                  <p:cNvPr id="222" name="Rectangle à coins arrondis 221"/>
                   <p:cNvSpPr/>
                   <p:nvPr/>
                 </p:nvSpPr>
                 <p:spPr>
                   <a:xfrm>
-                    <a:off x="1946331" y="2152640"/>
-                    <a:ext cx="694268" cy="321598"/>
+                    <a:off x="2362066" y="3351882"/>
+                    <a:ext cx="795867" cy="407054"/>
                   </a:xfrm>
                   <a:prstGeom prst="roundRect">
                     <a:avLst>
-                      <a:gd name="adj" fmla="val 50000"/>
+                      <a:gd name="adj" fmla="val 16326"/>
                     </a:avLst>
                   </a:prstGeom>
                   <a:solidFill>
@@ -10048,116 +9809,2111 @@
                   <a:lstStyle/>
                   <a:p>
                     <a:pPr algn="ctr"/>
-                    <a:endParaRPr lang="en-US" sz="800"/>
+                    <a:endParaRPr lang="en-US" sz="1000"/>
                   </a:p>
                 </p:txBody>
               </p:sp>
+              <p:grpSp>
+                <p:nvGrpSpPr>
+                  <p:cNvPr id="223" name="Grouper 222"/>
+                  <p:cNvGrpSpPr/>
+                  <p:nvPr/>
+                </p:nvGrpSpPr>
+                <p:grpSpPr>
+                  <a:xfrm>
+                    <a:off x="3808659" y="3410859"/>
+                    <a:ext cx="289101" cy="289101"/>
+                    <a:chOff x="3927155" y="3532577"/>
+                    <a:chExt cx="289101" cy="289101"/>
+                  </a:xfrm>
+                </p:grpSpPr>
+                <p:sp>
+                  <p:nvSpPr>
+                    <p:cNvPr id="230" name="Ellipse 229"/>
+                    <p:cNvSpPr/>
+                    <p:nvPr/>
+                  </p:nvSpPr>
+                  <p:spPr>
+                    <a:xfrm>
+                      <a:off x="3927155" y="3532577"/>
+                      <a:ext cx="289101" cy="289101"/>
+                    </a:xfrm>
+                    <a:prstGeom prst="ellipse">
+                      <a:avLst/>
+                    </a:prstGeom>
+                    <a:solidFill>
+                      <a:schemeClr val="accent5"/>
+                    </a:solidFill>
+                    <a:ln w="12700" cmpd="sng">
+                      <a:solidFill>
+                        <a:srgbClr val="000000"/>
+                      </a:solidFill>
+                    </a:ln>
+                  </p:spPr>
+                  <p:style>
+                    <a:lnRef idx="2">
+                      <a:schemeClr val="accent1">
+                        <a:shade val="50000"/>
+                      </a:schemeClr>
+                    </a:lnRef>
+                    <a:fillRef idx="1">
+                      <a:schemeClr val="accent1"/>
+                    </a:fillRef>
+                    <a:effectRef idx="0">
+                      <a:schemeClr val="accent1"/>
+                    </a:effectRef>
+                    <a:fontRef idx="minor">
+                      <a:schemeClr val="lt1"/>
+                    </a:fontRef>
+                  </p:style>
+                  <p:txBody>
+                    <a:bodyPr rtlCol="0" anchor="ctr"/>
+                    <a:lstStyle/>
+                    <a:p>
+                      <a:pPr algn="ctr"/>
+                      <a:endParaRPr lang="en-US" sz="200"/>
+                    </a:p>
+                  </p:txBody>
+                </p:sp>
+                <p:sp>
+                  <p:nvSpPr>
+                    <p:cNvPr id="231" name="Ellipse 230"/>
+                    <p:cNvSpPr/>
+                    <p:nvPr/>
+                  </p:nvSpPr>
+                  <p:spPr>
+                    <a:xfrm>
+                      <a:off x="4029270" y="3634692"/>
+                      <a:ext cx="84871" cy="84871"/>
+                    </a:xfrm>
+                    <a:prstGeom prst="ellipse">
+                      <a:avLst/>
+                    </a:prstGeom>
+                    <a:solidFill>
+                      <a:srgbClr val="000000"/>
+                    </a:solidFill>
+                    <a:ln w="12700" cmpd="sng">
+                      <a:solidFill>
+                        <a:schemeClr val="tx1"/>
+                      </a:solidFill>
+                    </a:ln>
+                  </p:spPr>
+                  <p:style>
+                    <a:lnRef idx="2">
+                      <a:schemeClr val="accent1">
+                        <a:shade val="50000"/>
+                      </a:schemeClr>
+                    </a:lnRef>
+                    <a:fillRef idx="1">
+                      <a:schemeClr val="accent1"/>
+                    </a:fillRef>
+                    <a:effectRef idx="0">
+                      <a:schemeClr val="accent1"/>
+                    </a:effectRef>
+                    <a:fontRef idx="minor">
+                      <a:schemeClr val="lt1"/>
+                    </a:fontRef>
+                  </p:style>
+                  <p:txBody>
+                    <a:bodyPr rtlCol="0" anchor="ctr"/>
+                    <a:lstStyle/>
+                    <a:p>
+                      <a:pPr algn="ctr"/>
+                      <a:endParaRPr lang="en-US" sz="200"/>
+                    </a:p>
+                  </p:txBody>
+                </p:sp>
+              </p:grpSp>
+              <p:cxnSp>
+                <p:nvCxnSpPr>
+                  <p:cNvPr id="224" name="Connecteur droit 223"/>
+                  <p:cNvCxnSpPr/>
+                  <p:nvPr/>
+                </p:nvCxnSpPr>
+                <p:spPr>
+                  <a:xfrm>
+                    <a:off x="4907289" y="3555409"/>
+                    <a:ext cx="568028" cy="0"/>
+                  </a:xfrm>
+                  <a:prstGeom prst="line">
+                    <a:avLst/>
+                  </a:prstGeom>
+                  <a:ln w="19050" cmpd="sng">
+                    <a:solidFill>
+                      <a:schemeClr val="tx1"/>
+                    </a:solidFill>
+                    <a:prstDash val="sysDash"/>
+                  </a:ln>
+                </p:spPr>
+                <p:style>
+                  <a:lnRef idx="2">
+                    <a:schemeClr val="accent1"/>
+                  </a:lnRef>
+                  <a:fillRef idx="0">
+                    <a:schemeClr val="accent1"/>
+                  </a:fillRef>
+                  <a:effectRef idx="1">
+                    <a:schemeClr val="accent1"/>
+                  </a:effectRef>
+                  <a:fontRef idx="minor">
+                    <a:schemeClr val="tx1"/>
+                  </a:fontRef>
+                </p:style>
+              </p:cxnSp>
+              <p:grpSp>
+                <p:nvGrpSpPr>
+                  <p:cNvPr id="225" name="Grouper 224"/>
+                  <p:cNvGrpSpPr/>
+                  <p:nvPr/>
+                </p:nvGrpSpPr>
+                <p:grpSpPr>
+                  <a:xfrm>
+                    <a:off x="6226163" y="3352175"/>
+                    <a:ext cx="406468" cy="406468"/>
+                    <a:chOff x="5279957" y="4005457"/>
+                    <a:chExt cx="476318" cy="476318"/>
+                  </a:xfrm>
+                </p:grpSpPr>
+                <p:sp>
+                  <p:nvSpPr>
+                    <p:cNvPr id="227" name="Ellipse 226"/>
+                    <p:cNvSpPr/>
+                    <p:nvPr/>
+                  </p:nvSpPr>
+                  <p:spPr>
+                    <a:xfrm>
+                      <a:off x="5279957" y="4005457"/>
+                      <a:ext cx="476318" cy="476318"/>
+                    </a:xfrm>
+                    <a:prstGeom prst="ellipse">
+                      <a:avLst/>
+                    </a:prstGeom>
+                    <a:noFill/>
+                    <a:ln w="12700" cmpd="sng">
+                      <a:solidFill>
+                        <a:srgbClr val="000000"/>
+                      </a:solidFill>
+                    </a:ln>
+                  </p:spPr>
+                  <p:style>
+                    <a:lnRef idx="2">
+                      <a:schemeClr val="accent1">
+                        <a:shade val="50000"/>
+                      </a:schemeClr>
+                    </a:lnRef>
+                    <a:fillRef idx="1">
+                      <a:schemeClr val="accent1"/>
+                    </a:fillRef>
+                    <a:effectRef idx="0">
+                      <a:schemeClr val="accent1"/>
+                    </a:effectRef>
+                    <a:fontRef idx="minor">
+                      <a:schemeClr val="lt1"/>
+                    </a:fontRef>
+                  </p:style>
+                  <p:txBody>
+                    <a:bodyPr rtlCol="0" anchor="ctr"/>
+                    <a:lstStyle/>
+                    <a:p>
+                      <a:pPr algn="ctr"/>
+                      <a:endParaRPr lang="en-US" sz="200"/>
+                    </a:p>
+                  </p:txBody>
+                </p:sp>
+                <p:sp>
+                  <p:nvSpPr>
+                    <p:cNvPr id="228" name="Ellipse 227"/>
+                    <p:cNvSpPr/>
+                    <p:nvPr/>
+                  </p:nvSpPr>
+                  <p:spPr>
+                    <a:xfrm>
+                      <a:off x="5348725" y="4074225"/>
+                      <a:ext cx="338782" cy="338782"/>
+                    </a:xfrm>
+                    <a:prstGeom prst="ellipse">
+                      <a:avLst/>
+                    </a:prstGeom>
+                    <a:solidFill>
+                      <a:schemeClr val="accent5"/>
+                    </a:solidFill>
+                    <a:ln w="12700" cmpd="sng">
+                      <a:solidFill>
+                        <a:srgbClr val="000000"/>
+                      </a:solidFill>
+                    </a:ln>
+                  </p:spPr>
+                  <p:style>
+                    <a:lnRef idx="2">
+                      <a:schemeClr val="accent1">
+                        <a:shade val="50000"/>
+                      </a:schemeClr>
+                    </a:lnRef>
+                    <a:fillRef idx="1">
+                      <a:schemeClr val="accent1"/>
+                    </a:fillRef>
+                    <a:effectRef idx="0">
+                      <a:schemeClr val="accent1"/>
+                    </a:effectRef>
+                    <a:fontRef idx="minor">
+                      <a:schemeClr val="lt1"/>
+                    </a:fontRef>
+                  </p:style>
+                  <p:txBody>
+                    <a:bodyPr rtlCol="0" anchor="ctr"/>
+                    <a:lstStyle/>
+                    <a:p>
+                      <a:pPr algn="ctr"/>
+                      <a:endParaRPr lang="en-US" sz="200"/>
+                    </a:p>
+                  </p:txBody>
+                </p:sp>
+                <p:sp>
+                  <p:nvSpPr>
+                    <p:cNvPr id="229" name="Ellipse 228"/>
+                    <p:cNvSpPr/>
+                    <p:nvPr/>
+                  </p:nvSpPr>
+                  <p:spPr>
+                    <a:xfrm>
+                      <a:off x="5468388" y="4193888"/>
+                      <a:ext cx="99456" cy="99456"/>
+                    </a:xfrm>
+                    <a:prstGeom prst="ellipse">
+                      <a:avLst/>
+                    </a:prstGeom>
+                    <a:solidFill>
+                      <a:srgbClr val="000000"/>
+                    </a:solidFill>
+                    <a:ln w="12700" cmpd="sng">
+                      <a:solidFill>
+                        <a:schemeClr val="tx1"/>
+                      </a:solidFill>
+                    </a:ln>
+                  </p:spPr>
+                  <p:style>
+                    <a:lnRef idx="2">
+                      <a:schemeClr val="accent1">
+                        <a:shade val="50000"/>
+                      </a:schemeClr>
+                    </a:lnRef>
+                    <a:fillRef idx="1">
+                      <a:schemeClr val="accent1"/>
+                    </a:fillRef>
+                    <a:effectRef idx="0">
+                      <a:schemeClr val="accent1"/>
+                    </a:effectRef>
+                    <a:fontRef idx="minor">
+                      <a:schemeClr val="lt1"/>
+                    </a:fontRef>
+                  </p:style>
+                  <p:txBody>
+                    <a:bodyPr rtlCol="0" anchor="ctr"/>
+                    <a:lstStyle/>
+                    <a:p>
+                      <a:pPr algn="ctr"/>
+                      <a:endParaRPr lang="en-US" sz="200"/>
+                    </a:p>
+                  </p:txBody>
+                </p:sp>
+              </p:grpSp>
               <p:sp>
                 <p:nvSpPr>
-                  <p:cNvPr id="47" name="Triangle isocèle 46"/>
-                  <p:cNvSpPr/>
+                  <p:cNvPr id="226" name="ZoneTexte 225"/>
+                  <p:cNvSpPr txBox="1"/>
                   <p:nvPr/>
                 </p:nvSpPr>
                 <p:spPr>
                   <a:xfrm>
-                    <a:off x="2184690" y="2212937"/>
-                    <a:ext cx="217550" cy="187542"/>
+                    <a:off x="7264185" y="3370744"/>
+                    <a:ext cx="690805" cy="377449"/>
                   </a:xfrm>
-                  <a:prstGeom prst="triangle">
+                  <a:prstGeom prst="rect">
                     <a:avLst/>
                   </a:prstGeom>
-                  <a:solidFill>
-                    <a:schemeClr val="bg1"/>
-                  </a:solidFill>
+                  <a:noFill/>
                   <a:ln w="12700" cmpd="sng">
-                    <a:solidFill>
-                      <a:schemeClr val="tx1"/>
-                    </a:solidFill>
+                    <a:noFill/>
                   </a:ln>
                 </p:spPr>
-                <p:style>
-                  <a:lnRef idx="2">
-                    <a:schemeClr val="accent2">
-                      <a:shade val="50000"/>
-                    </a:schemeClr>
-                  </a:lnRef>
-                  <a:fillRef idx="1">
-                    <a:schemeClr val="accent2"/>
-                  </a:fillRef>
-                  <a:effectRef idx="0">
-                    <a:schemeClr val="accent2"/>
-                  </a:effectRef>
-                  <a:fontRef idx="minor">
-                    <a:schemeClr val="lt1"/>
-                  </a:fontRef>
-                </p:style>
                 <p:txBody>
-                  <a:bodyPr rtlCol="0" anchor="ctr"/>
+                  <a:bodyPr wrap="none" rtlCol="0">
+                    <a:spAutoFit/>
+                  </a:bodyPr>
                   <a:lstStyle/>
                   <a:p>
-                    <a:pPr algn="ctr"/>
-                    <a:endParaRPr lang="en-US" sz="800"/>
+                    <a:r>
+                      <a:rPr lang="en-US" sz="1000" dirty="0" smtClean="0">
+                        <a:latin typeface="Helvetica Neue"/>
+                        <a:cs typeface="Helvetica Neue"/>
+                      </a:rPr>
+                      <a:t>[ … ]</a:t>
+                    </a:r>
+                    <a:endParaRPr lang="en-US" sz="1000" dirty="0">
+                      <a:latin typeface="Helvetica Neue"/>
+                      <a:cs typeface="Helvetica Neue"/>
+                    </a:endParaRPr>
                   </a:p>
                 </p:txBody>
               </p:sp>
             </p:grpSp>
           </p:grpSp>
-          <p:cxnSp>
-            <p:nvCxnSpPr>
-              <p:cNvPr id="49" name="Connecteur droit 22"/>
-              <p:cNvCxnSpPr>
-                <a:stCxn id="46" idx="2"/>
-                <a:endCxn id="30" idx="0"/>
-              </p:cNvCxnSpPr>
+          <p:grpSp>
+            <p:nvGrpSpPr>
+              <p:cNvPr id="256" name="Grouper 255"/>
+              <p:cNvGrpSpPr/>
               <p:nvPr/>
-            </p:nvCxnSpPr>
+            </p:nvGrpSpPr>
+            <p:grpSpPr>
+              <a:xfrm>
+                <a:off x="762659" y="3181302"/>
+                <a:ext cx="4453709" cy="338554"/>
+                <a:chOff x="4281030" y="3218428"/>
+                <a:chExt cx="4453709" cy="338554"/>
+              </a:xfrm>
+            </p:grpSpPr>
+            <p:sp>
+              <p:nvSpPr>
+                <p:cNvPr id="215" name="ZoneTexte 214"/>
+                <p:cNvSpPr txBox="1"/>
+                <p:nvPr/>
+              </p:nvSpPr>
+              <p:spPr>
+                <a:xfrm>
+                  <a:off x="4281030" y="3279983"/>
+                  <a:ext cx="453970" cy="215444"/>
+                </a:xfrm>
+                <a:prstGeom prst="rect">
+                  <a:avLst/>
+                </a:prstGeom>
+                <a:noFill/>
+              </p:spPr>
+              <p:txBody>
+                <a:bodyPr wrap="none" rtlCol="0" anchor="ctr">
+                  <a:spAutoFit/>
+                </a:bodyPr>
+                <a:lstStyle/>
+                <a:p>
+                  <a:pPr algn="ctr"/>
+                  <a:r>
+                    <a:rPr lang="en-US" sz="800" b="1" dirty="0" smtClean="0">
+                      <a:latin typeface="Helvetica Neue"/>
+                      <a:cs typeface="Helvetica Neue"/>
+                    </a:rPr>
+                    <a:t>Actor</a:t>
+                  </a:r>
+                  <a:endParaRPr lang="en-US" sz="800" b="1" dirty="0">
+                    <a:latin typeface="Helvetica Neue"/>
+                    <a:cs typeface="Helvetica Neue"/>
+                  </a:endParaRPr>
+                </a:p>
+              </p:txBody>
+            </p:sp>
+            <p:sp>
+              <p:nvSpPr>
+                <p:cNvPr id="216" name="ZoneTexte 215"/>
+                <p:cNvSpPr txBox="1"/>
+                <p:nvPr/>
+              </p:nvSpPr>
+              <p:spPr>
+                <a:xfrm>
+                  <a:off x="4984702" y="3218428"/>
+                  <a:ext cx="621495" cy="338554"/>
+                </a:xfrm>
+                <a:prstGeom prst="rect">
+                  <a:avLst/>
+                </a:prstGeom>
+                <a:noFill/>
+              </p:spPr>
+              <p:txBody>
+                <a:bodyPr wrap="none" rtlCol="0" anchor="ctr">
+                  <a:spAutoFit/>
+                </a:bodyPr>
+                <a:lstStyle/>
+                <a:p>
+                  <a:pPr algn="ctr"/>
+                  <a:r>
+                    <a:rPr lang="en-US" sz="800" dirty="0" smtClean="0">
+                      <a:latin typeface="Helvetica Neue"/>
+                      <a:cs typeface="Helvetica Neue"/>
+                    </a:rPr>
+                    <a:t>Value </a:t>
+                  </a:r>
+                </a:p>
+                <a:p>
+                  <a:pPr algn="ctr"/>
+                  <a:r>
+                    <a:rPr lang="en-US" sz="800" b="1" dirty="0" smtClean="0">
+                      <a:latin typeface="Helvetica Neue"/>
+                      <a:cs typeface="Helvetica Neue"/>
+                    </a:rPr>
+                    <a:t>Interface</a:t>
+                  </a:r>
+                  <a:endParaRPr lang="en-US" sz="800" b="1" dirty="0">
+                    <a:latin typeface="Helvetica Neue"/>
+                    <a:cs typeface="Helvetica Neue"/>
+                  </a:endParaRPr>
+                </a:p>
+              </p:txBody>
+            </p:sp>
+            <p:sp>
+              <p:nvSpPr>
+                <p:cNvPr id="217" name="ZoneTexte 216"/>
+                <p:cNvSpPr txBox="1"/>
+                <p:nvPr/>
+              </p:nvSpPr>
+              <p:spPr>
+                <a:xfrm>
+                  <a:off x="5853243" y="3218428"/>
+                  <a:ext cx="441146" cy="338554"/>
+                </a:xfrm>
+                <a:prstGeom prst="rect">
+                  <a:avLst/>
+                </a:prstGeom>
+                <a:noFill/>
+              </p:spPr>
+              <p:txBody>
+                <a:bodyPr wrap="none" rtlCol="0" anchor="ctr">
+                  <a:spAutoFit/>
+                </a:bodyPr>
+                <a:lstStyle/>
+                <a:p>
+                  <a:pPr algn="ctr"/>
+                  <a:r>
+                    <a:rPr lang="en-US" sz="800" dirty="0" smtClean="0">
+                      <a:latin typeface="Helvetica Neue"/>
+                      <a:cs typeface="Helvetica Neue"/>
+                    </a:rPr>
+                    <a:t>Value </a:t>
+                  </a:r>
+                </a:p>
+                <a:p>
+                  <a:pPr algn="ctr"/>
+                  <a:r>
+                    <a:rPr lang="en-US" sz="800" b="1" dirty="0" smtClean="0">
+                      <a:latin typeface="Helvetica Neue"/>
+                      <a:cs typeface="Helvetica Neue"/>
+                    </a:rPr>
+                    <a:t>Port</a:t>
+                  </a:r>
+                  <a:endParaRPr lang="en-US" sz="800" b="1" dirty="0">
+                    <a:latin typeface="Helvetica Neue"/>
+                    <a:cs typeface="Helvetica Neue"/>
+                  </a:endParaRPr>
+                </a:p>
+              </p:txBody>
+            </p:sp>
+            <p:sp>
+              <p:nvSpPr>
+                <p:cNvPr id="218" name="ZoneTexte 217"/>
+                <p:cNvSpPr txBox="1"/>
+                <p:nvPr/>
+              </p:nvSpPr>
+              <p:spPr>
+                <a:xfrm>
+                  <a:off x="6545473" y="3218428"/>
+                  <a:ext cx="671979" cy="338554"/>
+                </a:xfrm>
+                <a:prstGeom prst="rect">
+                  <a:avLst/>
+                </a:prstGeom>
+                <a:noFill/>
+              </p:spPr>
+              <p:txBody>
+                <a:bodyPr wrap="none" rtlCol="0" anchor="ctr">
+                  <a:spAutoFit/>
+                </a:bodyPr>
+                <a:lstStyle/>
+                <a:p>
+                  <a:pPr algn="ctr"/>
+                  <a:r>
+                    <a:rPr lang="en-US" sz="800" dirty="0" smtClean="0">
+                      <a:latin typeface="Helvetica Neue"/>
+                      <a:cs typeface="Helvetica Neue"/>
+                    </a:rPr>
+                    <a:t>Value </a:t>
+                  </a:r>
+                </a:p>
+                <a:p>
+                  <a:pPr algn="ctr"/>
+                  <a:r>
+                    <a:rPr lang="en-US" sz="800" b="1" dirty="0" smtClean="0">
+                      <a:latin typeface="Helvetica Neue"/>
+                      <a:cs typeface="Helvetica Neue"/>
+                    </a:rPr>
+                    <a:t>Exchange</a:t>
+                  </a:r>
+                  <a:endParaRPr lang="en-US" sz="800" b="1" dirty="0">
+                    <a:latin typeface="Helvetica Neue"/>
+                    <a:cs typeface="Helvetica Neue"/>
+                  </a:endParaRPr>
+                </a:p>
+              </p:txBody>
+            </p:sp>
+            <p:sp>
+              <p:nvSpPr>
+                <p:cNvPr id="219" name="ZoneTexte 218"/>
+                <p:cNvSpPr txBox="1"/>
+                <p:nvPr/>
+              </p:nvSpPr>
+              <p:spPr>
+                <a:xfrm>
+                  <a:off x="7404415" y="3218428"/>
+                  <a:ext cx="569387" cy="338554"/>
+                </a:xfrm>
+                <a:prstGeom prst="rect">
+                  <a:avLst/>
+                </a:prstGeom>
+                <a:noFill/>
+              </p:spPr>
+              <p:txBody>
+                <a:bodyPr wrap="none" rtlCol="0" anchor="ctr">
+                  <a:spAutoFit/>
+                </a:bodyPr>
+                <a:lstStyle/>
+                <a:p>
+                  <a:pPr algn="ctr"/>
+                  <a:r>
+                    <a:rPr lang="en-US" sz="800" b="1" dirty="0" smtClean="0">
+                      <a:latin typeface="Helvetica Neue"/>
+                      <a:cs typeface="Helvetica Neue"/>
+                    </a:rPr>
+                    <a:t>AND</a:t>
+                  </a:r>
+                </a:p>
+                <a:p>
+                  <a:pPr algn="ctr"/>
+                  <a:r>
+                    <a:rPr lang="en-US" sz="800" dirty="0" smtClean="0">
+                      <a:latin typeface="Helvetica Neue"/>
+                      <a:cs typeface="Helvetica Neue"/>
+                    </a:rPr>
+                    <a:t>Element</a:t>
+                  </a:r>
+                  <a:endParaRPr lang="en-US" sz="800" dirty="0">
+                    <a:latin typeface="Helvetica Neue"/>
+                    <a:cs typeface="Helvetica Neue"/>
+                  </a:endParaRPr>
+                </a:p>
+              </p:txBody>
+            </p:sp>
+            <p:sp>
+              <p:nvSpPr>
+                <p:cNvPr id="220" name="ZoneTexte 219"/>
+                <p:cNvSpPr txBox="1"/>
+                <p:nvPr/>
+              </p:nvSpPr>
+              <p:spPr>
+                <a:xfrm>
+                  <a:off x="8165352" y="3218428"/>
+                  <a:ext cx="569387" cy="338554"/>
+                </a:xfrm>
+                <a:prstGeom prst="rect">
+                  <a:avLst/>
+                </a:prstGeom>
+                <a:noFill/>
+              </p:spPr>
+              <p:txBody>
+                <a:bodyPr wrap="none" rtlCol="0" anchor="ctr">
+                  <a:spAutoFit/>
+                </a:bodyPr>
+                <a:lstStyle/>
+                <a:p>
+                  <a:pPr algn="ctr"/>
+                  <a:r>
+                    <a:rPr lang="en-US" sz="800" b="1" dirty="0" smtClean="0">
+                      <a:latin typeface="Helvetica Neue"/>
+                      <a:cs typeface="Helvetica Neue"/>
+                    </a:rPr>
+                    <a:t>OR</a:t>
+                  </a:r>
+                </a:p>
+                <a:p>
+                  <a:pPr algn="ctr"/>
+                  <a:r>
+                    <a:rPr lang="en-US" sz="800" dirty="0" smtClean="0">
+                      <a:latin typeface="Helvetica Neue"/>
+                      <a:cs typeface="Helvetica Neue"/>
+                    </a:rPr>
+                    <a:t>Element</a:t>
+                  </a:r>
+                  <a:endParaRPr lang="en-US" sz="800" dirty="0">
+                    <a:latin typeface="Helvetica Neue"/>
+                    <a:cs typeface="Helvetica Neue"/>
+                  </a:endParaRPr>
+                </a:p>
+              </p:txBody>
+            </p:sp>
+          </p:grpSp>
+          <p:grpSp>
+            <p:nvGrpSpPr>
+              <p:cNvPr id="257" name="Grouper 256"/>
+              <p:cNvGrpSpPr/>
+              <p:nvPr/>
+            </p:nvGrpSpPr>
+            <p:grpSpPr>
+              <a:xfrm>
+                <a:off x="685715" y="3976958"/>
+                <a:ext cx="4492181" cy="338555"/>
+                <a:chOff x="4204086" y="4023491"/>
+                <a:chExt cx="4492181" cy="338555"/>
+              </a:xfrm>
+            </p:grpSpPr>
+            <p:sp>
+              <p:nvSpPr>
+                <p:cNvPr id="209" name="ZoneTexte 208"/>
+                <p:cNvSpPr txBox="1"/>
+                <p:nvPr/>
+              </p:nvSpPr>
+              <p:spPr>
+                <a:xfrm>
+                  <a:off x="4204086" y="4023491"/>
+                  <a:ext cx="607859" cy="338555"/>
+                </a:xfrm>
+                <a:prstGeom prst="rect">
+                  <a:avLst/>
+                </a:prstGeom>
+                <a:noFill/>
+              </p:spPr>
+              <p:txBody>
+                <a:bodyPr wrap="none" rtlCol="0">
+                  <a:spAutoFit/>
+                </a:bodyPr>
+                <a:lstStyle/>
+                <a:p>
+                  <a:pPr algn="ctr"/>
+                  <a:r>
+                    <a:rPr lang="en-US" sz="800" b="1" dirty="0" smtClean="0">
+                      <a:latin typeface="Helvetica Neue"/>
+                      <a:cs typeface="Helvetica Neue"/>
+                    </a:rPr>
+                    <a:t>Market</a:t>
+                  </a:r>
+                </a:p>
+                <a:p>
+                  <a:pPr algn="ctr"/>
+                  <a:r>
+                    <a:rPr lang="en-US" sz="800" dirty="0" smtClean="0">
+                      <a:latin typeface="Helvetica Neue"/>
+                      <a:cs typeface="Helvetica Neue"/>
+                    </a:rPr>
+                    <a:t>Segment</a:t>
+                  </a:r>
+                  <a:endParaRPr lang="en-US" sz="800" dirty="0">
+                    <a:latin typeface="Helvetica Neue"/>
+                    <a:cs typeface="Helvetica Neue"/>
+                  </a:endParaRPr>
+                </a:p>
+              </p:txBody>
+            </p:sp>
+            <p:sp>
+              <p:nvSpPr>
+                <p:cNvPr id="210" name="ZoneTexte 209"/>
+                <p:cNvSpPr txBox="1"/>
+                <p:nvPr/>
+              </p:nvSpPr>
+              <p:spPr>
+                <a:xfrm>
+                  <a:off x="5017170" y="4085046"/>
+                  <a:ext cx="556563" cy="215445"/>
+                </a:xfrm>
+                <a:prstGeom prst="rect">
+                  <a:avLst/>
+                </a:prstGeom>
+                <a:noFill/>
+              </p:spPr>
+              <p:txBody>
+                <a:bodyPr wrap="none" rtlCol="0">
+                  <a:spAutoFit/>
+                </a:bodyPr>
+                <a:lstStyle/>
+                <a:p>
+                  <a:pPr algn="ctr"/>
+                  <a:r>
+                    <a:rPr lang="en-US" sz="800" b="1" dirty="0" smtClean="0">
+                      <a:latin typeface="Helvetica Neue"/>
+                      <a:cs typeface="Helvetica Neue"/>
+                    </a:rPr>
+                    <a:t>Activity</a:t>
+                  </a:r>
+                </a:p>
+              </p:txBody>
+            </p:sp>
+            <p:sp>
+              <p:nvSpPr>
+                <p:cNvPr id="211" name="ZoneTexte 210"/>
+                <p:cNvSpPr txBox="1"/>
+                <p:nvPr/>
+              </p:nvSpPr>
+              <p:spPr>
+                <a:xfrm>
+                  <a:off x="5782712" y="4023491"/>
+                  <a:ext cx="582211" cy="338555"/>
+                </a:xfrm>
+                <a:prstGeom prst="rect">
+                  <a:avLst/>
+                </a:prstGeom>
+                <a:noFill/>
+              </p:spPr>
+              <p:txBody>
+                <a:bodyPr wrap="none" rtlCol="0">
+                  <a:spAutoFit/>
+                </a:bodyPr>
+                <a:lstStyle/>
+                <a:p>
+                  <a:pPr algn="ctr"/>
+                  <a:r>
+                    <a:rPr lang="en-US" sz="800" b="1" dirty="0" smtClean="0">
+                      <a:latin typeface="Helvetica Neue"/>
+                      <a:cs typeface="Helvetica Neue"/>
+                    </a:rPr>
+                    <a:t>Start</a:t>
+                  </a:r>
+                </a:p>
+                <a:p>
+                  <a:pPr algn="ctr"/>
+                  <a:r>
+                    <a:rPr lang="en-US" sz="800" dirty="0" smtClean="0">
+                      <a:latin typeface="Helvetica Neue"/>
+                      <a:cs typeface="Helvetica Neue"/>
+                    </a:rPr>
+                    <a:t>Stimulus</a:t>
+                  </a:r>
+                </a:p>
+              </p:txBody>
+            </p:sp>
+            <p:sp>
+              <p:nvSpPr>
+                <p:cNvPr id="212" name="ZoneTexte 211"/>
+                <p:cNvSpPr txBox="1"/>
+                <p:nvPr/>
+              </p:nvSpPr>
+              <p:spPr>
+                <a:xfrm>
+                  <a:off x="6506999" y="4023491"/>
+                  <a:ext cx="748923" cy="338555"/>
+                </a:xfrm>
+                <a:prstGeom prst="rect">
+                  <a:avLst/>
+                </a:prstGeom>
+                <a:noFill/>
+              </p:spPr>
+              <p:txBody>
+                <a:bodyPr wrap="none" rtlCol="0">
+                  <a:spAutoFit/>
+                </a:bodyPr>
+                <a:lstStyle/>
+                <a:p>
+                  <a:pPr algn="ctr"/>
+                  <a:r>
+                    <a:rPr lang="en-US" sz="800" b="1" dirty="0" smtClean="0">
+                      <a:latin typeface="Helvetica Neue"/>
+                      <a:cs typeface="Helvetica Neue"/>
+                    </a:rPr>
+                    <a:t>Connection</a:t>
+                  </a:r>
+                </a:p>
+                <a:p>
+                  <a:pPr algn="ctr"/>
+                  <a:r>
+                    <a:rPr lang="en-US" sz="800" dirty="0" smtClean="0">
+                      <a:latin typeface="Helvetica Neue"/>
+                      <a:cs typeface="Helvetica Neue"/>
+                    </a:rPr>
+                    <a:t>Element</a:t>
+                  </a:r>
+                  <a:endParaRPr lang="en-US" sz="800" dirty="0">
+                    <a:latin typeface="Helvetica Neue"/>
+                    <a:cs typeface="Helvetica Neue"/>
+                  </a:endParaRPr>
+                </a:p>
+              </p:txBody>
+            </p:sp>
+            <p:sp>
+              <p:nvSpPr>
+                <p:cNvPr id="213" name="ZoneTexte 212"/>
+                <p:cNvSpPr txBox="1"/>
+                <p:nvPr/>
+              </p:nvSpPr>
+              <p:spPr>
+                <a:xfrm>
+                  <a:off x="7398003" y="4023491"/>
+                  <a:ext cx="582211" cy="338555"/>
+                </a:xfrm>
+                <a:prstGeom prst="rect">
+                  <a:avLst/>
+                </a:prstGeom>
+                <a:noFill/>
+              </p:spPr>
+              <p:txBody>
+                <a:bodyPr wrap="none" rtlCol="0">
+                  <a:spAutoFit/>
+                </a:bodyPr>
+                <a:lstStyle/>
+                <a:p>
+                  <a:pPr algn="ctr"/>
+                  <a:r>
+                    <a:rPr lang="en-US" sz="800" b="1" dirty="0" smtClean="0">
+                      <a:latin typeface="Helvetica Neue"/>
+                      <a:cs typeface="Helvetica Neue"/>
+                    </a:rPr>
+                    <a:t>END</a:t>
+                  </a:r>
+                </a:p>
+                <a:p>
+                  <a:pPr algn="ctr"/>
+                  <a:r>
+                    <a:rPr lang="en-US" sz="800" dirty="0" smtClean="0">
+                      <a:latin typeface="Helvetica Neue"/>
+                      <a:cs typeface="Helvetica Neue"/>
+                    </a:rPr>
+                    <a:t>Stimulus</a:t>
+                  </a:r>
+                  <a:endParaRPr lang="en-US" sz="800" dirty="0">
+                    <a:latin typeface="Helvetica Neue"/>
+                    <a:cs typeface="Helvetica Neue"/>
+                  </a:endParaRPr>
+                </a:p>
+              </p:txBody>
+            </p:sp>
+            <p:sp>
+              <p:nvSpPr>
+                <p:cNvPr id="214" name="ZoneTexte 213"/>
+                <p:cNvSpPr txBox="1"/>
+                <p:nvPr/>
+              </p:nvSpPr>
+              <p:spPr>
+                <a:xfrm>
+                  <a:off x="8203824" y="4023491"/>
+                  <a:ext cx="492443" cy="338555"/>
+                </a:xfrm>
+                <a:prstGeom prst="rect">
+                  <a:avLst/>
+                </a:prstGeom>
+                <a:noFill/>
+              </p:spPr>
+              <p:txBody>
+                <a:bodyPr wrap="none" rtlCol="0">
+                  <a:spAutoFit/>
+                </a:bodyPr>
+                <a:lstStyle/>
+                <a:p>
+                  <a:pPr algn="ctr"/>
+                  <a:r>
+                    <a:rPr lang="en-US" sz="800" b="1" dirty="0" smtClean="0">
+                      <a:latin typeface="Helvetica Neue"/>
+                      <a:cs typeface="Helvetica Neue"/>
+                    </a:rPr>
+                    <a:t>Value</a:t>
+                  </a:r>
+                </a:p>
+                <a:p>
+                  <a:pPr algn="ctr"/>
+                  <a:r>
+                    <a:rPr lang="en-US" sz="800" dirty="0" smtClean="0">
+                      <a:latin typeface="Helvetica Neue"/>
+                      <a:cs typeface="Helvetica Neue"/>
+                    </a:rPr>
+                    <a:t>Object</a:t>
+                  </a:r>
+                </a:p>
+              </p:txBody>
+            </p:sp>
+          </p:grpSp>
+        </p:grpSp>
+        <p:sp>
+          <p:nvSpPr>
+            <p:cNvPr id="261" name="ZoneTexte 260"/>
+            <p:cNvSpPr txBox="1"/>
+            <p:nvPr/>
+          </p:nvSpPr>
+          <p:spPr>
+            <a:xfrm>
+              <a:off x="4375077" y="3030767"/>
+              <a:ext cx="673307" cy="261610"/>
+            </a:xfrm>
+            <a:prstGeom prst="rect">
+              <a:avLst/>
+            </a:prstGeom>
+            <a:noFill/>
+          </p:spPr>
+          <p:txBody>
+            <a:bodyPr wrap="none" rtlCol="0">
+              <a:spAutoFit/>
+            </a:bodyPr>
+            <a:lstStyle/>
+            <a:p>
+              <a:r>
+                <a:rPr lang="en-US" sz="1100" dirty="0" smtClean="0">
+                  <a:latin typeface="Helvetica Neue Medium"/>
+                  <a:cs typeface="Helvetica Neue Medium"/>
+                </a:rPr>
+                <a:t>Legend</a:t>
+              </a:r>
+              <a:endParaRPr lang="en-US" sz="1100" dirty="0">
+                <a:latin typeface="Helvetica Neue Medium"/>
+                <a:cs typeface="Helvetica Neue Medium"/>
+              </a:endParaRPr>
+            </a:p>
+          </p:txBody>
+        </p:sp>
+      </p:grpSp>
+      <p:grpSp>
+        <p:nvGrpSpPr>
+          <p:cNvPr id="26" name="Grouper 25"/>
+          <p:cNvGrpSpPr/>
+          <p:nvPr/>
+        </p:nvGrpSpPr>
+        <p:grpSpPr>
+          <a:xfrm>
+            <a:off x="2212187" y="325313"/>
+            <a:ext cx="4832856" cy="2650985"/>
+            <a:chOff x="2212187" y="325313"/>
+            <a:chExt cx="4832856" cy="2650985"/>
+          </a:xfrm>
+        </p:grpSpPr>
+        <p:cxnSp>
+          <p:nvCxnSpPr>
+            <p:cNvPr id="153" name="Connecteur droit 22"/>
+            <p:cNvCxnSpPr>
+              <a:endCxn id="136" idx="2"/>
+            </p:cNvCxnSpPr>
+            <p:nvPr/>
+          </p:nvCxnSpPr>
+          <p:spPr>
+            <a:xfrm flipV="1">
+              <a:off x="4673310" y="1836224"/>
+              <a:ext cx="1" cy="89061"/>
+            </a:xfrm>
+            <a:prstGeom prst="straightConnector1">
+              <a:avLst/>
+            </a:prstGeom>
+            <a:ln w="12700" cmpd="sng">
+              <a:solidFill>
+                <a:schemeClr val="bg1">
+                  <a:lumMod val="75000"/>
+                </a:schemeClr>
+              </a:solidFill>
+              <a:prstDash val="solid"/>
+            </a:ln>
+          </p:spPr>
+          <p:style>
+            <a:lnRef idx="2">
+              <a:schemeClr val="accent1"/>
+            </a:lnRef>
+            <a:fillRef idx="0">
+              <a:schemeClr val="accent1"/>
+            </a:fillRef>
+            <a:effectRef idx="1">
+              <a:schemeClr val="accent1"/>
+            </a:effectRef>
+            <a:fontRef idx="minor">
+              <a:schemeClr val="tx1"/>
+            </a:fontRef>
+          </p:style>
+        </p:cxnSp>
+        <p:cxnSp>
+          <p:nvCxnSpPr>
+            <p:cNvPr id="149" name="Connecteur droit 22"/>
+            <p:cNvCxnSpPr>
+              <a:stCxn id="140" idx="3"/>
+            </p:cNvCxnSpPr>
+            <p:nvPr/>
+          </p:nvCxnSpPr>
+          <p:spPr>
+            <a:xfrm>
+              <a:off x="2917795" y="1421032"/>
+              <a:ext cx="172322" cy="0"/>
+            </a:xfrm>
+            <a:prstGeom prst="straightConnector1">
+              <a:avLst/>
+            </a:prstGeom>
+            <a:ln w="12700" cmpd="sng">
+              <a:solidFill>
+                <a:schemeClr val="bg1">
+                  <a:lumMod val="75000"/>
+                </a:schemeClr>
+              </a:solidFill>
+              <a:prstDash val="solid"/>
+            </a:ln>
+          </p:spPr>
+          <p:style>
+            <a:lnRef idx="2">
+              <a:schemeClr val="accent1"/>
+            </a:lnRef>
+            <a:fillRef idx="0">
+              <a:schemeClr val="accent1"/>
+            </a:fillRef>
+            <a:effectRef idx="1">
+              <a:schemeClr val="accent1"/>
+            </a:effectRef>
+            <a:fontRef idx="minor">
+              <a:schemeClr val="tx1"/>
+            </a:fontRef>
+          </p:style>
+        </p:cxnSp>
+        <p:sp>
+          <p:nvSpPr>
+            <p:cNvPr id="126" name="Rectangle à coins arrondis 125"/>
+            <p:cNvSpPr/>
+            <p:nvPr/>
+          </p:nvSpPr>
+          <p:spPr>
+            <a:xfrm>
+              <a:off x="5263685" y="325313"/>
+              <a:ext cx="1781358" cy="2517070"/>
+            </a:xfrm>
+            <a:prstGeom prst="roundRect">
+              <a:avLst>
+                <a:gd name="adj" fmla="val 0"/>
+              </a:avLst>
+            </a:prstGeom>
+            <a:solidFill>
+              <a:schemeClr val="bg1"/>
+            </a:solidFill>
+            <a:ln w="12700" cmpd="sng">
+              <a:solidFill>
+                <a:schemeClr val="tx1"/>
+              </a:solidFill>
+            </a:ln>
+          </p:spPr>
+          <p:style>
+            <a:lnRef idx="2">
+              <a:schemeClr val="accent1">
+                <a:shade val="50000"/>
+              </a:schemeClr>
+            </a:lnRef>
+            <a:fillRef idx="1">
+              <a:schemeClr val="accent1"/>
+            </a:fillRef>
+            <a:effectRef idx="0">
+              <a:schemeClr val="accent1"/>
+            </a:effectRef>
+            <a:fontRef idx="minor">
+              <a:schemeClr val="lt1"/>
+            </a:fontRef>
+          </p:style>
+          <p:txBody>
+            <a:bodyPr rtlCol="0" anchor="t"/>
+            <a:lstStyle/>
+            <a:p>
+              <a:pPr algn="ctr"/>
+              <a:r>
+                <a:rPr lang="en-US" sz="1000" b="1" dirty="0" smtClean="0">
+                  <a:solidFill>
+                    <a:srgbClr val="000000"/>
+                  </a:solidFill>
+                  <a:latin typeface="Helvetica Neue"/>
+                  <a:cs typeface="Helvetica Neue"/>
+                </a:rPr>
+                <a:t>Broker</a:t>
+              </a:r>
+              <a:endParaRPr lang="en-US" sz="800" b="1" dirty="0">
+                <a:solidFill>
+                  <a:srgbClr val="000000"/>
+                </a:solidFill>
+                <a:latin typeface="Helvetica Neue"/>
+                <a:cs typeface="Helvetica Neue"/>
+              </a:endParaRPr>
+            </a:p>
+          </p:txBody>
+        </p:sp>
+        <p:sp>
+          <p:nvSpPr>
+            <p:cNvPr id="53" name="Rectangle à coins arrondis 52"/>
+            <p:cNvSpPr/>
+            <p:nvPr/>
+          </p:nvSpPr>
+          <p:spPr>
+            <a:xfrm>
+              <a:off x="2212187" y="325313"/>
+              <a:ext cx="1908165" cy="2517070"/>
+            </a:xfrm>
+            <a:prstGeom prst="roundRect">
+              <a:avLst>
+                <a:gd name="adj" fmla="val 0"/>
+              </a:avLst>
+            </a:prstGeom>
+            <a:solidFill>
+              <a:schemeClr val="bg1"/>
+            </a:solidFill>
+            <a:ln w="12700" cmpd="sng">
+              <a:solidFill>
+                <a:schemeClr val="tx1"/>
+              </a:solidFill>
+            </a:ln>
+          </p:spPr>
+          <p:style>
+            <a:lnRef idx="2">
+              <a:schemeClr val="accent1">
+                <a:shade val="50000"/>
+              </a:schemeClr>
+            </a:lnRef>
+            <a:fillRef idx="1">
+              <a:schemeClr val="accent1"/>
+            </a:fillRef>
+            <a:effectRef idx="0">
+              <a:schemeClr val="accent1"/>
+            </a:effectRef>
+            <a:fontRef idx="minor">
+              <a:schemeClr val="lt1"/>
+            </a:fontRef>
+          </p:style>
+          <p:txBody>
+            <a:bodyPr rtlCol="0" anchor="t"/>
+            <a:lstStyle/>
+            <a:p>
+              <a:pPr algn="ctr"/>
+              <a:r>
+                <a:rPr lang="en-US" sz="1000" b="1" dirty="0" smtClean="0">
+                  <a:solidFill>
+                    <a:srgbClr val="000000"/>
+                  </a:solidFill>
+                  <a:latin typeface="Helvetica Neue"/>
+                  <a:cs typeface="Helvetica Neue"/>
+                </a:rPr>
+                <a:t>Orca</a:t>
+              </a:r>
+              <a:endParaRPr lang="en-US" sz="800" b="1" dirty="0">
+                <a:solidFill>
+                  <a:srgbClr val="000000"/>
+                </a:solidFill>
+                <a:latin typeface="Helvetica Neue"/>
+                <a:cs typeface="Helvetica Neue"/>
+              </a:endParaRPr>
+            </a:p>
+          </p:txBody>
+        </p:sp>
+        <p:sp>
+          <p:nvSpPr>
+            <p:cNvPr id="7" name="Rectangle à coins arrondis 6"/>
+            <p:cNvSpPr/>
+            <p:nvPr/>
+          </p:nvSpPr>
+          <p:spPr>
+            <a:xfrm>
+              <a:off x="2547606" y="1675011"/>
+              <a:ext cx="1139836" cy="897298"/>
+            </a:xfrm>
+            <a:prstGeom prst="roundRect">
+              <a:avLst>
+                <a:gd name="adj" fmla="val 16326"/>
+              </a:avLst>
+            </a:prstGeom>
+            <a:solidFill>
+              <a:schemeClr val="bg1"/>
+            </a:solidFill>
+            <a:ln w="12700" cmpd="sng">
+              <a:solidFill>
+                <a:schemeClr val="tx1"/>
+              </a:solidFill>
+            </a:ln>
+          </p:spPr>
+          <p:style>
+            <a:lnRef idx="2">
+              <a:schemeClr val="accent1">
+                <a:shade val="50000"/>
+              </a:schemeClr>
+            </a:lnRef>
+            <a:fillRef idx="1">
+              <a:schemeClr val="accent1"/>
+            </a:fillRef>
+            <a:effectRef idx="0">
+              <a:schemeClr val="accent1"/>
+            </a:effectRef>
+            <a:fontRef idx="minor">
+              <a:schemeClr val="lt1"/>
+            </a:fontRef>
+          </p:style>
+          <p:txBody>
+            <a:bodyPr rtlCol="0" anchor="b"/>
+            <a:lstStyle/>
+            <a:p>
+              <a:pPr algn="ctr"/>
+              <a:r>
+                <a:rPr lang="en-US" sz="800" dirty="0" smtClean="0">
+                  <a:solidFill>
+                    <a:srgbClr val="000000"/>
+                  </a:solidFill>
+                  <a:latin typeface="Helvetica Neue"/>
+                  <a:cs typeface="Helvetica Neue"/>
+                </a:rPr>
+                <a:t>Assess Risk </a:t>
+              </a:r>
+            </a:p>
+            <a:p>
+              <a:pPr algn="ctr"/>
+              <a:r>
+                <a:rPr lang="en-US" sz="800" dirty="0" smtClean="0">
+                  <a:solidFill>
+                    <a:srgbClr val="000000"/>
+                  </a:solidFill>
+                  <a:latin typeface="Helvetica Neue"/>
+                  <a:cs typeface="Helvetica Neue"/>
+                </a:rPr>
+                <a:t>Situation</a:t>
+              </a:r>
+            </a:p>
+          </p:txBody>
+        </p:sp>
+        <p:grpSp>
+          <p:nvGrpSpPr>
+            <p:cNvPr id="27" name="Grouper 26"/>
+            <p:cNvGrpSpPr/>
+            <p:nvPr/>
+          </p:nvGrpSpPr>
+          <p:grpSpPr>
+            <a:xfrm>
+              <a:off x="2917795" y="1596090"/>
+              <a:ext cx="344647" cy="159647"/>
+              <a:chOff x="1946335" y="2152645"/>
+              <a:chExt cx="694269" cy="321599"/>
+            </a:xfrm>
+          </p:grpSpPr>
+          <p:sp>
+            <p:nvSpPr>
+              <p:cNvPr id="21" name="Rectangle à coins arrondis 20"/>
+              <p:cNvSpPr/>
+              <p:nvPr/>
+            </p:nvSpPr>
             <p:spPr>
-              <a:xfrm rot="10800000" flipV="1">
-                <a:off x="3090119" y="873554"/>
-                <a:ext cx="517501" cy="215512"/>
+              <a:xfrm>
+                <a:off x="1946335" y="2152645"/>
+                <a:ext cx="694269" cy="321599"/>
               </a:xfrm>
-              <a:prstGeom prst="curvedConnector2">
-                <a:avLst/>
+              <a:prstGeom prst="roundRect">
+                <a:avLst>
+                  <a:gd name="adj" fmla="val 50000"/>
+                </a:avLst>
               </a:prstGeom>
+              <a:solidFill>
+                <a:schemeClr val="bg1"/>
+              </a:solidFill>
               <a:ln w="12700" cmpd="sng">
                 <a:solidFill>
                   <a:schemeClr val="tx1"/>
                 </a:solidFill>
-                <a:prstDash val="sysDash"/>
               </a:ln>
             </p:spPr>
             <p:style>
               <a:lnRef idx="2">
-                <a:schemeClr val="accent1"/>
+                <a:schemeClr val="accent1">
+                  <a:shade val="50000"/>
+                </a:schemeClr>
               </a:lnRef>
-              <a:fillRef idx="0">
+              <a:fillRef idx="1">
                 <a:schemeClr val="accent1"/>
               </a:fillRef>
-              <a:effectRef idx="1">
+              <a:effectRef idx="0">
                 <a:schemeClr val="accent1"/>
               </a:effectRef>
               <a:fontRef idx="minor">
-                <a:schemeClr val="tx1"/>
+                <a:schemeClr val="lt1"/>
               </a:fontRef>
             </p:style>
-          </p:cxnSp>
+            <p:txBody>
+              <a:bodyPr rtlCol="0" anchor="ctr"/>
+              <a:lstStyle/>
+              <a:p>
+                <a:pPr algn="ctr"/>
+                <a:endParaRPr lang="en-US" sz="800"/>
+              </a:p>
+            </p:txBody>
+          </p:sp>
+          <p:sp>
+            <p:nvSpPr>
+              <p:cNvPr id="22" name="Triangle isocèle 21"/>
+              <p:cNvSpPr/>
+              <p:nvPr/>
+            </p:nvSpPr>
+            <p:spPr>
+              <a:xfrm>
+                <a:off x="2184690" y="2212938"/>
+                <a:ext cx="217551" cy="187543"/>
+              </a:xfrm>
+              <a:prstGeom prst="triangle">
+                <a:avLst/>
+              </a:prstGeom>
+              <a:solidFill>
+                <a:schemeClr val="bg1"/>
+              </a:solidFill>
+              <a:ln w="12700" cmpd="sng">
+                <a:solidFill>
+                  <a:schemeClr val="tx1"/>
+                </a:solidFill>
+              </a:ln>
+            </p:spPr>
+            <p:style>
+              <a:lnRef idx="2">
+                <a:schemeClr val="accent2">
+                  <a:shade val="50000"/>
+                </a:schemeClr>
+              </a:lnRef>
+              <a:fillRef idx="1">
+                <a:schemeClr val="accent2"/>
+              </a:fillRef>
+              <a:effectRef idx="0">
+                <a:schemeClr val="accent2"/>
+              </a:effectRef>
+              <a:fontRef idx="minor">
+                <a:schemeClr val="lt1"/>
+              </a:fontRef>
+            </p:style>
+            <p:txBody>
+              <a:bodyPr rtlCol="0" anchor="ctr"/>
+              <a:lstStyle/>
+              <a:p>
+                <a:pPr algn="ctr"/>
+                <a:endParaRPr lang="en-US" sz="800"/>
+              </a:p>
+            </p:txBody>
+          </p:sp>
+        </p:grpSp>
+        <p:sp>
+          <p:nvSpPr>
+            <p:cNvPr id="70" name="Rectangle à coins arrondis 69"/>
+            <p:cNvSpPr/>
+            <p:nvPr/>
+          </p:nvSpPr>
+          <p:spPr>
+            <a:xfrm rot="5400000">
+              <a:off x="3418576" y="1978587"/>
+              <a:ext cx="537728" cy="159647"/>
+            </a:xfrm>
+            <a:prstGeom prst="roundRect">
+              <a:avLst>
+                <a:gd name="adj" fmla="val 50000"/>
+              </a:avLst>
+            </a:prstGeom>
+            <a:solidFill>
+              <a:schemeClr val="bg1"/>
+            </a:solidFill>
+            <a:ln w="12700" cmpd="sng">
+              <a:solidFill>
+                <a:schemeClr val="tx1"/>
+              </a:solidFill>
+            </a:ln>
+          </p:spPr>
+          <p:style>
+            <a:lnRef idx="2">
+              <a:schemeClr val="accent1">
+                <a:shade val="50000"/>
+              </a:schemeClr>
+            </a:lnRef>
+            <a:fillRef idx="1">
+              <a:schemeClr val="accent1"/>
+            </a:fillRef>
+            <a:effectRef idx="0">
+              <a:schemeClr val="accent1"/>
+            </a:effectRef>
+            <a:fontRef idx="minor">
+              <a:schemeClr val="lt1"/>
+            </a:fontRef>
+          </p:style>
+          <p:txBody>
+            <a:bodyPr rtlCol="0" anchor="ctr"/>
+            <a:lstStyle/>
+            <a:p>
+              <a:pPr algn="ctr"/>
+              <a:endParaRPr lang="en-US" sz="800"/>
+            </a:p>
+          </p:txBody>
+        </p:sp>
+        <p:sp>
+          <p:nvSpPr>
+            <p:cNvPr id="71" name="Triangle isocèle 70"/>
+            <p:cNvSpPr/>
+            <p:nvPr/>
+          </p:nvSpPr>
+          <p:spPr>
+            <a:xfrm rot="5400000">
+              <a:off x="3636778" y="1880015"/>
+              <a:ext cx="107996" cy="93099"/>
+            </a:xfrm>
+            <a:prstGeom prst="triangle">
+              <a:avLst/>
+            </a:prstGeom>
+            <a:solidFill>
+              <a:schemeClr val="bg1"/>
+            </a:solidFill>
+            <a:ln w="12700" cmpd="sng">
+              <a:solidFill>
+                <a:schemeClr val="tx1"/>
+              </a:solidFill>
+            </a:ln>
+          </p:spPr>
+          <p:style>
+            <a:lnRef idx="2">
+              <a:schemeClr val="accent2">
+                <a:shade val="50000"/>
+              </a:schemeClr>
+            </a:lnRef>
+            <a:fillRef idx="1">
+              <a:schemeClr val="accent2"/>
+            </a:fillRef>
+            <a:effectRef idx="0">
+              <a:schemeClr val="accent2"/>
+            </a:effectRef>
+            <a:fontRef idx="minor">
+              <a:schemeClr val="lt1"/>
+            </a:fontRef>
+          </p:style>
+          <p:txBody>
+            <a:bodyPr rtlCol="0" anchor="ctr"/>
+            <a:lstStyle/>
+            <a:p>
+              <a:pPr algn="ctr"/>
+              <a:endParaRPr lang="en-US" sz="800"/>
+            </a:p>
+          </p:txBody>
+        </p:sp>
+        <p:sp>
+          <p:nvSpPr>
+            <p:cNvPr id="72" name="Triangle isocèle 71"/>
+            <p:cNvSpPr/>
+            <p:nvPr/>
+          </p:nvSpPr>
+          <p:spPr>
+            <a:xfrm rot="16200000">
+              <a:off x="3636773" y="2010918"/>
+              <a:ext cx="107996" cy="93099"/>
+            </a:xfrm>
+            <a:prstGeom prst="triangle">
+              <a:avLst/>
+            </a:prstGeom>
+            <a:solidFill>
+              <a:schemeClr val="bg1"/>
+            </a:solidFill>
+            <a:ln w="12700" cmpd="sng">
+              <a:solidFill>
+                <a:schemeClr val="tx1"/>
+              </a:solidFill>
+            </a:ln>
+          </p:spPr>
+          <p:style>
+            <a:lnRef idx="2">
+              <a:schemeClr val="accent2">
+                <a:shade val="50000"/>
+              </a:schemeClr>
+            </a:lnRef>
+            <a:fillRef idx="1">
+              <a:schemeClr val="accent2"/>
+            </a:fillRef>
+            <a:effectRef idx="0">
+              <a:schemeClr val="accent2"/>
+            </a:effectRef>
+            <a:fontRef idx="minor">
+              <a:schemeClr val="lt1"/>
+            </a:fontRef>
+          </p:style>
+          <p:txBody>
+            <a:bodyPr rtlCol="0" anchor="ctr"/>
+            <a:lstStyle/>
+            <a:p>
+              <a:pPr algn="ctr"/>
+              <a:endParaRPr lang="en-US" sz="800"/>
+            </a:p>
+          </p:txBody>
+        </p:sp>
+        <p:grpSp>
+          <p:nvGrpSpPr>
+            <p:cNvPr id="2" name="Grouper 1"/>
+            <p:cNvGrpSpPr/>
+            <p:nvPr/>
+          </p:nvGrpSpPr>
+          <p:grpSpPr>
+            <a:xfrm rot="5400000">
+              <a:off x="3206405" y="1945526"/>
+              <a:ext cx="290875" cy="153984"/>
+              <a:chOff x="4726310" y="3016625"/>
+              <a:chExt cx="585947" cy="310190"/>
+            </a:xfrm>
+          </p:grpSpPr>
+          <p:sp>
+            <p:nvSpPr>
+              <p:cNvPr id="3" name="Triangle isocèle 2"/>
+              <p:cNvSpPr/>
+              <p:nvPr/>
+            </p:nvSpPr>
+            <p:spPr>
+              <a:xfrm>
+                <a:off x="4726310" y="3110109"/>
+                <a:ext cx="585947" cy="119135"/>
+              </a:xfrm>
+              <a:prstGeom prst="triangle">
+                <a:avLst/>
+              </a:prstGeom>
+              <a:solidFill>
+                <a:schemeClr val="bg1"/>
+              </a:solidFill>
+              <a:ln w="12700" cmpd="sng">
+                <a:solidFill>
+                  <a:srgbClr val="000000"/>
+                </a:solidFill>
+              </a:ln>
+            </p:spPr>
+            <p:style>
+              <a:lnRef idx="2">
+                <a:schemeClr val="accent2">
+                  <a:shade val="50000"/>
+                </a:schemeClr>
+              </a:lnRef>
+              <a:fillRef idx="1">
+                <a:schemeClr val="accent2"/>
+              </a:fillRef>
+              <a:effectRef idx="0">
+                <a:schemeClr val="accent2"/>
+              </a:effectRef>
+              <a:fontRef idx="minor">
+                <a:schemeClr val="lt1"/>
+              </a:fontRef>
+            </p:style>
+            <p:txBody>
+              <a:bodyPr rtlCol="0" anchor="ctr"/>
+              <a:lstStyle/>
+              <a:p>
+                <a:pPr algn="ctr"/>
+                <a:endParaRPr lang="en-US" sz="800"/>
+              </a:p>
+            </p:txBody>
+          </p:sp>
+          <p:sp>
+            <p:nvSpPr>
+              <p:cNvPr id="4" name="Ellipse 3"/>
+              <p:cNvSpPr/>
+              <p:nvPr/>
+            </p:nvSpPr>
+            <p:spPr>
+              <a:xfrm>
+                <a:off x="4976844" y="3016625"/>
+                <a:ext cx="84871" cy="84871"/>
+              </a:xfrm>
+              <a:prstGeom prst="ellipse">
+                <a:avLst/>
+              </a:prstGeom>
+              <a:solidFill>
+                <a:srgbClr val="000000"/>
+              </a:solidFill>
+              <a:ln w="12700" cmpd="sng">
+                <a:solidFill>
+                  <a:schemeClr val="tx1"/>
+                </a:solidFill>
+              </a:ln>
+            </p:spPr>
+            <p:style>
+              <a:lnRef idx="2">
+                <a:schemeClr val="accent1">
+                  <a:shade val="50000"/>
+                </a:schemeClr>
+              </a:lnRef>
+              <a:fillRef idx="1">
+                <a:schemeClr val="accent1"/>
+              </a:fillRef>
+              <a:effectRef idx="0">
+                <a:schemeClr val="accent1"/>
+              </a:effectRef>
+              <a:fontRef idx="minor">
+                <a:schemeClr val="lt1"/>
+              </a:fontRef>
+            </p:style>
+            <p:txBody>
+              <a:bodyPr rtlCol="0" anchor="ctr"/>
+              <a:lstStyle/>
+              <a:p>
+                <a:pPr algn="ctr"/>
+                <a:endParaRPr lang="en-US" sz="800"/>
+              </a:p>
+            </p:txBody>
+          </p:sp>
+          <p:sp>
+            <p:nvSpPr>
+              <p:cNvPr id="5" name="Ellipse 4"/>
+              <p:cNvSpPr/>
+              <p:nvPr/>
+            </p:nvSpPr>
+            <p:spPr>
+              <a:xfrm>
+                <a:off x="4840319" y="3241944"/>
+                <a:ext cx="84871" cy="84871"/>
+              </a:xfrm>
+              <a:prstGeom prst="ellipse">
+                <a:avLst/>
+              </a:prstGeom>
+              <a:solidFill>
+                <a:srgbClr val="000000"/>
+              </a:solidFill>
+              <a:ln w="12700" cmpd="sng">
+                <a:solidFill>
+                  <a:schemeClr val="tx1"/>
+                </a:solidFill>
+              </a:ln>
+            </p:spPr>
+            <p:style>
+              <a:lnRef idx="2">
+                <a:schemeClr val="accent1">
+                  <a:shade val="50000"/>
+                </a:schemeClr>
+              </a:lnRef>
+              <a:fillRef idx="1">
+                <a:schemeClr val="accent1"/>
+              </a:fillRef>
+              <a:effectRef idx="0">
+                <a:schemeClr val="accent1"/>
+              </a:effectRef>
+              <a:fontRef idx="minor">
+                <a:schemeClr val="lt1"/>
+              </a:fontRef>
+            </p:style>
+            <p:txBody>
+              <a:bodyPr rtlCol="0" anchor="ctr"/>
+              <a:lstStyle/>
+              <a:p>
+                <a:pPr algn="ctr"/>
+                <a:endParaRPr lang="en-US" sz="800"/>
+              </a:p>
+            </p:txBody>
+          </p:sp>
+          <p:sp>
+            <p:nvSpPr>
+              <p:cNvPr id="6" name="Ellipse 5"/>
+              <p:cNvSpPr/>
+              <p:nvPr/>
+            </p:nvSpPr>
+            <p:spPr>
+              <a:xfrm>
+                <a:off x="5113369" y="3241944"/>
+                <a:ext cx="84871" cy="84871"/>
+              </a:xfrm>
+              <a:prstGeom prst="ellipse">
+                <a:avLst/>
+              </a:prstGeom>
+              <a:solidFill>
+                <a:srgbClr val="000000"/>
+              </a:solidFill>
+              <a:ln w="12700" cmpd="sng">
+                <a:solidFill>
+                  <a:schemeClr val="tx1"/>
+                </a:solidFill>
+              </a:ln>
+            </p:spPr>
+            <p:style>
+              <a:lnRef idx="2">
+                <a:schemeClr val="accent1">
+                  <a:shade val="50000"/>
+                </a:schemeClr>
+              </a:lnRef>
+              <a:fillRef idx="1">
+                <a:schemeClr val="accent1"/>
+              </a:fillRef>
+              <a:effectRef idx="0">
+                <a:schemeClr val="accent1"/>
+              </a:effectRef>
+              <a:fontRef idx="minor">
+                <a:schemeClr val="lt1"/>
+              </a:fontRef>
+            </p:style>
+            <p:txBody>
+              <a:bodyPr rtlCol="0" anchor="ctr"/>
+              <a:lstStyle/>
+              <a:p>
+                <a:pPr algn="ctr"/>
+                <a:endParaRPr lang="en-US" sz="800"/>
+              </a:p>
+            </p:txBody>
+          </p:sp>
+        </p:grpSp>
+        <p:grpSp>
+          <p:nvGrpSpPr>
+            <p:cNvPr id="8" name="Grouper 7"/>
+            <p:cNvGrpSpPr/>
+            <p:nvPr/>
+          </p:nvGrpSpPr>
+          <p:grpSpPr>
+            <a:xfrm>
+              <a:off x="2716016" y="1989401"/>
+              <a:ext cx="201778" cy="201778"/>
+              <a:chOff x="5279957" y="4005457"/>
+              <a:chExt cx="476318" cy="476318"/>
+            </a:xfrm>
+          </p:grpSpPr>
+          <p:sp>
+            <p:nvSpPr>
+              <p:cNvPr id="9" name="Ellipse 8"/>
+              <p:cNvSpPr/>
+              <p:nvPr/>
+            </p:nvSpPr>
+            <p:spPr>
+              <a:xfrm>
+                <a:off x="5279957" y="4005457"/>
+                <a:ext cx="476318" cy="476318"/>
+              </a:xfrm>
+              <a:prstGeom prst="ellipse">
+                <a:avLst/>
+              </a:prstGeom>
+              <a:noFill/>
+              <a:ln w="12700" cmpd="sng">
+                <a:solidFill>
+                  <a:srgbClr val="000000"/>
+                </a:solidFill>
+              </a:ln>
+            </p:spPr>
+            <p:style>
+              <a:lnRef idx="2">
+                <a:schemeClr val="accent1">
+                  <a:shade val="50000"/>
+                </a:schemeClr>
+              </a:lnRef>
+              <a:fillRef idx="1">
+                <a:schemeClr val="accent1"/>
+              </a:fillRef>
+              <a:effectRef idx="0">
+                <a:schemeClr val="accent1"/>
+              </a:effectRef>
+              <a:fontRef idx="minor">
+                <a:schemeClr val="lt1"/>
+              </a:fontRef>
+            </p:style>
+            <p:txBody>
+              <a:bodyPr rtlCol="0" anchor="ctr"/>
+              <a:lstStyle/>
+              <a:p>
+                <a:pPr algn="ctr"/>
+                <a:endParaRPr lang="en-US" sz="800"/>
+              </a:p>
+            </p:txBody>
+          </p:sp>
+          <p:sp>
+            <p:nvSpPr>
+              <p:cNvPr id="10" name="Ellipse 9"/>
+              <p:cNvSpPr/>
+              <p:nvPr/>
+            </p:nvSpPr>
+            <p:spPr>
+              <a:xfrm>
+                <a:off x="5348725" y="4074225"/>
+                <a:ext cx="338782" cy="338782"/>
+              </a:xfrm>
+              <a:prstGeom prst="ellipse">
+                <a:avLst/>
+              </a:prstGeom>
+              <a:solidFill>
+                <a:schemeClr val="accent5"/>
+              </a:solidFill>
+              <a:ln w="12700" cmpd="sng">
+                <a:solidFill>
+                  <a:srgbClr val="000000"/>
+                </a:solidFill>
+              </a:ln>
+            </p:spPr>
+            <p:style>
+              <a:lnRef idx="2">
+                <a:schemeClr val="accent1">
+                  <a:shade val="50000"/>
+                </a:schemeClr>
+              </a:lnRef>
+              <a:fillRef idx="1">
+                <a:schemeClr val="accent1"/>
+              </a:fillRef>
+              <a:effectRef idx="0">
+                <a:schemeClr val="accent1"/>
+              </a:effectRef>
+              <a:fontRef idx="minor">
+                <a:schemeClr val="lt1"/>
+              </a:fontRef>
+            </p:style>
+            <p:txBody>
+              <a:bodyPr rtlCol="0" anchor="ctr"/>
+              <a:lstStyle/>
+              <a:p>
+                <a:pPr algn="ctr"/>
+                <a:endParaRPr lang="en-US" sz="800"/>
+              </a:p>
+            </p:txBody>
+          </p:sp>
+          <p:sp>
+            <p:nvSpPr>
+              <p:cNvPr id="11" name="Ellipse 10"/>
+              <p:cNvSpPr/>
+              <p:nvPr/>
+            </p:nvSpPr>
+            <p:spPr>
+              <a:xfrm>
+                <a:off x="5468388" y="4193888"/>
+                <a:ext cx="99456" cy="99456"/>
+              </a:xfrm>
+              <a:prstGeom prst="ellipse">
+                <a:avLst/>
+              </a:prstGeom>
+              <a:solidFill>
+                <a:srgbClr val="000000"/>
+              </a:solidFill>
+              <a:ln w="12700" cmpd="sng">
+                <a:noFill/>
+              </a:ln>
+            </p:spPr>
+            <p:style>
+              <a:lnRef idx="2">
+                <a:schemeClr val="accent1">
+                  <a:shade val="50000"/>
+                </a:schemeClr>
+              </a:lnRef>
+              <a:fillRef idx="1">
+                <a:schemeClr val="accent1"/>
+              </a:fillRef>
+              <a:effectRef idx="0">
+                <a:schemeClr val="accent1"/>
+              </a:effectRef>
+              <a:fontRef idx="minor">
+                <a:schemeClr val="lt1"/>
+              </a:fontRef>
+            </p:style>
+            <p:txBody>
+              <a:bodyPr rtlCol="0" anchor="ctr"/>
+              <a:lstStyle/>
+              <a:p>
+                <a:pPr algn="ctr"/>
+                <a:endParaRPr lang="en-US" sz="800"/>
+              </a:p>
+            </p:txBody>
+          </p:sp>
+        </p:grpSp>
+        <p:cxnSp>
+          <p:nvCxnSpPr>
+            <p:cNvPr id="34" name="Connecteur droit 22"/>
+            <p:cNvCxnSpPr>
+              <a:stCxn id="30" idx="2"/>
+              <a:endCxn id="21" idx="0"/>
+            </p:cNvCxnSpPr>
+            <p:nvPr/>
+          </p:nvCxnSpPr>
+          <p:spPr>
+            <a:xfrm>
+              <a:off x="3090119" y="1248714"/>
+              <a:ext cx="0" cy="347377"/>
+            </a:xfrm>
+            <a:prstGeom prst="straightConnector1">
+              <a:avLst/>
+            </a:prstGeom>
+            <a:ln w="28575" cmpd="sng">
+              <a:solidFill>
+                <a:schemeClr val="accent3"/>
+              </a:solidFill>
+              <a:prstDash val="solid"/>
+            </a:ln>
+          </p:spPr>
+          <p:style>
+            <a:lnRef idx="2">
+              <a:schemeClr val="accent1"/>
+            </a:lnRef>
+            <a:fillRef idx="0">
+              <a:schemeClr val="accent1"/>
+            </a:fillRef>
+            <a:effectRef idx="1">
+              <a:schemeClr val="accent1"/>
+            </a:effectRef>
+            <a:fontRef idx="minor">
+              <a:schemeClr val="tx1"/>
+            </a:fontRef>
+          </p:style>
+        </p:cxnSp>
+        <p:cxnSp>
+          <p:nvCxnSpPr>
+            <p:cNvPr id="38" name="Connecteur droit 22"/>
+            <p:cNvCxnSpPr>
+              <a:stCxn id="21" idx="2"/>
+              <a:endCxn id="5" idx="4"/>
+            </p:cNvCxnSpPr>
+            <p:nvPr/>
+          </p:nvCxnSpPr>
+          <p:spPr>
+            <a:xfrm rot="16200000" flipH="1">
+              <a:off x="3082982" y="1762874"/>
+              <a:ext cx="199005" cy="184732"/>
+            </a:xfrm>
+            <a:prstGeom prst="curvedConnector2">
+              <a:avLst/>
+            </a:prstGeom>
+            <a:ln w="12700" cmpd="sng">
+              <a:solidFill>
+                <a:schemeClr val="tx1"/>
+              </a:solidFill>
+              <a:prstDash val="sysDash"/>
+            </a:ln>
+          </p:spPr>
+          <p:style>
+            <a:lnRef idx="2">
+              <a:schemeClr val="accent1"/>
+            </a:lnRef>
+            <a:fillRef idx="0">
+              <a:schemeClr val="accent1"/>
+            </a:fillRef>
+            <a:effectRef idx="1">
+              <a:schemeClr val="accent1"/>
+            </a:effectRef>
+            <a:fontRef idx="minor">
+              <a:schemeClr val="tx1"/>
+            </a:fontRef>
+          </p:style>
+        </p:cxnSp>
+        <p:cxnSp>
+          <p:nvCxnSpPr>
+            <p:cNvPr id="42" name="Connecteur droit 22"/>
+            <p:cNvCxnSpPr>
+              <a:stCxn id="9" idx="6"/>
+              <a:endCxn id="6" idx="4"/>
+            </p:cNvCxnSpPr>
+            <p:nvPr/>
+          </p:nvCxnSpPr>
+          <p:spPr>
+            <a:xfrm>
+              <a:off x="2917795" y="2090290"/>
+              <a:ext cx="357055" cy="0"/>
+            </a:xfrm>
+            <a:prstGeom prst="straightConnector1">
+              <a:avLst/>
+            </a:prstGeom>
+            <a:ln w="12700" cmpd="sng">
+              <a:solidFill>
+                <a:schemeClr val="tx1"/>
+              </a:solidFill>
+              <a:prstDash val="sysDash"/>
+            </a:ln>
+          </p:spPr>
+          <p:style>
+            <a:lnRef idx="2">
+              <a:schemeClr val="accent1"/>
+            </a:lnRef>
+            <a:fillRef idx="0">
+              <a:schemeClr val="accent1"/>
+            </a:fillRef>
+            <a:effectRef idx="1">
+              <a:schemeClr val="accent1"/>
+            </a:effectRef>
+            <a:fontRef idx="minor">
+              <a:schemeClr val="tx1"/>
+            </a:fontRef>
+          </p:style>
+        </p:cxnSp>
+        <p:grpSp>
+          <p:nvGrpSpPr>
+            <p:cNvPr id="138" name="Grouper 137"/>
+            <p:cNvGrpSpPr/>
+            <p:nvPr/>
+          </p:nvGrpSpPr>
+          <p:grpSpPr>
+            <a:xfrm>
+              <a:off x="2547606" y="585909"/>
+              <a:ext cx="1219659" cy="662804"/>
+              <a:chOff x="1080625" y="1181769"/>
+              <a:chExt cx="2020621" cy="1098074"/>
+            </a:xfrm>
+          </p:grpSpPr>
+          <p:sp>
+            <p:nvSpPr>
+              <p:cNvPr id="28" name="Rectangle à coins arrondis 27"/>
+              <p:cNvSpPr/>
+              <p:nvPr/>
+            </p:nvSpPr>
+            <p:spPr>
+              <a:xfrm>
+                <a:off x="1080625" y="1181769"/>
+                <a:ext cx="1888377" cy="965830"/>
+              </a:xfrm>
+              <a:prstGeom prst="roundRect">
+                <a:avLst>
+                  <a:gd name="adj" fmla="val 16326"/>
+                </a:avLst>
+              </a:prstGeom>
+              <a:solidFill>
+                <a:schemeClr val="bg1"/>
+              </a:solidFill>
+              <a:ln w="12700" cmpd="sng">
+                <a:solidFill>
+                  <a:schemeClr val="tx1"/>
+                </a:solidFill>
+              </a:ln>
+            </p:spPr>
+            <p:style>
+              <a:lnRef idx="2">
+                <a:schemeClr val="accent1">
+                  <a:shade val="50000"/>
+                </a:schemeClr>
+              </a:lnRef>
+              <a:fillRef idx="1">
+                <a:schemeClr val="accent1"/>
+              </a:fillRef>
+              <a:effectRef idx="0">
+                <a:schemeClr val="accent1"/>
+              </a:effectRef>
+              <a:fontRef idx="minor">
+                <a:schemeClr val="lt1"/>
+              </a:fontRef>
+            </p:style>
+            <p:txBody>
+              <a:bodyPr rtlCol="0" anchor="t"/>
+              <a:lstStyle/>
+              <a:p>
+                <a:pPr algn="ctr"/>
+                <a:r>
+                  <a:rPr lang="en-US" sz="800" dirty="0" smtClean="0">
+                    <a:solidFill>
+                      <a:srgbClr val="000000"/>
+                    </a:solidFill>
+                    <a:latin typeface="Helvetica Neue"/>
+                    <a:cs typeface="Helvetica Neue"/>
+                  </a:rPr>
+                  <a:t>Identify </a:t>
+                </a:r>
+                <a:endParaRPr lang="en-US" sz="800" dirty="0">
+                  <a:solidFill>
+                    <a:srgbClr val="000000"/>
+                  </a:solidFill>
+                  <a:latin typeface="Helvetica Neue"/>
+                  <a:cs typeface="Helvetica Neue"/>
+                </a:endParaRPr>
+              </a:p>
+              <a:p>
+                <a:pPr algn="ctr"/>
+                <a:r>
+                  <a:rPr lang="en-US" sz="800" dirty="0">
+                    <a:solidFill>
+                      <a:srgbClr val="000000"/>
+                    </a:solidFill>
+                    <a:latin typeface="Helvetica Neue"/>
+                    <a:cs typeface="Helvetica Neue"/>
+                  </a:rPr>
+                  <a:t>Amendments</a:t>
+                </a:r>
+              </a:p>
+              <a:p>
+                <a:pPr algn="ctr"/>
+                <a:endParaRPr lang="en-US" sz="800" dirty="0">
+                  <a:solidFill>
+                    <a:srgbClr val="000000"/>
+                  </a:solidFill>
+                  <a:latin typeface="Helvetica Neue"/>
+                  <a:cs typeface="Helvetica Neue"/>
+                </a:endParaRPr>
+              </a:p>
+            </p:txBody>
+          </p:sp>
           <p:grpSp>
             <p:nvGrpSpPr>
-              <p:cNvPr id="57" name="Grouper 56"/>
+              <p:cNvPr id="29" name="Grouper 28"/>
               <p:cNvGrpSpPr/>
               <p:nvPr/>
             </p:nvGrpSpPr>
             <p:grpSpPr>
-              <a:xfrm rot="5400000">
-                <a:off x="3948029" y="793731"/>
-                <a:ext cx="344647" cy="159647"/>
+              <a:xfrm>
+                <a:off x="1693920" y="2015354"/>
+                <a:ext cx="570980" cy="264489"/>
                 <a:chOff x="1946331" y="2152640"/>
                 <a:chExt cx="694268" cy="321598"/>
               </a:xfrm>
             </p:grpSpPr>
             <p:sp>
               <p:nvSpPr>
-                <p:cNvPr id="58" name="Rectangle à coins arrondis 57"/>
+                <p:cNvPr id="30" name="Rectangle à coins arrondis 29"/>
                 <p:cNvSpPr/>
                 <p:nvPr/>
               </p:nvSpPr>
@@ -10207,7 +11963,7 @@
             </p:sp>
             <p:sp>
               <p:nvSpPr>
-                <p:cNvPr id="59" name="Triangle isocèle 58"/>
+                <p:cNvPr id="31" name="Triangle isocèle 30"/>
                 <p:cNvSpPr/>
                 <p:nvPr/>
               </p:nvSpPr>
@@ -10254,69 +12010,30 @@
               </p:txBody>
             </p:sp>
           </p:grpSp>
-          <p:cxnSp>
-            <p:nvCxnSpPr>
-              <p:cNvPr id="60" name="Connecteur droit 22"/>
-              <p:cNvCxnSpPr>
-                <a:stCxn id="58" idx="2"/>
-                <a:endCxn id="46" idx="0"/>
-              </p:cNvCxnSpPr>
-              <p:nvPr/>
-            </p:nvCxnSpPr>
-            <p:spPr>
-              <a:xfrm flipH="1">
-                <a:off x="3767266" y="873554"/>
-                <a:ext cx="273263" cy="0"/>
-              </a:xfrm>
-              <a:prstGeom prst="straightConnector1">
-                <a:avLst/>
-              </a:prstGeom>
-              <a:ln w="12700" cmpd="sng">
-                <a:solidFill>
-                  <a:schemeClr val="tx1"/>
-                </a:solidFill>
-                <a:prstDash val="sysDash"/>
-              </a:ln>
-            </p:spPr>
-            <p:style>
-              <a:lnRef idx="2">
-                <a:schemeClr val="accent1"/>
-              </a:lnRef>
-              <a:fillRef idx="0">
-                <a:schemeClr val="accent1"/>
-              </a:fillRef>
-              <a:effectRef idx="1">
-                <a:schemeClr val="accent1"/>
-              </a:effectRef>
-              <a:fontRef idx="minor">
-                <a:schemeClr val="tx1"/>
-              </a:fontRef>
-            </p:style>
-          </p:cxnSp>
           <p:grpSp>
             <p:nvGrpSpPr>
-              <p:cNvPr id="68" name="Grouper 67"/>
+              <p:cNvPr id="45" name="Grouper 44"/>
               <p:cNvGrpSpPr/>
               <p:nvPr/>
             </p:nvGrpSpPr>
             <p:grpSpPr>
-              <a:xfrm>
-                <a:off x="4036359" y="1788268"/>
-                <a:ext cx="159647" cy="402911"/>
-                <a:chOff x="4199602" y="3138558"/>
-                <a:chExt cx="321598" cy="811636"/>
+              <a:xfrm rot="5400000">
+                <a:off x="2683512" y="1526069"/>
+                <a:ext cx="570980" cy="264489"/>
+                <a:chOff x="1946331" y="2152640"/>
+                <a:chExt cx="694268" cy="321598"/>
               </a:xfrm>
             </p:grpSpPr>
             <p:sp>
               <p:nvSpPr>
-                <p:cNvPr id="64" name="Rectangle à coins arrondis 63"/>
+                <p:cNvPr id="46" name="Rectangle à coins arrondis 45"/>
                 <p:cNvSpPr/>
                 <p:nvPr/>
               </p:nvSpPr>
               <p:spPr>
-                <a:xfrm rot="5400000">
-                  <a:off x="3954583" y="3383577"/>
-                  <a:ext cx="811636" cy="321598"/>
+                <a:xfrm>
+                  <a:off x="1946331" y="2152640"/>
+                  <a:ext cx="694268" cy="321598"/>
                 </a:xfrm>
                 <a:prstGeom prst="roundRect">
                   <a:avLst>
@@ -10359,61 +12076,13 @@
             </p:sp>
             <p:sp>
               <p:nvSpPr>
-                <p:cNvPr id="65" name="Triangle isocèle 64"/>
+                <p:cNvPr id="47" name="Triangle isocèle 46"/>
                 <p:cNvSpPr/>
                 <p:nvPr/>
               </p:nvSpPr>
               <p:spPr>
-                <a:xfrm rot="5400000">
-                  <a:off x="4258357" y="3320798"/>
-                  <a:ext cx="217550" cy="187542"/>
-                </a:xfrm>
-                <a:prstGeom prst="triangle">
-                  <a:avLst/>
-                </a:prstGeom>
-                <a:solidFill>
-                  <a:schemeClr val="bg1"/>
-                </a:solidFill>
-                <a:ln w="12700" cmpd="sng">
-                  <a:solidFill>
-                    <a:schemeClr val="tx1"/>
-                  </a:solidFill>
-                </a:ln>
-              </p:spPr>
-              <p:style>
-                <a:lnRef idx="2">
-                  <a:schemeClr val="accent2">
-                    <a:shade val="50000"/>
-                  </a:schemeClr>
-                </a:lnRef>
-                <a:fillRef idx="1">
-                  <a:schemeClr val="accent2"/>
-                </a:fillRef>
-                <a:effectRef idx="0">
-                  <a:schemeClr val="accent2"/>
-                </a:effectRef>
-                <a:fontRef idx="minor">
-                  <a:schemeClr val="lt1"/>
-                </a:fontRef>
-              </p:style>
-              <p:txBody>
-                <a:bodyPr rtlCol="0" anchor="ctr"/>
-                <a:lstStyle/>
-                <a:p>
-                  <a:pPr algn="ctr"/>
-                  <a:endParaRPr lang="en-US" sz="800"/>
-                </a:p>
-              </p:txBody>
-            </p:sp>
-            <p:sp>
-              <p:nvSpPr>
-                <p:cNvPr id="66" name="Triangle isocèle 65"/>
-                <p:cNvSpPr/>
-                <p:nvPr/>
-              </p:nvSpPr>
-              <p:spPr>
-                <a:xfrm rot="16200000">
-                  <a:off x="4258357" y="3584500"/>
+                <a:xfrm>
+                  <a:off x="2184690" y="2212937"/>
                   <a:ext cx="217550" cy="187542"/>
                 </a:xfrm>
                 <a:prstGeom prst="triangle">
@@ -10454,135 +12123,70 @@
               </p:txBody>
             </p:sp>
           </p:grpSp>
-          <p:cxnSp>
-            <p:nvCxnSpPr>
-              <p:cNvPr id="76" name="Connecteur droit 22"/>
-              <p:cNvCxnSpPr>
-                <a:stCxn id="66" idx="0"/>
-                <a:endCxn id="72" idx="3"/>
-              </p:cNvCxnSpPr>
-              <p:nvPr/>
-            </p:nvCxnSpPr>
-            <p:spPr>
-              <a:xfrm flipH="1">
-                <a:off x="3737334" y="2056191"/>
-                <a:ext cx="335641" cy="1279"/>
-              </a:xfrm>
-              <a:prstGeom prst="straightConnector1">
-                <a:avLst/>
-              </a:prstGeom>
-              <a:ln w="12700" cmpd="sng">
-                <a:solidFill>
-                  <a:schemeClr val="tx1"/>
-                </a:solidFill>
-                <a:prstDash val="solid"/>
-              </a:ln>
-            </p:spPr>
-            <p:style>
-              <a:lnRef idx="2">
-                <a:schemeClr val="accent1"/>
-              </a:lnRef>
-              <a:fillRef idx="0">
-                <a:schemeClr val="accent1"/>
-              </a:fillRef>
-              <a:effectRef idx="1">
-                <a:schemeClr val="accent1"/>
-              </a:effectRef>
-              <a:fontRef idx="minor">
+        </p:grpSp>
+        <p:cxnSp>
+          <p:nvCxnSpPr>
+            <p:cNvPr id="49" name="Connecteur droit 22"/>
+            <p:cNvCxnSpPr>
+              <a:stCxn id="46" idx="2"/>
+              <a:endCxn id="30" idx="0"/>
+            </p:cNvCxnSpPr>
+            <p:nvPr/>
+          </p:nvCxnSpPr>
+          <p:spPr>
+            <a:xfrm rot="10800000" flipV="1">
+              <a:off x="3090119" y="873554"/>
+              <a:ext cx="517501" cy="215512"/>
+            </a:xfrm>
+            <a:prstGeom prst="curvedConnector2">
+              <a:avLst/>
+            </a:prstGeom>
+            <a:ln w="12700" cmpd="sng">
+              <a:solidFill>
                 <a:schemeClr val="tx1"/>
-              </a:fontRef>
-            </p:style>
-          </p:cxnSp>
-          <p:cxnSp>
-            <p:nvCxnSpPr>
-              <p:cNvPr id="67" name="Connecteur droit 22"/>
-              <p:cNvCxnSpPr>
-                <a:stCxn id="65" idx="3"/>
-                <a:endCxn id="71" idx="0"/>
-              </p:cNvCxnSpPr>
-              <p:nvPr/>
-            </p:nvCxnSpPr>
-            <p:spPr>
-              <a:xfrm flipH="1">
-                <a:off x="3737334" y="1925285"/>
-                <a:ext cx="335641" cy="1279"/>
-              </a:xfrm>
-              <a:prstGeom prst="straightConnector1">
-                <a:avLst/>
-              </a:prstGeom>
-              <a:ln w="12700" cmpd="sng">
-                <a:solidFill>
-                  <a:schemeClr val="tx1"/>
-                </a:solidFill>
-                <a:prstDash val="solid"/>
-              </a:ln>
-            </p:spPr>
-            <p:style>
-              <a:lnRef idx="2">
-                <a:schemeClr val="accent1"/>
-              </a:lnRef>
-              <a:fillRef idx="0">
-                <a:schemeClr val="accent1"/>
-              </a:fillRef>
-              <a:effectRef idx="1">
-                <a:schemeClr val="accent1"/>
-              </a:effectRef>
-              <a:fontRef idx="minor">
-                <a:schemeClr val="tx1"/>
-              </a:fontRef>
-            </p:style>
-          </p:cxnSp>
-          <p:cxnSp>
-            <p:nvCxnSpPr>
-              <p:cNvPr id="79" name="Connecteur droit 22"/>
-              <p:cNvCxnSpPr>
-                <a:stCxn id="4" idx="0"/>
-                <a:endCxn id="72" idx="0"/>
-              </p:cNvCxnSpPr>
-              <p:nvPr/>
-            </p:nvCxnSpPr>
-            <p:spPr>
-              <a:xfrm>
-                <a:off x="3428833" y="2022516"/>
-                <a:ext cx="215401" cy="34953"/>
-              </a:xfrm>
-              <a:prstGeom prst="curvedConnector3">
-                <a:avLst>
-                  <a:gd name="adj1" fmla="val 50000"/>
-                </a:avLst>
-              </a:prstGeom>
-              <a:ln w="12700" cmpd="sng">
-                <a:solidFill>
-                  <a:schemeClr val="tx1"/>
-                </a:solidFill>
-                <a:prstDash val="sysDash"/>
-              </a:ln>
-            </p:spPr>
-            <p:style>
-              <a:lnRef idx="2">
-                <a:schemeClr val="accent1"/>
-              </a:lnRef>
-              <a:fillRef idx="0">
-                <a:schemeClr val="accent1"/>
-              </a:fillRef>
-              <a:effectRef idx="1">
-                <a:schemeClr val="accent1"/>
-              </a:effectRef>
-              <a:fontRef idx="minor">
-                <a:schemeClr val="tx1"/>
-              </a:fontRef>
-            </p:style>
-          </p:cxnSp>
+              </a:solidFill>
+              <a:prstDash val="sysDash"/>
+            </a:ln>
+          </p:spPr>
+          <p:style>
+            <a:lnRef idx="2">
+              <a:schemeClr val="accent1"/>
+            </a:lnRef>
+            <a:fillRef idx="0">
+              <a:schemeClr val="accent1"/>
+            </a:fillRef>
+            <a:effectRef idx="1">
+              <a:schemeClr val="accent1"/>
+            </a:effectRef>
+            <a:fontRef idx="minor">
+              <a:schemeClr val="tx1"/>
+            </a:fontRef>
+          </p:style>
+        </p:cxnSp>
+        <p:grpSp>
+          <p:nvGrpSpPr>
+            <p:cNvPr id="57" name="Grouper 56"/>
+            <p:cNvGrpSpPr/>
+            <p:nvPr/>
+          </p:nvGrpSpPr>
+          <p:grpSpPr>
+            <a:xfrm rot="5400000">
+              <a:off x="3948029" y="793731"/>
+              <a:ext cx="344647" cy="159647"/>
+              <a:chOff x="1946331" y="2152640"/>
+              <a:chExt cx="694268" cy="321598"/>
+            </a:xfrm>
+          </p:grpSpPr>
           <p:sp>
             <p:nvSpPr>
-              <p:cNvPr id="91" name="Rectangle à coins arrondis 90"/>
+              <p:cNvPr id="58" name="Rectangle à coins arrondis 57"/>
               <p:cNvSpPr/>
               <p:nvPr/>
             </p:nvSpPr>
             <p:spPr>
-              <a:xfrm rot="5400000">
-                <a:off x="4523460" y="1366382"/>
-                <a:ext cx="1489949" cy="159647"/>
+              <a:xfrm>
+                <a:off x="1946331" y="2152640"/>
+                <a:ext cx="694268" cy="321598"/>
               </a:xfrm>
               <a:prstGeom prst="roundRect">
                 <a:avLst>
@@ -10625,14 +12229,14 @@
           </p:sp>
           <p:sp>
             <p:nvSpPr>
-              <p:cNvPr id="92" name="Triangle isocèle 91"/>
+              <p:cNvPr id="59" name="Triangle isocèle 58"/>
               <p:cNvSpPr/>
               <p:nvPr/>
             </p:nvSpPr>
             <p:spPr>
-              <a:xfrm rot="5400000">
-                <a:off x="5217777" y="831777"/>
-                <a:ext cx="107996" cy="93099"/>
+              <a:xfrm>
+                <a:off x="2184690" y="2212937"/>
+                <a:ext cx="217550" cy="187542"/>
               </a:xfrm>
               <a:prstGeom prst="triangle">
                 <a:avLst/>
@@ -10671,23 +12275,539 @@
               </a:p>
             </p:txBody>
           </p:sp>
+        </p:grpSp>
+        <p:cxnSp>
+          <p:nvCxnSpPr>
+            <p:cNvPr id="60" name="Connecteur droit 22"/>
+            <p:cNvCxnSpPr>
+              <a:stCxn id="58" idx="2"/>
+              <a:endCxn id="46" idx="0"/>
+            </p:cNvCxnSpPr>
+            <p:nvPr/>
+          </p:nvCxnSpPr>
+          <p:spPr>
+            <a:xfrm flipH="1">
+              <a:off x="3767266" y="873554"/>
+              <a:ext cx="273263" cy="0"/>
+            </a:xfrm>
+            <a:prstGeom prst="straightConnector1">
+              <a:avLst/>
+            </a:prstGeom>
+            <a:ln w="12700" cmpd="sng">
+              <a:solidFill>
+                <a:schemeClr val="tx1"/>
+              </a:solidFill>
+              <a:prstDash val="sysDash"/>
+            </a:ln>
+          </p:spPr>
+          <p:style>
+            <a:lnRef idx="2">
+              <a:schemeClr val="accent1"/>
+            </a:lnRef>
+            <a:fillRef idx="0">
+              <a:schemeClr val="accent1"/>
+            </a:fillRef>
+            <a:effectRef idx="1">
+              <a:schemeClr val="accent1"/>
+            </a:effectRef>
+            <a:fontRef idx="minor">
+              <a:schemeClr val="tx1"/>
+            </a:fontRef>
+          </p:style>
+        </p:cxnSp>
+        <p:sp>
+          <p:nvSpPr>
+            <p:cNvPr id="64" name="Rectangle à coins arrondis 63"/>
+            <p:cNvSpPr/>
+            <p:nvPr/>
+          </p:nvSpPr>
+          <p:spPr>
+            <a:xfrm rot="5400000">
+              <a:off x="3846678" y="1977948"/>
+              <a:ext cx="539007" cy="159647"/>
+            </a:xfrm>
+            <a:prstGeom prst="roundRect">
+              <a:avLst>
+                <a:gd name="adj" fmla="val 50000"/>
+              </a:avLst>
+            </a:prstGeom>
+            <a:solidFill>
+              <a:schemeClr val="bg1"/>
+            </a:solidFill>
+            <a:ln w="12700" cmpd="sng">
+              <a:solidFill>
+                <a:schemeClr val="tx1"/>
+              </a:solidFill>
+            </a:ln>
+          </p:spPr>
+          <p:style>
+            <a:lnRef idx="2">
+              <a:schemeClr val="accent1">
+                <a:shade val="50000"/>
+              </a:schemeClr>
+            </a:lnRef>
+            <a:fillRef idx="1">
+              <a:schemeClr val="accent1"/>
+            </a:fillRef>
+            <a:effectRef idx="0">
+              <a:schemeClr val="accent1"/>
+            </a:effectRef>
+            <a:fontRef idx="minor">
+              <a:schemeClr val="lt1"/>
+            </a:fontRef>
+          </p:style>
+          <p:txBody>
+            <a:bodyPr rtlCol="0" anchor="ctr"/>
+            <a:lstStyle/>
+            <a:p>
+              <a:pPr algn="ctr"/>
+              <a:endParaRPr lang="en-US" sz="800"/>
+            </a:p>
+          </p:txBody>
+        </p:sp>
+        <p:sp>
+          <p:nvSpPr>
+            <p:cNvPr id="65" name="Triangle isocèle 64"/>
+            <p:cNvSpPr/>
+            <p:nvPr/>
+          </p:nvSpPr>
+          <p:spPr>
+            <a:xfrm rot="5400000">
+              <a:off x="4065526" y="1878735"/>
+              <a:ext cx="107996" cy="93099"/>
+            </a:xfrm>
+            <a:prstGeom prst="triangle">
+              <a:avLst/>
+            </a:prstGeom>
+            <a:solidFill>
+              <a:schemeClr val="bg1"/>
+            </a:solidFill>
+            <a:ln w="12700" cmpd="sng">
+              <a:solidFill>
+                <a:schemeClr val="tx1"/>
+              </a:solidFill>
+            </a:ln>
+          </p:spPr>
+          <p:style>
+            <a:lnRef idx="2">
+              <a:schemeClr val="accent2">
+                <a:shade val="50000"/>
+              </a:schemeClr>
+            </a:lnRef>
+            <a:fillRef idx="1">
+              <a:schemeClr val="accent2"/>
+            </a:fillRef>
+            <a:effectRef idx="0">
+              <a:schemeClr val="accent2"/>
+            </a:effectRef>
+            <a:fontRef idx="minor">
+              <a:schemeClr val="lt1"/>
+            </a:fontRef>
+          </p:style>
+          <p:txBody>
+            <a:bodyPr rtlCol="0" anchor="ctr"/>
+            <a:lstStyle/>
+            <a:p>
+              <a:pPr algn="ctr"/>
+              <a:endParaRPr lang="en-US" sz="800"/>
+            </a:p>
+          </p:txBody>
+        </p:sp>
+        <p:sp>
+          <p:nvSpPr>
+            <p:cNvPr id="66" name="Triangle isocèle 65"/>
+            <p:cNvSpPr/>
+            <p:nvPr/>
+          </p:nvSpPr>
+          <p:spPr>
+            <a:xfrm rot="16200000">
+              <a:off x="4065526" y="2009642"/>
+              <a:ext cx="107996" cy="93099"/>
+            </a:xfrm>
+            <a:prstGeom prst="triangle">
+              <a:avLst/>
+            </a:prstGeom>
+            <a:solidFill>
+              <a:schemeClr val="bg1"/>
+            </a:solidFill>
+            <a:ln w="12700" cmpd="sng">
+              <a:solidFill>
+                <a:schemeClr val="tx1"/>
+              </a:solidFill>
+            </a:ln>
+          </p:spPr>
+          <p:style>
+            <a:lnRef idx="2">
+              <a:schemeClr val="accent2">
+                <a:shade val="50000"/>
+              </a:schemeClr>
+            </a:lnRef>
+            <a:fillRef idx="1">
+              <a:schemeClr val="accent2"/>
+            </a:fillRef>
+            <a:effectRef idx="0">
+              <a:schemeClr val="accent2"/>
+            </a:effectRef>
+            <a:fontRef idx="minor">
+              <a:schemeClr val="lt1"/>
+            </a:fontRef>
+          </p:style>
+          <p:txBody>
+            <a:bodyPr rtlCol="0" anchor="ctr"/>
+            <a:lstStyle/>
+            <a:p>
+              <a:pPr algn="ctr"/>
+              <a:endParaRPr lang="en-US" sz="800"/>
+            </a:p>
+          </p:txBody>
+        </p:sp>
+        <p:cxnSp>
+          <p:nvCxnSpPr>
+            <p:cNvPr id="76" name="Connecteur droit 22"/>
+            <p:cNvCxnSpPr>
+              <a:stCxn id="66" idx="0"/>
+              <a:endCxn id="72" idx="3"/>
+            </p:cNvCxnSpPr>
+            <p:nvPr/>
+          </p:nvCxnSpPr>
+          <p:spPr>
+            <a:xfrm flipH="1">
+              <a:off x="3737334" y="2056191"/>
+              <a:ext cx="335641" cy="1279"/>
+            </a:xfrm>
+            <a:prstGeom prst="straightConnector1">
+              <a:avLst/>
+            </a:prstGeom>
+            <a:ln w="12700" cmpd="sng">
+              <a:solidFill>
+                <a:schemeClr val="tx1"/>
+              </a:solidFill>
+              <a:prstDash val="solid"/>
+            </a:ln>
+          </p:spPr>
+          <p:style>
+            <a:lnRef idx="2">
+              <a:schemeClr val="accent1"/>
+            </a:lnRef>
+            <a:fillRef idx="0">
+              <a:schemeClr val="accent1"/>
+            </a:fillRef>
+            <a:effectRef idx="1">
+              <a:schemeClr val="accent1"/>
+            </a:effectRef>
+            <a:fontRef idx="minor">
+              <a:schemeClr val="tx1"/>
+            </a:fontRef>
+          </p:style>
+        </p:cxnSp>
+        <p:cxnSp>
+          <p:nvCxnSpPr>
+            <p:cNvPr id="67" name="Connecteur droit 22"/>
+            <p:cNvCxnSpPr>
+              <a:stCxn id="65" idx="3"/>
+              <a:endCxn id="71" idx="0"/>
+            </p:cNvCxnSpPr>
+            <p:nvPr/>
+          </p:nvCxnSpPr>
+          <p:spPr>
+            <a:xfrm flipH="1">
+              <a:off x="3737334" y="1925285"/>
+              <a:ext cx="335641" cy="1279"/>
+            </a:xfrm>
+            <a:prstGeom prst="straightConnector1">
+              <a:avLst/>
+            </a:prstGeom>
+            <a:ln w="12700" cmpd="sng">
+              <a:solidFill>
+                <a:schemeClr val="tx1"/>
+              </a:solidFill>
+              <a:prstDash val="solid"/>
+            </a:ln>
+          </p:spPr>
+          <p:style>
+            <a:lnRef idx="2">
+              <a:schemeClr val="accent1"/>
+            </a:lnRef>
+            <a:fillRef idx="0">
+              <a:schemeClr val="accent1"/>
+            </a:fillRef>
+            <a:effectRef idx="1">
+              <a:schemeClr val="accent1"/>
+            </a:effectRef>
+            <a:fontRef idx="minor">
+              <a:schemeClr val="tx1"/>
+            </a:fontRef>
+          </p:style>
+        </p:cxnSp>
+        <p:cxnSp>
+          <p:nvCxnSpPr>
+            <p:cNvPr id="79" name="Connecteur droit 22"/>
+            <p:cNvCxnSpPr>
+              <a:stCxn id="4" idx="0"/>
+              <a:endCxn id="71" idx="3"/>
+            </p:cNvCxnSpPr>
+            <p:nvPr/>
+          </p:nvCxnSpPr>
+          <p:spPr>
+            <a:xfrm flipV="1">
+              <a:off x="3428835" y="1926565"/>
+              <a:ext cx="215392" cy="95951"/>
+            </a:xfrm>
+            <a:prstGeom prst="curvedConnector3">
+              <a:avLst>
+                <a:gd name="adj1" fmla="val 50000"/>
+              </a:avLst>
+            </a:prstGeom>
+            <a:ln w="12700" cmpd="sng">
+              <a:solidFill>
+                <a:schemeClr val="tx1"/>
+              </a:solidFill>
+              <a:prstDash val="sysDash"/>
+            </a:ln>
+          </p:spPr>
+          <p:style>
+            <a:lnRef idx="2">
+              <a:schemeClr val="accent1"/>
+            </a:lnRef>
+            <a:fillRef idx="0">
+              <a:schemeClr val="accent1"/>
+            </a:fillRef>
+            <a:effectRef idx="1">
+              <a:schemeClr val="accent1"/>
+            </a:effectRef>
+            <a:fontRef idx="minor">
+              <a:schemeClr val="tx1"/>
+            </a:fontRef>
+          </p:style>
+        </p:cxnSp>
+        <p:sp>
+          <p:nvSpPr>
+            <p:cNvPr id="91" name="Rectangle à coins arrondis 90"/>
+            <p:cNvSpPr/>
+            <p:nvPr/>
+          </p:nvSpPr>
+          <p:spPr>
+            <a:xfrm rot="5400000">
+              <a:off x="4455412" y="1434429"/>
+              <a:ext cx="1626044" cy="159647"/>
+            </a:xfrm>
+            <a:prstGeom prst="roundRect">
+              <a:avLst>
+                <a:gd name="adj" fmla="val 50000"/>
+              </a:avLst>
+            </a:prstGeom>
+            <a:solidFill>
+              <a:schemeClr val="bg1"/>
+            </a:solidFill>
+            <a:ln w="12700" cmpd="sng">
+              <a:solidFill>
+                <a:schemeClr val="tx1"/>
+              </a:solidFill>
+            </a:ln>
+          </p:spPr>
+          <p:style>
+            <a:lnRef idx="2">
+              <a:schemeClr val="accent1">
+                <a:shade val="50000"/>
+              </a:schemeClr>
+            </a:lnRef>
+            <a:fillRef idx="1">
+              <a:schemeClr val="accent1"/>
+            </a:fillRef>
+            <a:effectRef idx="0">
+              <a:schemeClr val="accent1"/>
+            </a:effectRef>
+            <a:fontRef idx="minor">
+              <a:schemeClr val="lt1"/>
+            </a:fontRef>
+          </p:style>
+          <p:txBody>
+            <a:bodyPr rtlCol="0" anchor="ctr"/>
+            <a:lstStyle/>
+            <a:p>
+              <a:pPr algn="ctr"/>
+              <a:endParaRPr lang="en-US" sz="800"/>
+            </a:p>
+          </p:txBody>
+        </p:sp>
+        <p:sp>
+          <p:nvSpPr>
+            <p:cNvPr id="92" name="Triangle isocèle 91"/>
+            <p:cNvSpPr/>
+            <p:nvPr/>
+          </p:nvSpPr>
+          <p:spPr>
+            <a:xfrm rot="5400000">
+              <a:off x="5217777" y="831777"/>
+              <a:ext cx="107996" cy="93099"/>
+            </a:xfrm>
+            <a:prstGeom prst="triangle">
+              <a:avLst/>
+            </a:prstGeom>
+            <a:solidFill>
+              <a:schemeClr val="bg1"/>
+            </a:solidFill>
+            <a:ln w="12700" cmpd="sng">
+              <a:solidFill>
+                <a:schemeClr val="tx1"/>
+              </a:solidFill>
+            </a:ln>
+          </p:spPr>
+          <p:style>
+            <a:lnRef idx="2">
+              <a:schemeClr val="accent2">
+                <a:shade val="50000"/>
+              </a:schemeClr>
+            </a:lnRef>
+            <a:fillRef idx="1">
+              <a:schemeClr val="accent2"/>
+            </a:fillRef>
+            <a:effectRef idx="0">
+              <a:schemeClr val="accent2"/>
+            </a:effectRef>
+            <a:fontRef idx="minor">
+              <a:schemeClr val="lt1"/>
+            </a:fontRef>
+          </p:style>
+          <p:txBody>
+            <a:bodyPr rtlCol="0" anchor="ctr"/>
+            <a:lstStyle/>
+            <a:p>
+              <a:pPr algn="ctr"/>
+              <a:endParaRPr lang="en-US" sz="800"/>
+            </a:p>
+          </p:txBody>
+        </p:sp>
+        <p:sp>
+          <p:nvSpPr>
+            <p:cNvPr id="93" name="Triangle isocèle 92"/>
+            <p:cNvSpPr/>
+            <p:nvPr/>
+          </p:nvSpPr>
+          <p:spPr>
+            <a:xfrm rot="5400000" flipH="1">
+              <a:off x="5217777" y="1878735"/>
+              <a:ext cx="107996" cy="93099"/>
+            </a:xfrm>
+            <a:prstGeom prst="triangle">
+              <a:avLst/>
+            </a:prstGeom>
+            <a:solidFill>
+              <a:schemeClr val="bg1"/>
+            </a:solidFill>
+            <a:ln w="12700" cmpd="sng">
+              <a:solidFill>
+                <a:schemeClr val="tx1"/>
+              </a:solidFill>
+            </a:ln>
+          </p:spPr>
+          <p:style>
+            <a:lnRef idx="2">
+              <a:schemeClr val="accent2">
+                <a:shade val="50000"/>
+              </a:schemeClr>
+            </a:lnRef>
+            <a:fillRef idx="1">
+              <a:schemeClr val="accent2"/>
+            </a:fillRef>
+            <a:effectRef idx="0">
+              <a:schemeClr val="accent2"/>
+            </a:effectRef>
+            <a:fontRef idx="minor">
+              <a:schemeClr val="lt1"/>
+            </a:fontRef>
+          </p:style>
+          <p:txBody>
+            <a:bodyPr rtlCol="0" anchor="ctr"/>
+            <a:lstStyle/>
+            <a:p>
+              <a:pPr algn="ctr"/>
+              <a:endParaRPr lang="en-US" sz="800"/>
+            </a:p>
+          </p:txBody>
+        </p:sp>
+        <p:sp>
+          <p:nvSpPr>
+            <p:cNvPr id="94" name="Triangle isocèle 93"/>
+            <p:cNvSpPr/>
+            <p:nvPr/>
+          </p:nvSpPr>
+          <p:spPr>
+            <a:xfrm rot="16200000" flipH="1">
+              <a:off x="5217777" y="2000280"/>
+              <a:ext cx="107996" cy="93099"/>
+            </a:xfrm>
+            <a:prstGeom prst="triangle">
+              <a:avLst/>
+            </a:prstGeom>
+            <a:solidFill>
+              <a:schemeClr val="bg1"/>
+            </a:solidFill>
+            <a:ln w="12700" cmpd="sng">
+              <a:solidFill>
+                <a:schemeClr val="tx1"/>
+              </a:solidFill>
+            </a:ln>
+          </p:spPr>
+          <p:style>
+            <a:lnRef idx="2">
+              <a:schemeClr val="accent2">
+                <a:shade val="50000"/>
+              </a:schemeClr>
+            </a:lnRef>
+            <a:fillRef idx="1">
+              <a:schemeClr val="accent2"/>
+            </a:fillRef>
+            <a:effectRef idx="0">
+              <a:schemeClr val="accent2"/>
+            </a:effectRef>
+            <a:fontRef idx="minor">
+              <a:schemeClr val="lt1"/>
+            </a:fontRef>
+          </p:style>
+          <p:txBody>
+            <a:bodyPr rtlCol="0" anchor="ctr"/>
+            <a:lstStyle/>
+            <a:p>
+              <a:pPr algn="ctr"/>
+              <a:endParaRPr lang="en-US" sz="800"/>
+            </a:p>
+          </p:txBody>
+        </p:sp>
+        <p:grpSp>
+          <p:nvGrpSpPr>
+            <p:cNvPr id="127" name="Grouper 126"/>
+            <p:cNvGrpSpPr/>
+            <p:nvPr/>
+          </p:nvGrpSpPr>
+          <p:grpSpPr>
+            <a:xfrm>
+              <a:off x="5589429" y="1021877"/>
+              <a:ext cx="1155097" cy="1251722"/>
+              <a:chOff x="1244601" y="3816148"/>
+              <a:chExt cx="907626" cy="525006"/>
+            </a:xfrm>
+            <a:solidFill>
+              <a:srgbClr val="FFFFFF"/>
+            </a:solidFill>
+          </p:grpSpPr>
           <p:sp>
             <p:nvSpPr>
-              <p:cNvPr id="93" name="Triangle isocèle 92"/>
+              <p:cNvPr id="128" name="Rectangle à coins arrondis 127"/>
               <p:cNvSpPr/>
               <p:nvPr/>
             </p:nvSpPr>
             <p:spPr>
-              <a:xfrm rot="5400000" flipH="1">
-                <a:off x="5217777" y="1878735"/>
-                <a:ext cx="107996" cy="93099"/>
+              <a:xfrm>
+                <a:off x="1356361" y="3816148"/>
+                <a:ext cx="795866" cy="392300"/>
               </a:xfrm>
-              <a:prstGeom prst="triangle">
-                <a:avLst/>
+              <a:prstGeom prst="roundRect">
+                <a:avLst>
+                  <a:gd name="adj" fmla="val 0"/>
+                </a:avLst>
               </a:prstGeom>
-              <a:solidFill>
-                <a:schemeClr val="bg1"/>
-              </a:solidFill>
+              <a:grpFill/>
               <a:ln w="12700" cmpd="sng">
                 <a:solidFill>
                   <a:schemeClr val="tx1"/>
@@ -10696,15 +12816,15 @@
             </p:spPr>
             <p:style>
               <a:lnRef idx="2">
-                <a:schemeClr val="accent2">
+                <a:schemeClr val="accent1">
                   <a:shade val="50000"/>
                 </a:schemeClr>
               </a:lnRef>
               <a:fillRef idx="1">
-                <a:schemeClr val="accent2"/>
+                <a:schemeClr val="accent1"/>
               </a:fillRef>
               <a:effectRef idx="0">
-                <a:schemeClr val="accent2"/>
+                <a:schemeClr val="accent1"/>
               </a:effectRef>
               <a:fontRef idx="minor">
                 <a:schemeClr val="lt1"/>
@@ -10721,21 +12841,21 @@
           </p:sp>
           <p:sp>
             <p:nvSpPr>
-              <p:cNvPr id="94" name="Triangle isocèle 93"/>
+              <p:cNvPr id="129" name="Rectangle à coins arrondis 128"/>
               <p:cNvSpPr/>
               <p:nvPr/>
             </p:nvSpPr>
             <p:spPr>
-              <a:xfrm rot="16200000" flipH="1">
-                <a:off x="5217777" y="2000280"/>
-                <a:ext cx="107996" cy="93099"/>
+              <a:xfrm>
+                <a:off x="1300481" y="3882501"/>
+                <a:ext cx="795866" cy="392300"/>
               </a:xfrm>
-              <a:prstGeom prst="triangle">
-                <a:avLst/>
+              <a:prstGeom prst="roundRect">
+                <a:avLst>
+                  <a:gd name="adj" fmla="val 0"/>
+                </a:avLst>
               </a:prstGeom>
-              <a:solidFill>
-                <a:schemeClr val="bg1"/>
-              </a:solidFill>
+              <a:grpFill/>
               <a:ln w="12700" cmpd="sng">
                 <a:solidFill>
                   <a:schemeClr val="tx1"/>
@@ -10744,15 +12864,15 @@
             </p:spPr>
             <p:style>
               <a:lnRef idx="2">
-                <a:schemeClr val="accent2">
+                <a:schemeClr val="accent1">
                   <a:shade val="50000"/>
                 </a:schemeClr>
               </a:lnRef>
               <a:fillRef idx="1">
-                <a:schemeClr val="accent2"/>
+                <a:schemeClr val="accent1"/>
               </a:fillRef>
               <a:effectRef idx="0">
-                <a:schemeClr val="accent2"/>
+                <a:schemeClr val="accent1"/>
               </a:effectRef>
               <a:fontRef idx="minor">
                 <a:schemeClr val="lt1"/>
@@ -10767,467 +12887,218 @@
               </a:p>
             </p:txBody>
           </p:sp>
-          <p:grpSp>
-            <p:nvGrpSpPr>
-              <p:cNvPr id="127" name="Grouper 126"/>
-              <p:cNvGrpSpPr/>
+          <p:sp>
+            <p:nvSpPr>
+              <p:cNvPr id="130" name="Rectangle à coins arrondis 129"/>
+              <p:cNvSpPr/>
               <p:nvPr/>
-            </p:nvGrpSpPr>
-            <p:grpSpPr>
+            </p:nvSpPr>
+            <p:spPr>
               <a:xfrm>
-                <a:off x="5589429" y="1021877"/>
-                <a:ext cx="1155097" cy="1251722"/>
-                <a:chOff x="1244601" y="3816148"/>
-                <a:chExt cx="907626" cy="525006"/>
+                <a:off x="1244601" y="3948854"/>
+                <a:ext cx="795866" cy="392300"/>
               </a:xfrm>
-              <a:solidFill>
-                <a:srgbClr val="FFFFFF"/>
-              </a:solidFill>
-            </p:grpSpPr>
-            <p:sp>
-              <p:nvSpPr>
-                <p:cNvPr id="128" name="Rectangle à coins arrondis 127"/>
-                <p:cNvSpPr/>
-                <p:nvPr/>
-              </p:nvSpPr>
-              <p:spPr>
-                <a:xfrm>
-                  <a:off x="1356361" y="3816148"/>
-                  <a:ext cx="795866" cy="392300"/>
-                </a:xfrm>
-                <a:prstGeom prst="roundRect">
-                  <a:avLst>
-                    <a:gd name="adj" fmla="val 0"/>
-                  </a:avLst>
-                </a:prstGeom>
-                <a:grpFill/>
-                <a:ln w="12700" cmpd="sng">
-                  <a:solidFill>
-                    <a:schemeClr val="tx1"/>
-                  </a:solidFill>
-                </a:ln>
-              </p:spPr>
-              <p:style>
-                <a:lnRef idx="2">
-                  <a:schemeClr val="accent1">
-                    <a:shade val="50000"/>
-                  </a:schemeClr>
-                </a:lnRef>
-                <a:fillRef idx="1">
-                  <a:schemeClr val="accent1"/>
-                </a:fillRef>
-                <a:effectRef idx="0">
-                  <a:schemeClr val="accent1"/>
-                </a:effectRef>
-                <a:fontRef idx="minor">
-                  <a:schemeClr val="lt1"/>
-                </a:fontRef>
-              </p:style>
-              <p:txBody>
-                <a:bodyPr rtlCol="0" anchor="ctr"/>
-                <a:lstStyle/>
-                <a:p>
-                  <a:pPr algn="ctr"/>
-                  <a:endParaRPr lang="en-US" sz="800"/>
-                </a:p>
-              </p:txBody>
-            </p:sp>
-            <p:sp>
-              <p:nvSpPr>
-                <p:cNvPr id="129" name="Rectangle à coins arrondis 128"/>
-                <p:cNvSpPr/>
-                <p:nvPr/>
-              </p:nvSpPr>
-              <p:spPr>
-                <a:xfrm>
-                  <a:off x="1300481" y="3882501"/>
-                  <a:ext cx="795866" cy="392300"/>
-                </a:xfrm>
-                <a:prstGeom prst="roundRect">
-                  <a:avLst>
-                    <a:gd name="adj" fmla="val 0"/>
-                  </a:avLst>
-                </a:prstGeom>
-                <a:grpFill/>
-                <a:ln w="12700" cmpd="sng">
-                  <a:solidFill>
-                    <a:schemeClr val="tx1"/>
-                  </a:solidFill>
-                </a:ln>
-              </p:spPr>
-              <p:style>
-                <a:lnRef idx="2">
-                  <a:schemeClr val="accent1">
-                    <a:shade val="50000"/>
-                  </a:schemeClr>
-                </a:lnRef>
-                <a:fillRef idx="1">
-                  <a:schemeClr val="accent1"/>
-                </a:fillRef>
-                <a:effectRef idx="0">
-                  <a:schemeClr val="accent1"/>
-                </a:effectRef>
-                <a:fontRef idx="minor">
-                  <a:schemeClr val="lt1"/>
-                </a:fontRef>
-              </p:style>
-              <p:txBody>
-                <a:bodyPr rtlCol="0" anchor="ctr"/>
-                <a:lstStyle/>
-                <a:p>
-                  <a:pPr algn="ctr"/>
-                  <a:endParaRPr lang="en-US" sz="800"/>
-                </a:p>
-              </p:txBody>
-            </p:sp>
-            <p:sp>
-              <p:nvSpPr>
-                <p:cNvPr id="130" name="Rectangle à coins arrondis 129"/>
-                <p:cNvSpPr/>
-                <p:nvPr/>
-              </p:nvSpPr>
-              <p:spPr>
-                <a:xfrm>
-                  <a:off x="1244601" y="3948854"/>
-                  <a:ext cx="795866" cy="392300"/>
-                </a:xfrm>
-                <a:prstGeom prst="roundRect">
-                  <a:avLst>
-                    <a:gd name="adj" fmla="val 0"/>
-                  </a:avLst>
-                </a:prstGeom>
-                <a:grpFill/>
-                <a:ln w="12700" cmpd="sng">
-                  <a:solidFill>
-                    <a:schemeClr val="tx1"/>
-                  </a:solidFill>
-                </a:ln>
-              </p:spPr>
-              <p:style>
-                <a:lnRef idx="2">
-                  <a:schemeClr val="accent1">
-                    <a:shade val="50000"/>
-                  </a:schemeClr>
-                </a:lnRef>
-                <a:fillRef idx="1">
-                  <a:schemeClr val="accent1"/>
-                </a:fillRef>
-                <a:effectRef idx="0">
-                  <a:schemeClr val="accent1"/>
-                </a:effectRef>
-                <a:fontRef idx="minor">
-                  <a:schemeClr val="lt1"/>
-                </a:fontRef>
-              </p:style>
-              <p:txBody>
-                <a:bodyPr rtlCol="0" anchor="t"/>
-                <a:lstStyle/>
-                <a:p>
-                  <a:pPr algn="ctr"/>
-                  <a:r>
-                    <a:rPr lang="en-US" sz="800" dirty="0" smtClean="0">
-                      <a:solidFill>
-                        <a:srgbClr val="000000"/>
-                      </a:solidFill>
-                      <a:latin typeface="Helvetica Neue"/>
-                      <a:cs typeface="Helvetica Neue"/>
-                    </a:rPr>
-                    <a:t>Company</a:t>
-                  </a:r>
-                  <a:endParaRPr lang="en-US" sz="800" dirty="0">
+              <a:prstGeom prst="roundRect">
+                <a:avLst>
+                  <a:gd name="adj" fmla="val 0"/>
+                </a:avLst>
+              </a:prstGeom>
+              <a:grpFill/>
+              <a:ln w="12700" cmpd="sng">
+                <a:solidFill>
+                  <a:schemeClr val="tx1"/>
+                </a:solidFill>
+              </a:ln>
+            </p:spPr>
+            <p:style>
+              <a:lnRef idx="2">
+                <a:schemeClr val="accent1">
+                  <a:shade val="50000"/>
+                </a:schemeClr>
+              </a:lnRef>
+              <a:fillRef idx="1">
+                <a:schemeClr val="accent1"/>
+              </a:fillRef>
+              <a:effectRef idx="0">
+                <a:schemeClr val="accent1"/>
+              </a:effectRef>
+              <a:fontRef idx="minor">
+                <a:schemeClr val="lt1"/>
+              </a:fontRef>
+            </p:style>
+            <p:txBody>
+              <a:bodyPr rtlCol="0" anchor="t"/>
+              <a:lstStyle/>
+              <a:p>
+                <a:pPr algn="ctr"/>
+                <a:r>
+                  <a:rPr lang="en-US" sz="800" dirty="0" smtClean="0">
                     <a:solidFill>
                       <a:srgbClr val="000000"/>
                     </a:solidFill>
                     <a:latin typeface="Helvetica Neue"/>
                     <a:cs typeface="Helvetica Neue"/>
-                  </a:endParaRPr>
-                </a:p>
-              </p:txBody>
-            </p:sp>
-          </p:grpSp>
-          <p:cxnSp>
-            <p:nvCxnSpPr>
-              <p:cNvPr id="106" name="Connecteur droit 22"/>
-              <p:cNvCxnSpPr>
-                <a:stCxn id="58" idx="0"/>
-                <a:endCxn id="92" idx="3"/>
-              </p:cNvCxnSpPr>
-              <p:nvPr/>
-            </p:nvCxnSpPr>
-            <p:spPr>
-              <a:xfrm>
-                <a:off x="4200177" y="873555"/>
-                <a:ext cx="1025050" cy="4771"/>
-              </a:xfrm>
-              <a:prstGeom prst="straightConnector1">
-                <a:avLst/>
-              </a:prstGeom>
-              <a:ln w="28575" cmpd="sng">
-                <a:solidFill>
-                  <a:schemeClr val="accent3"/>
-                </a:solidFill>
-                <a:prstDash val="solid"/>
-              </a:ln>
-            </p:spPr>
-            <p:style>
-              <a:lnRef idx="2">
-                <a:schemeClr val="accent1"/>
-              </a:lnRef>
-              <a:fillRef idx="0">
-                <a:schemeClr val="accent1"/>
-              </a:fillRef>
-              <a:effectRef idx="1">
-                <a:schemeClr val="accent1"/>
-              </a:effectRef>
-              <a:fontRef idx="minor">
-                <a:schemeClr val="tx1"/>
-              </a:fontRef>
-            </p:style>
-          </p:cxnSp>
-          <p:cxnSp>
-            <p:nvCxnSpPr>
-              <p:cNvPr id="112" name="Connecteur droit 22"/>
-              <p:cNvCxnSpPr>
-                <a:stCxn id="66" idx="3"/>
-                <a:endCxn id="94" idx="0"/>
-              </p:cNvCxnSpPr>
-              <p:nvPr/>
-            </p:nvCxnSpPr>
-            <p:spPr>
-              <a:xfrm flipV="1">
-                <a:off x="4166074" y="2046830"/>
-                <a:ext cx="1059153" cy="9361"/>
-              </a:xfrm>
-              <a:prstGeom prst="straightConnector1">
-                <a:avLst/>
-              </a:prstGeom>
-              <a:ln w="28575" cmpd="sng">
-                <a:solidFill>
-                  <a:schemeClr val="accent3"/>
-                </a:solidFill>
-                <a:prstDash val="solid"/>
-              </a:ln>
-            </p:spPr>
-            <p:style>
-              <a:lnRef idx="2">
-                <a:schemeClr val="accent1"/>
-              </a:lnRef>
-              <a:fillRef idx="0">
-                <a:schemeClr val="accent1"/>
-              </a:fillRef>
-              <a:effectRef idx="1">
-                <a:schemeClr val="accent1"/>
-              </a:effectRef>
-              <a:fontRef idx="minor">
-                <a:schemeClr val="tx1"/>
-              </a:fontRef>
-            </p:style>
-          </p:cxnSp>
-          <p:cxnSp>
-            <p:nvCxnSpPr>
-              <p:cNvPr id="118" name="Connecteur droit 22"/>
-              <p:cNvCxnSpPr>
-                <a:stCxn id="65" idx="0"/>
-                <a:endCxn id="93" idx="3"/>
-              </p:cNvCxnSpPr>
-              <p:nvPr/>
-            </p:nvCxnSpPr>
-            <p:spPr>
-              <a:xfrm>
-                <a:off x="4166074" y="1925285"/>
-                <a:ext cx="1059153" cy="0"/>
-              </a:xfrm>
-              <a:prstGeom prst="straightConnector1">
-                <a:avLst/>
-              </a:prstGeom>
-              <a:ln w="28575" cmpd="sng">
-                <a:solidFill>
-                  <a:schemeClr val="accent3"/>
-                </a:solidFill>
-                <a:prstDash val="solid"/>
-              </a:ln>
-            </p:spPr>
-            <p:style>
-              <a:lnRef idx="2">
-                <a:schemeClr val="accent1"/>
-              </a:lnRef>
-              <a:fillRef idx="0">
-                <a:schemeClr val="accent1"/>
-              </a:fillRef>
-              <a:effectRef idx="1">
-                <a:schemeClr val="accent1"/>
-              </a:effectRef>
-              <a:fontRef idx="minor">
-                <a:schemeClr val="tx1"/>
-              </a:fontRef>
-            </p:style>
-          </p:cxnSp>
-          <p:grpSp>
-            <p:nvGrpSpPr>
-              <p:cNvPr id="87" name="Grouper 86"/>
-              <p:cNvGrpSpPr/>
-              <p:nvPr/>
-            </p:nvGrpSpPr>
-            <p:grpSpPr>
-              <a:xfrm>
-                <a:off x="6005668" y="1571125"/>
-                <a:ext cx="143516" cy="143516"/>
-                <a:chOff x="3927155" y="3532577"/>
-                <a:chExt cx="289101" cy="289101"/>
-              </a:xfrm>
-            </p:grpSpPr>
-            <p:sp>
-              <p:nvSpPr>
-                <p:cNvPr id="88" name="Ellipse 87"/>
-                <p:cNvSpPr/>
-                <p:nvPr/>
-              </p:nvSpPr>
-              <p:spPr>
-                <a:xfrm>
-                  <a:off x="3927155" y="3532577"/>
-                  <a:ext cx="289101" cy="289101"/>
-                </a:xfrm>
-                <a:prstGeom prst="ellipse">
-                  <a:avLst/>
-                </a:prstGeom>
-                <a:solidFill>
-                  <a:schemeClr val="accent5"/>
-                </a:solidFill>
-                <a:ln w="12700" cmpd="sng">
+                  </a:rPr>
+                  <a:t>Company</a:t>
+                </a:r>
+                <a:endParaRPr lang="en-US" sz="800" dirty="0">
                   <a:solidFill>
                     <a:srgbClr val="000000"/>
                   </a:solidFill>
-                </a:ln>
-              </p:spPr>
-              <p:style>
-                <a:lnRef idx="2">
-                  <a:schemeClr val="accent1">
-                    <a:shade val="50000"/>
-                  </a:schemeClr>
-                </a:lnRef>
-                <a:fillRef idx="1">
-                  <a:schemeClr val="accent1"/>
-                </a:fillRef>
-                <a:effectRef idx="0">
-                  <a:schemeClr val="accent1"/>
-                </a:effectRef>
-                <a:fontRef idx="minor">
-                  <a:schemeClr val="lt1"/>
-                </a:fontRef>
-              </p:style>
-              <p:txBody>
-                <a:bodyPr rtlCol="0" anchor="ctr"/>
-                <a:lstStyle/>
-                <a:p>
-                  <a:pPr algn="ctr"/>
-                  <a:endParaRPr lang="en-US" sz="800"/>
-                </a:p>
-              </p:txBody>
-            </p:sp>
-            <p:sp>
-              <p:nvSpPr>
-                <p:cNvPr id="89" name="Ellipse 88"/>
-                <p:cNvSpPr/>
-                <p:nvPr/>
-              </p:nvSpPr>
-              <p:spPr>
-                <a:xfrm>
-                  <a:off x="4029270" y="3634692"/>
-                  <a:ext cx="84871" cy="84871"/>
-                </a:xfrm>
-                <a:prstGeom prst="ellipse">
-                  <a:avLst/>
-                </a:prstGeom>
-                <a:solidFill>
-                  <a:srgbClr val="000000"/>
-                </a:solidFill>
-                <a:ln w="12700" cmpd="sng">
-                  <a:noFill/>
-                </a:ln>
-              </p:spPr>
-              <p:style>
-                <a:lnRef idx="2">
-                  <a:schemeClr val="accent1">
-                    <a:shade val="50000"/>
-                  </a:schemeClr>
-                </a:lnRef>
-                <a:fillRef idx="1">
-                  <a:schemeClr val="accent1"/>
-                </a:fillRef>
-                <a:effectRef idx="0">
-                  <a:schemeClr val="accent1"/>
-                </a:effectRef>
-                <a:fontRef idx="minor">
-                  <a:schemeClr val="lt1"/>
-                </a:fontRef>
-              </p:style>
-              <p:txBody>
-                <a:bodyPr rtlCol="0" anchor="ctr"/>
-                <a:lstStyle/>
-                <a:p>
-                  <a:pPr algn="ctr"/>
-                  <a:endParaRPr lang="en-US" sz="800"/>
-                </a:p>
-              </p:txBody>
-            </p:sp>
-          </p:grpSp>
-          <p:cxnSp>
-            <p:nvCxnSpPr>
-              <p:cNvPr id="95" name="Connecteur droit 22"/>
-              <p:cNvCxnSpPr>
-                <a:stCxn id="88" idx="2"/>
-                <a:endCxn id="93" idx="0"/>
-              </p:cNvCxnSpPr>
-              <p:nvPr/>
-            </p:nvCxnSpPr>
-            <p:spPr>
-              <a:xfrm rot="10800000" flipV="1">
-                <a:off x="5318326" y="1642883"/>
-                <a:ext cx="687343" cy="282402"/>
-              </a:xfrm>
-              <a:prstGeom prst="curvedConnector3">
-                <a:avLst>
-                  <a:gd name="adj1" fmla="val 50000"/>
-                </a:avLst>
-              </a:prstGeom>
-              <a:ln w="12700" cmpd="sng">
-                <a:solidFill>
-                  <a:schemeClr val="tx1"/>
-                </a:solidFill>
-                <a:prstDash val="sysDash"/>
-              </a:ln>
-            </p:spPr>
-            <p:style>
-              <a:lnRef idx="2">
-                <a:schemeClr val="accent1"/>
-              </a:lnRef>
-              <a:fillRef idx="0">
-                <a:schemeClr val="accent1"/>
-              </a:fillRef>
-              <a:effectRef idx="1">
-                <a:schemeClr val="accent1"/>
-              </a:effectRef>
-              <a:fontRef idx="minor">
-                <a:schemeClr val="tx1"/>
-              </a:fontRef>
-            </p:style>
-          </p:cxnSp>
+                  <a:latin typeface="Helvetica Neue"/>
+                  <a:cs typeface="Helvetica Neue"/>
+                </a:endParaRPr>
+              </a:p>
+            </p:txBody>
+          </p:sp>
+        </p:grpSp>
+        <p:cxnSp>
+          <p:nvCxnSpPr>
+            <p:cNvPr id="106" name="Connecteur droit 22"/>
+            <p:cNvCxnSpPr>
+              <a:stCxn id="58" idx="0"/>
+              <a:endCxn id="92" idx="3"/>
+            </p:cNvCxnSpPr>
+            <p:nvPr/>
+          </p:nvCxnSpPr>
+          <p:spPr>
+            <a:xfrm>
+              <a:off x="4200177" y="873555"/>
+              <a:ext cx="1025050" cy="4771"/>
+            </a:xfrm>
+            <a:prstGeom prst="straightConnector1">
+              <a:avLst/>
+            </a:prstGeom>
+            <a:ln w="28575" cmpd="sng">
+              <a:solidFill>
+                <a:schemeClr val="accent3"/>
+              </a:solidFill>
+              <a:prstDash val="solid"/>
+            </a:ln>
+          </p:spPr>
+          <p:style>
+            <a:lnRef idx="2">
+              <a:schemeClr val="accent1"/>
+            </a:lnRef>
+            <a:fillRef idx="0">
+              <a:schemeClr val="accent1"/>
+            </a:fillRef>
+            <a:effectRef idx="1">
+              <a:schemeClr val="accent1"/>
+            </a:effectRef>
+            <a:fontRef idx="minor">
+              <a:schemeClr val="tx1"/>
+            </a:fontRef>
+          </p:style>
+        </p:cxnSp>
+        <p:cxnSp>
+          <p:nvCxnSpPr>
+            <p:cNvPr id="112" name="Connecteur droit 22"/>
+            <p:cNvCxnSpPr>
+              <a:stCxn id="66" idx="3"/>
+              <a:endCxn id="94" idx="0"/>
+            </p:cNvCxnSpPr>
+            <p:nvPr/>
+          </p:nvCxnSpPr>
+          <p:spPr>
+            <a:xfrm flipV="1">
+              <a:off x="4166074" y="2046830"/>
+              <a:ext cx="1059153" cy="9361"/>
+            </a:xfrm>
+            <a:prstGeom prst="straightConnector1">
+              <a:avLst/>
+            </a:prstGeom>
+            <a:ln w="28575" cmpd="sng">
+              <a:solidFill>
+                <a:schemeClr val="accent3"/>
+              </a:solidFill>
+              <a:prstDash val="solid"/>
+            </a:ln>
+          </p:spPr>
+          <p:style>
+            <a:lnRef idx="2">
+              <a:schemeClr val="accent1"/>
+            </a:lnRef>
+            <a:fillRef idx="0">
+              <a:schemeClr val="accent1"/>
+            </a:fillRef>
+            <a:effectRef idx="1">
+              <a:schemeClr val="accent1"/>
+            </a:effectRef>
+            <a:fontRef idx="minor">
+              <a:schemeClr val="tx1"/>
+            </a:fontRef>
+          </p:style>
+        </p:cxnSp>
+        <p:cxnSp>
+          <p:nvCxnSpPr>
+            <p:cNvPr id="118" name="Connecteur droit 22"/>
+            <p:cNvCxnSpPr>
+              <a:stCxn id="65" idx="0"/>
+              <a:endCxn id="93" idx="3"/>
+            </p:cNvCxnSpPr>
+            <p:nvPr/>
+          </p:nvCxnSpPr>
+          <p:spPr>
+            <a:xfrm>
+              <a:off x="4166074" y="1925285"/>
+              <a:ext cx="1059153" cy="0"/>
+            </a:xfrm>
+            <a:prstGeom prst="straightConnector1">
+              <a:avLst/>
+            </a:prstGeom>
+            <a:ln w="28575" cmpd="sng">
+              <a:solidFill>
+                <a:schemeClr val="accent3"/>
+              </a:solidFill>
+              <a:prstDash val="solid"/>
+            </a:ln>
+          </p:spPr>
+          <p:style>
+            <a:lnRef idx="2">
+              <a:schemeClr val="accent1"/>
+            </a:lnRef>
+            <a:fillRef idx="0">
+              <a:schemeClr val="accent1"/>
+            </a:fillRef>
+            <a:effectRef idx="1">
+              <a:schemeClr val="accent1"/>
+            </a:effectRef>
+            <a:fontRef idx="minor">
+              <a:schemeClr val="tx1"/>
+            </a:fontRef>
+          </p:style>
+        </p:cxnSp>
+        <p:grpSp>
+          <p:nvGrpSpPr>
+            <p:cNvPr id="87" name="Grouper 86"/>
+            <p:cNvGrpSpPr/>
+            <p:nvPr/>
+          </p:nvGrpSpPr>
+          <p:grpSpPr>
+            <a:xfrm>
+              <a:off x="6005668" y="1571125"/>
+              <a:ext cx="143516" cy="143516"/>
+              <a:chOff x="3927155" y="3532577"/>
+              <a:chExt cx="289101" cy="289101"/>
+            </a:xfrm>
+          </p:grpSpPr>
           <p:sp>
             <p:nvSpPr>
-              <p:cNvPr id="131" name="Carré corné 130"/>
+              <p:cNvPr id="88" name="Ellipse 87"/>
               <p:cNvSpPr/>
               <p:nvPr/>
             </p:nvSpPr>
             <p:spPr>
               <a:xfrm>
-                <a:off x="5670291" y="1924002"/>
-                <a:ext cx="870633" cy="258203"/>
+                <a:off x="3927155" y="3532577"/>
+                <a:ext cx="289101" cy="289101"/>
               </a:xfrm>
-              <a:prstGeom prst="foldedCorner">
+              <a:prstGeom prst="ellipse">
                 <a:avLst/>
               </a:prstGeom>
               <a:solidFill>
-                <a:schemeClr val="bg1"/>
+                <a:schemeClr val="accent5"/>
               </a:solidFill>
               <a:ln w="12700" cmpd="sng">
                 <a:solidFill>
@@ -11256,2440 +13127,810 @@
               <a:lstStyle/>
               <a:p>
                 <a:pPr algn="ctr"/>
-                <a:r>
-                  <a:rPr lang="en-US" sz="800" dirty="0" smtClean="0">
-                    <a:solidFill>
-                      <a:srgbClr val="000000"/>
-                    </a:solidFill>
-                    <a:latin typeface="Helvetica Neue"/>
-                    <a:cs typeface="Helvetica Neue"/>
-                  </a:rPr>
-                  <a:t>Need of </a:t>
-                </a:r>
+                <a:endParaRPr lang="en-US" sz="800"/>
               </a:p>
+            </p:txBody>
+          </p:sp>
+          <p:sp>
+            <p:nvSpPr>
+              <p:cNvPr id="89" name="Ellipse 88"/>
+              <p:cNvSpPr/>
+              <p:nvPr/>
+            </p:nvSpPr>
+            <p:spPr>
+              <a:xfrm>
+                <a:off x="4029270" y="3634692"/>
+                <a:ext cx="84871" cy="84871"/>
+              </a:xfrm>
+              <a:prstGeom prst="ellipse">
+                <a:avLst/>
+              </a:prstGeom>
+              <a:solidFill>
+                <a:srgbClr val="000000"/>
+              </a:solidFill>
+              <a:ln w="12700" cmpd="sng">
+                <a:noFill/>
+              </a:ln>
+            </p:spPr>
+            <p:style>
+              <a:lnRef idx="2">
+                <a:schemeClr val="accent1">
+                  <a:shade val="50000"/>
+                </a:schemeClr>
+              </a:lnRef>
+              <a:fillRef idx="1">
+                <a:schemeClr val="accent1"/>
+              </a:fillRef>
+              <a:effectRef idx="0">
+                <a:schemeClr val="accent1"/>
+              </a:effectRef>
+              <a:fontRef idx="minor">
+                <a:schemeClr val="lt1"/>
+              </a:fontRef>
+            </p:style>
+            <p:txBody>
+              <a:bodyPr rtlCol="0" anchor="ctr"/>
+              <a:lstStyle/>
               <a:p>
                 <a:pPr algn="ctr"/>
-                <a:r>
-                  <a:rPr lang="en-US" sz="800" dirty="0" smtClean="0">
-                    <a:solidFill>
-                      <a:srgbClr val="000000"/>
-                    </a:solidFill>
-                    <a:latin typeface="Helvetica Neue"/>
-                    <a:cs typeface="Helvetica Neue"/>
-                  </a:rPr>
-                  <a:t>assessments </a:t>
-                </a:r>
-                <a:endParaRPr lang="en-US" sz="800" dirty="0">
+                <a:endParaRPr lang="en-US" sz="800"/>
+              </a:p>
+            </p:txBody>
+          </p:sp>
+        </p:grpSp>
+        <p:cxnSp>
+          <p:nvCxnSpPr>
+            <p:cNvPr id="95" name="Connecteur droit 22"/>
+            <p:cNvCxnSpPr>
+              <a:stCxn id="88" idx="2"/>
+              <a:endCxn id="93" idx="0"/>
+            </p:cNvCxnSpPr>
+            <p:nvPr/>
+          </p:nvCxnSpPr>
+          <p:spPr>
+            <a:xfrm rot="10800000" flipV="1">
+              <a:off x="5318326" y="1642883"/>
+              <a:ext cx="687343" cy="282402"/>
+            </a:xfrm>
+            <a:prstGeom prst="curvedConnector3">
+              <a:avLst>
+                <a:gd name="adj1" fmla="val 50000"/>
+              </a:avLst>
+            </a:prstGeom>
+            <a:ln w="12700" cmpd="sng">
+              <a:solidFill>
+                <a:schemeClr val="tx1"/>
+              </a:solidFill>
+              <a:prstDash val="sysDash"/>
+            </a:ln>
+          </p:spPr>
+          <p:style>
+            <a:lnRef idx="2">
+              <a:schemeClr val="accent1"/>
+            </a:lnRef>
+            <a:fillRef idx="0">
+              <a:schemeClr val="accent1"/>
+            </a:fillRef>
+            <a:effectRef idx="1">
+              <a:schemeClr val="accent1"/>
+            </a:effectRef>
+            <a:fontRef idx="minor">
+              <a:schemeClr val="tx1"/>
+            </a:fontRef>
+          </p:style>
+        </p:cxnSp>
+        <p:sp>
+          <p:nvSpPr>
+            <p:cNvPr id="131" name="Carré corné 130"/>
+            <p:cNvSpPr/>
+            <p:nvPr/>
+          </p:nvSpPr>
+          <p:spPr>
+            <a:xfrm>
+              <a:off x="5670291" y="1924002"/>
+              <a:ext cx="870633" cy="258203"/>
+            </a:xfrm>
+            <a:prstGeom prst="foldedCorner">
+              <a:avLst/>
+            </a:prstGeom>
+            <a:solidFill>
+              <a:schemeClr val="bg1"/>
+            </a:solidFill>
+            <a:ln w="12700" cmpd="sng">
+              <a:solidFill>
+                <a:srgbClr val="000000"/>
+              </a:solidFill>
+            </a:ln>
+          </p:spPr>
+          <p:style>
+            <a:lnRef idx="2">
+              <a:schemeClr val="accent1">
+                <a:shade val="50000"/>
+              </a:schemeClr>
+            </a:lnRef>
+            <a:fillRef idx="1">
+              <a:schemeClr val="accent1"/>
+            </a:fillRef>
+            <a:effectRef idx="0">
+              <a:schemeClr val="accent1"/>
+            </a:effectRef>
+            <a:fontRef idx="minor">
+              <a:schemeClr val="lt1"/>
+            </a:fontRef>
+          </p:style>
+          <p:txBody>
+            <a:bodyPr rtlCol="0" anchor="ctr"/>
+            <a:lstStyle/>
+            <a:p>
+              <a:pPr algn="ctr"/>
+              <a:r>
+                <a:rPr lang="en-US" sz="800" dirty="0" smtClean="0">
                   <a:solidFill>
                     <a:srgbClr val="000000"/>
                   </a:solidFill>
                   <a:latin typeface="Helvetica Neue"/>
                   <a:cs typeface="Helvetica Neue"/>
-                </a:endParaRPr>
-              </a:p>
-            </p:txBody>
-          </p:sp>
-          <p:sp>
-            <p:nvSpPr>
-              <p:cNvPr id="135" name="ZoneTexte 134"/>
-              <p:cNvSpPr txBox="1"/>
-              <p:nvPr/>
-            </p:nvSpPr>
-            <p:spPr>
-              <a:xfrm>
-                <a:off x="4341330" y="569091"/>
-                <a:ext cx="709526" cy="191027"/>
-              </a:xfrm>
-              <a:prstGeom prst="rect">
-                <a:avLst/>
-              </a:prstGeom>
-              <a:noFill/>
-              <a:ln w="12700" cmpd="sng">
-                <a:noFill/>
-              </a:ln>
-            </p:spPr>
-            <p:txBody>
-              <a:bodyPr wrap="none" rtlCol="0">
-                <a:spAutoFit/>
-              </a:bodyPr>
-              <a:lstStyle/>
-              <a:p>
-                <a:r>
-                  <a:rPr lang="en-US" sz="800" dirty="0" smtClean="0">
-                    <a:latin typeface="Helvetica Neue"/>
-                    <a:cs typeface="Helvetica Neue"/>
-                  </a:rPr>
-                  <a:t>Amendments</a:t>
-                </a:r>
-                <a:endParaRPr lang="en-US" sz="800" dirty="0">
+                </a:rPr>
+                <a:t>Need of </a:t>
+              </a:r>
+            </a:p>
+            <a:p>
+              <a:pPr algn="ctr"/>
+              <a:r>
+                <a:rPr lang="en-US" sz="800" dirty="0" smtClean="0">
+                  <a:solidFill>
+                    <a:srgbClr val="000000"/>
+                  </a:solidFill>
                   <a:latin typeface="Helvetica Neue"/>
                   <a:cs typeface="Helvetica Neue"/>
-                </a:endParaRPr>
-              </a:p>
-            </p:txBody>
-          </p:sp>
-          <p:sp>
-            <p:nvSpPr>
-              <p:cNvPr id="136" name="ZoneTexte 135"/>
-              <p:cNvSpPr txBox="1"/>
-              <p:nvPr/>
-            </p:nvSpPr>
-            <p:spPr>
-              <a:xfrm>
-                <a:off x="4380862" y="1497670"/>
-                <a:ext cx="584896" cy="300184"/>
-              </a:xfrm>
-              <a:prstGeom prst="rect">
-                <a:avLst/>
-              </a:prstGeom>
+                </a:rPr>
+                <a:t>assessments </a:t>
+              </a:r>
+              <a:endParaRPr lang="en-US" sz="800" dirty="0">
+                <a:solidFill>
+                  <a:srgbClr val="000000"/>
+                </a:solidFill>
+                <a:latin typeface="Helvetica Neue"/>
+                <a:cs typeface="Helvetica Neue"/>
+              </a:endParaRPr>
+            </a:p>
+          </p:txBody>
+        </p:sp>
+        <p:sp>
+          <p:nvSpPr>
+            <p:cNvPr id="135" name="ZoneTexte 134"/>
+            <p:cNvSpPr txBox="1"/>
+            <p:nvPr/>
+          </p:nvSpPr>
+          <p:spPr>
+            <a:xfrm>
+              <a:off x="4341330" y="569091"/>
+              <a:ext cx="851515" cy="215444"/>
+            </a:xfrm>
+            <a:prstGeom prst="rect">
+              <a:avLst/>
+            </a:prstGeom>
+            <a:noFill/>
+            <a:ln w="12700" cmpd="sng">
               <a:noFill/>
-              <a:ln w="12700" cmpd="sng">
-                <a:noFill/>
-              </a:ln>
-            </p:spPr>
-            <p:txBody>
-              <a:bodyPr wrap="none" rtlCol="0">
-                <a:spAutoFit/>
-              </a:bodyPr>
-              <a:lstStyle/>
-              <a:p>
-                <a:pPr algn="ctr"/>
-                <a:r>
-                  <a:rPr lang="en-US" sz="800" dirty="0" smtClean="0">
-                    <a:latin typeface="Helvetica Neue"/>
-                    <a:cs typeface="Helvetica Neue"/>
-                  </a:rPr>
-                  <a:t>Evaluation </a:t>
-                </a:r>
-              </a:p>
-              <a:p>
-                <a:pPr algn="ctr"/>
-                <a:r>
-                  <a:rPr lang="en-US" sz="800" dirty="0" smtClean="0">
-                    <a:latin typeface="Helvetica Neue"/>
-                    <a:cs typeface="Helvetica Neue"/>
-                  </a:rPr>
-                  <a:t>Report</a:t>
-                </a:r>
-                <a:endParaRPr lang="en-US" sz="800" dirty="0">
+            </a:ln>
+          </p:spPr>
+          <p:txBody>
+            <a:bodyPr wrap="none" rtlCol="0">
+              <a:spAutoFit/>
+            </a:bodyPr>
+            <a:lstStyle/>
+            <a:p>
+              <a:r>
+                <a:rPr lang="en-US" sz="800" dirty="0" smtClean="0">
                   <a:latin typeface="Helvetica Neue"/>
                   <a:cs typeface="Helvetica Neue"/>
-                </a:endParaRPr>
-              </a:p>
-            </p:txBody>
-          </p:sp>
-          <p:sp>
-            <p:nvSpPr>
-              <p:cNvPr id="137" name="ZoneTexte 136"/>
-              <p:cNvSpPr txBox="1"/>
-              <p:nvPr/>
-            </p:nvSpPr>
-            <p:spPr>
-              <a:xfrm>
-                <a:off x="4158005" y="2181246"/>
-                <a:ext cx="1030606" cy="584776"/>
-              </a:xfrm>
-              <a:prstGeom prst="rect">
-                <a:avLst/>
-              </a:prstGeom>
+                </a:rPr>
+                <a:t>[Amendments]</a:t>
+              </a:r>
+              <a:endParaRPr lang="en-US" sz="800" dirty="0">
+                <a:latin typeface="Helvetica Neue"/>
+                <a:cs typeface="Helvetica Neue"/>
+              </a:endParaRPr>
+            </a:p>
+          </p:txBody>
+        </p:sp>
+        <p:sp>
+          <p:nvSpPr>
+            <p:cNvPr id="136" name="ZoneTexte 135"/>
+            <p:cNvSpPr txBox="1"/>
+            <p:nvPr/>
+          </p:nvSpPr>
+          <p:spPr>
+            <a:xfrm>
+              <a:off x="4330196" y="1497670"/>
+              <a:ext cx="686229" cy="338554"/>
+            </a:xfrm>
+            <a:prstGeom prst="rect">
+              <a:avLst/>
+            </a:prstGeom>
+            <a:noFill/>
+            <a:ln w="12700" cmpd="sng">
               <a:noFill/>
-              <a:ln w="12700" cmpd="sng">
-                <a:noFill/>
-              </a:ln>
-            </p:spPr>
-            <p:txBody>
-              <a:bodyPr wrap="square" rtlCol="0">
-                <a:spAutoFit/>
-              </a:bodyPr>
-              <a:lstStyle/>
-              <a:p>
-                <a:pPr algn="ctr"/>
-                <a:r>
-                  <a:rPr lang="en-US" sz="800" dirty="0" smtClean="0">
-                    <a:latin typeface="Helvetica Neue"/>
-                    <a:cs typeface="Helvetica Neue"/>
-                  </a:rPr>
-                  <a:t>Company Questionnaires</a:t>
-                </a:r>
-              </a:p>
-              <a:p>
-                <a:pPr algn="ctr"/>
-                <a:r>
-                  <a:rPr lang="en-US" sz="800" dirty="0" smtClean="0">
-                    <a:latin typeface="Helvetica Neue"/>
-                    <a:cs typeface="Helvetica Neue"/>
-                  </a:rPr>
-                  <a:t>and Evidence</a:t>
-                </a:r>
-              </a:p>
-              <a:p>
-                <a:endParaRPr lang="en-US" sz="800" dirty="0">
+            </a:ln>
+          </p:spPr>
+          <p:txBody>
+            <a:bodyPr wrap="none" rtlCol="0">
+              <a:spAutoFit/>
+            </a:bodyPr>
+            <a:lstStyle/>
+            <a:p>
+              <a:pPr algn="ctr"/>
+              <a:r>
+                <a:rPr lang="en-US" sz="800" dirty="0" smtClean="0">
                   <a:latin typeface="Helvetica Neue"/>
                   <a:cs typeface="Helvetica Neue"/>
-                </a:endParaRPr>
-              </a:p>
-            </p:txBody>
-          </p:sp>
-          <p:sp>
-            <p:nvSpPr>
-              <p:cNvPr id="140" name="ZoneTexte 139"/>
-              <p:cNvSpPr txBox="1"/>
-              <p:nvPr/>
-            </p:nvSpPr>
-            <p:spPr>
-              <a:xfrm>
-                <a:off x="2434241" y="1270941"/>
-                <a:ext cx="483554" cy="300184"/>
-              </a:xfrm>
-              <a:prstGeom prst="rect">
-                <a:avLst/>
-              </a:prstGeom>
-              <a:noFill/>
-              <a:ln w="12700" cmpd="sng">
-                <a:noFill/>
-              </a:ln>
-            </p:spPr>
-            <p:txBody>
-              <a:bodyPr wrap="none" lIns="0" tIns="0" rIns="36000" bIns="0" rtlCol="0">
-                <a:noAutofit/>
-              </a:bodyPr>
-              <a:lstStyle/>
-              <a:p>
-                <a:pPr algn="r"/>
-                <a:r>
-                  <a:rPr lang="en-US" sz="800" dirty="0" smtClean="0">
-                    <a:latin typeface="Helvetica Neue"/>
-                    <a:cs typeface="Helvetica Neue"/>
-                  </a:rPr>
-                  <a:t>Risk </a:t>
-                </a:r>
-              </a:p>
-              <a:p>
-                <a:pPr algn="r"/>
-                <a:r>
-                  <a:rPr lang="en-US" sz="800" dirty="0" smtClean="0">
-                    <a:latin typeface="Helvetica Neue"/>
-                    <a:cs typeface="Helvetica Neue"/>
-                  </a:rPr>
-                  <a:t>Situations</a:t>
-                </a:r>
-                <a:endParaRPr lang="en-US" sz="800" dirty="0">
+                </a:rPr>
+                <a:t>[Evaluation </a:t>
+              </a:r>
+              <a:endParaRPr lang="en-US" sz="800" dirty="0" smtClean="0">
+                <a:latin typeface="Helvetica Neue"/>
+                <a:cs typeface="Helvetica Neue"/>
+              </a:endParaRPr>
+            </a:p>
+            <a:p>
+              <a:pPr algn="ctr"/>
+              <a:r>
+                <a:rPr lang="en-US" sz="800" dirty="0" smtClean="0">
                   <a:latin typeface="Helvetica Neue"/>
                   <a:cs typeface="Helvetica Neue"/>
-                </a:endParaRPr>
-              </a:p>
-            </p:txBody>
-          </p:sp>
-          <p:cxnSp>
-            <p:nvCxnSpPr>
-              <p:cNvPr id="157" name="Connecteur droit 22"/>
-              <p:cNvCxnSpPr>
-                <a:stCxn id="137" idx="0"/>
-              </p:cNvCxnSpPr>
-              <p:nvPr/>
-            </p:nvCxnSpPr>
-            <p:spPr>
-              <a:xfrm flipV="1">
-                <a:off x="4673308" y="2043584"/>
-                <a:ext cx="1" cy="137662"/>
-              </a:xfrm>
-              <a:prstGeom prst="straightConnector1">
-                <a:avLst/>
-              </a:prstGeom>
-              <a:ln w="12700" cmpd="sng">
-                <a:solidFill>
-                  <a:schemeClr val="bg1">
-                    <a:lumMod val="75000"/>
-                  </a:schemeClr>
-                </a:solidFill>
-                <a:prstDash val="solid"/>
-              </a:ln>
-            </p:spPr>
-            <p:style>
-              <a:lnRef idx="2">
-                <a:schemeClr val="accent1"/>
-              </a:lnRef>
-              <a:fillRef idx="0">
-                <a:schemeClr val="accent1"/>
-              </a:fillRef>
-              <a:effectRef idx="1">
-                <a:schemeClr val="accent1"/>
-              </a:effectRef>
-              <a:fontRef idx="minor">
+                </a:rPr>
+                <a:t>Report]</a:t>
+              </a:r>
+              <a:endParaRPr lang="en-US" sz="800" dirty="0">
+                <a:latin typeface="Helvetica Neue"/>
+                <a:cs typeface="Helvetica Neue"/>
+              </a:endParaRPr>
+            </a:p>
+          </p:txBody>
+        </p:sp>
+        <p:sp>
+          <p:nvSpPr>
+            <p:cNvPr id="137" name="ZoneTexte 136"/>
+            <p:cNvSpPr txBox="1"/>
+            <p:nvPr/>
+          </p:nvSpPr>
+          <p:spPr>
+            <a:xfrm>
+              <a:off x="4013822" y="2391522"/>
+              <a:ext cx="1030606" cy="584776"/>
+            </a:xfrm>
+            <a:prstGeom prst="rect">
+              <a:avLst/>
+            </a:prstGeom>
+            <a:noFill/>
+            <a:ln w="12700" cmpd="sng">
+              <a:noFill/>
+            </a:ln>
+          </p:spPr>
+          <p:txBody>
+            <a:bodyPr wrap="square" rtlCol="0">
+              <a:spAutoFit/>
+            </a:bodyPr>
+            <a:lstStyle/>
+            <a:p>
+              <a:pPr algn="ctr"/>
+              <a:r>
+                <a:rPr lang="en-US" sz="800" dirty="0" smtClean="0">
+                  <a:latin typeface="Helvetica Neue"/>
+                  <a:cs typeface="Helvetica Neue"/>
+                </a:rPr>
+                <a:t>[Company </a:t>
+              </a:r>
+              <a:r>
+                <a:rPr lang="en-US" sz="800" dirty="0" smtClean="0">
+                  <a:latin typeface="Helvetica Neue"/>
+                  <a:cs typeface="Helvetica Neue"/>
+                </a:rPr>
+                <a:t>Questionnaires</a:t>
+              </a:r>
+            </a:p>
+            <a:p>
+              <a:pPr algn="ctr"/>
+              <a:r>
+                <a:rPr lang="en-US" sz="800" dirty="0" smtClean="0">
+                  <a:latin typeface="Helvetica Neue"/>
+                  <a:cs typeface="Helvetica Neue"/>
+                </a:rPr>
+                <a:t>and </a:t>
+              </a:r>
+              <a:r>
+                <a:rPr lang="en-US" sz="800" dirty="0" smtClean="0">
+                  <a:latin typeface="Helvetica Neue"/>
+                  <a:cs typeface="Helvetica Neue"/>
+                </a:rPr>
+                <a:t>Evidence]</a:t>
+              </a:r>
+              <a:endParaRPr lang="en-US" sz="800" dirty="0" smtClean="0">
+                <a:latin typeface="Helvetica Neue"/>
+                <a:cs typeface="Helvetica Neue"/>
+              </a:endParaRPr>
+            </a:p>
+            <a:p>
+              <a:endParaRPr lang="en-US" sz="800" dirty="0">
+                <a:latin typeface="Helvetica Neue"/>
+                <a:cs typeface="Helvetica Neue"/>
+              </a:endParaRPr>
+            </a:p>
+          </p:txBody>
+        </p:sp>
+        <p:sp>
+          <p:nvSpPr>
+            <p:cNvPr id="140" name="ZoneTexte 139"/>
+            <p:cNvSpPr txBox="1"/>
+            <p:nvPr/>
+          </p:nvSpPr>
+          <p:spPr>
+            <a:xfrm>
+              <a:off x="2434241" y="1270941"/>
+              <a:ext cx="483554" cy="300184"/>
+            </a:xfrm>
+            <a:prstGeom prst="rect">
+              <a:avLst/>
+            </a:prstGeom>
+            <a:noFill/>
+            <a:ln w="12700" cmpd="sng">
+              <a:noFill/>
+            </a:ln>
+          </p:spPr>
+          <p:txBody>
+            <a:bodyPr wrap="none" lIns="0" tIns="0" rIns="36000" bIns="0" rtlCol="0">
+              <a:noAutofit/>
+            </a:bodyPr>
+            <a:lstStyle/>
+            <a:p>
+              <a:pPr algn="r"/>
+              <a:r>
+                <a:rPr lang="en-US" sz="800" dirty="0" smtClean="0">
+                  <a:latin typeface="Helvetica Neue"/>
+                  <a:cs typeface="Helvetica Neue"/>
+                </a:rPr>
+                <a:t>Risk </a:t>
+              </a:r>
+            </a:p>
+            <a:p>
+              <a:pPr algn="r"/>
+              <a:r>
+                <a:rPr lang="en-US" sz="800" dirty="0" smtClean="0">
+                  <a:latin typeface="Helvetica Neue"/>
+                  <a:cs typeface="Helvetica Neue"/>
+                </a:rPr>
+                <a:t>Situations</a:t>
+              </a:r>
+              <a:endParaRPr lang="en-US" sz="800" dirty="0">
+                <a:latin typeface="Helvetica Neue"/>
+                <a:cs typeface="Helvetica Neue"/>
+              </a:endParaRPr>
+            </a:p>
+          </p:txBody>
+        </p:sp>
+        <p:cxnSp>
+          <p:nvCxnSpPr>
+            <p:cNvPr id="157" name="Connecteur droit 22"/>
+            <p:cNvCxnSpPr>
+              <a:stCxn id="137" idx="0"/>
+            </p:cNvCxnSpPr>
+            <p:nvPr/>
+          </p:nvCxnSpPr>
+          <p:spPr>
+            <a:xfrm flipV="1">
+              <a:off x="4529125" y="2202904"/>
+              <a:ext cx="0" cy="188618"/>
+            </a:xfrm>
+            <a:prstGeom prst="straightConnector1">
+              <a:avLst/>
+            </a:prstGeom>
+            <a:ln w="12700" cmpd="sng">
+              <a:solidFill>
+                <a:schemeClr val="bg1">
+                  <a:lumMod val="75000"/>
+                </a:schemeClr>
+              </a:solidFill>
+              <a:prstDash val="solid"/>
+            </a:ln>
+          </p:spPr>
+          <p:style>
+            <a:lnRef idx="2">
+              <a:schemeClr val="accent1"/>
+            </a:lnRef>
+            <a:fillRef idx="0">
+              <a:schemeClr val="accent1"/>
+            </a:fillRef>
+            <a:effectRef idx="1">
+              <a:schemeClr val="accent1"/>
+            </a:effectRef>
+            <a:fontRef idx="minor">
+              <a:schemeClr val="tx1"/>
+            </a:fontRef>
+          </p:style>
+        </p:cxnSp>
+        <p:cxnSp>
+          <p:nvCxnSpPr>
+            <p:cNvPr id="162" name="Connecteur droit 22"/>
+            <p:cNvCxnSpPr>
+              <a:endCxn id="135" idx="2"/>
+            </p:cNvCxnSpPr>
+            <p:nvPr/>
+          </p:nvCxnSpPr>
+          <p:spPr>
+            <a:xfrm flipV="1">
+              <a:off x="4696093" y="784535"/>
+              <a:ext cx="70995" cy="89020"/>
+            </a:xfrm>
+            <a:prstGeom prst="straightConnector1">
+              <a:avLst/>
+            </a:prstGeom>
+            <a:ln w="12700" cmpd="sng">
+              <a:solidFill>
+                <a:schemeClr val="bg1">
+                  <a:lumMod val="75000"/>
+                </a:schemeClr>
+              </a:solidFill>
+              <a:prstDash val="solid"/>
+            </a:ln>
+          </p:spPr>
+          <p:style>
+            <a:lnRef idx="2">
+              <a:schemeClr val="accent1"/>
+            </a:lnRef>
+            <a:fillRef idx="0">
+              <a:schemeClr val="accent1"/>
+            </a:fillRef>
+            <a:effectRef idx="1">
+              <a:schemeClr val="accent1"/>
+            </a:effectRef>
+            <a:fontRef idx="minor">
+              <a:schemeClr val="tx1"/>
+            </a:fontRef>
+          </p:style>
+        </p:cxnSp>
+        <p:cxnSp>
+          <p:nvCxnSpPr>
+            <p:cNvPr id="165" name="Connecteur droit 22"/>
+            <p:cNvCxnSpPr>
+              <a:endCxn id="140" idx="3"/>
+            </p:cNvCxnSpPr>
+            <p:nvPr/>
+          </p:nvCxnSpPr>
+          <p:spPr>
+            <a:xfrm flipH="1">
+              <a:off x="2917795" y="1421032"/>
+              <a:ext cx="172323" cy="0"/>
+            </a:xfrm>
+            <a:prstGeom prst="straightConnector1">
+              <a:avLst/>
+            </a:prstGeom>
+            <a:ln w="12700" cmpd="sng">
+              <a:solidFill>
+                <a:schemeClr val="bg1">
+                  <a:lumMod val="75000"/>
+                </a:schemeClr>
+              </a:solidFill>
+              <a:prstDash val="solid"/>
+            </a:ln>
+          </p:spPr>
+          <p:style>
+            <a:lnRef idx="2">
+              <a:schemeClr val="accent1"/>
+            </a:lnRef>
+            <a:fillRef idx="0">
+              <a:schemeClr val="accent1"/>
+            </a:fillRef>
+            <a:effectRef idx="1">
+              <a:schemeClr val="accent1"/>
+            </a:effectRef>
+            <a:fontRef idx="minor">
+              <a:schemeClr val="tx1"/>
+            </a:fontRef>
+          </p:style>
+        </p:cxnSp>
+        <p:sp>
+          <p:nvSpPr>
+            <p:cNvPr id="141" name="Triangle isocèle 140"/>
+            <p:cNvSpPr/>
+            <p:nvPr/>
+          </p:nvSpPr>
+          <p:spPr>
+            <a:xfrm rot="16200000">
+              <a:off x="3636773" y="2155432"/>
+              <a:ext cx="107996" cy="93099"/>
+            </a:xfrm>
+            <a:prstGeom prst="triangle">
+              <a:avLst/>
+            </a:prstGeom>
+            <a:solidFill>
+              <a:schemeClr val="bg1"/>
+            </a:solidFill>
+            <a:ln w="12700" cmpd="sng">
+              <a:solidFill>
                 <a:schemeClr val="tx1"/>
-              </a:fontRef>
-            </p:style>
-          </p:cxnSp>
-          <p:cxnSp>
-            <p:nvCxnSpPr>
-              <p:cNvPr id="162" name="Connecteur droit 22"/>
-              <p:cNvCxnSpPr>
-                <a:endCxn id="135" idx="2"/>
-              </p:cNvCxnSpPr>
-              <p:nvPr/>
-            </p:nvCxnSpPr>
-            <p:spPr>
-              <a:xfrm flipV="1">
-                <a:off x="4696093" y="760117"/>
-                <a:ext cx="0" cy="113437"/>
-              </a:xfrm>
-              <a:prstGeom prst="straightConnector1">
-                <a:avLst/>
-              </a:prstGeom>
-              <a:ln w="12700" cmpd="sng">
-                <a:solidFill>
-                  <a:schemeClr val="bg1">
-                    <a:lumMod val="75000"/>
-                  </a:schemeClr>
-                </a:solidFill>
-                <a:prstDash val="solid"/>
-              </a:ln>
-            </p:spPr>
-            <p:style>
-              <a:lnRef idx="2">
-                <a:schemeClr val="accent1"/>
-              </a:lnRef>
-              <a:fillRef idx="0">
-                <a:schemeClr val="accent1"/>
-              </a:fillRef>
-              <a:effectRef idx="1">
-                <a:schemeClr val="accent1"/>
-              </a:effectRef>
-              <a:fontRef idx="minor">
+              </a:solidFill>
+            </a:ln>
+          </p:spPr>
+          <p:style>
+            <a:lnRef idx="2">
+              <a:schemeClr val="accent2">
+                <a:shade val="50000"/>
+              </a:schemeClr>
+            </a:lnRef>
+            <a:fillRef idx="1">
+              <a:schemeClr val="accent2"/>
+            </a:fillRef>
+            <a:effectRef idx="0">
+              <a:schemeClr val="accent2"/>
+            </a:effectRef>
+            <a:fontRef idx="minor">
+              <a:schemeClr val="lt1"/>
+            </a:fontRef>
+          </p:style>
+          <p:txBody>
+            <a:bodyPr rtlCol="0" anchor="ctr"/>
+            <a:lstStyle/>
+            <a:p>
+              <a:pPr algn="ctr"/>
+              <a:endParaRPr lang="en-US" sz="800"/>
+            </a:p>
+          </p:txBody>
+        </p:sp>
+        <p:sp>
+          <p:nvSpPr>
+            <p:cNvPr id="142" name="Triangle isocèle 141"/>
+            <p:cNvSpPr/>
+            <p:nvPr/>
+          </p:nvSpPr>
+          <p:spPr>
+            <a:xfrm rot="16200000">
+              <a:off x="4065526" y="2154156"/>
+              <a:ext cx="107996" cy="93099"/>
+            </a:xfrm>
+            <a:prstGeom prst="triangle">
+              <a:avLst/>
+            </a:prstGeom>
+            <a:solidFill>
+              <a:schemeClr val="bg1"/>
+            </a:solidFill>
+            <a:ln w="12700" cmpd="sng">
+              <a:solidFill>
                 <a:schemeClr val="tx1"/>
-              </a:fontRef>
-            </p:style>
-          </p:cxnSp>
-          <p:cxnSp>
-            <p:nvCxnSpPr>
-              <p:cNvPr id="165" name="Connecteur droit 22"/>
-              <p:cNvCxnSpPr>
-                <a:endCxn id="140" idx="3"/>
-              </p:cNvCxnSpPr>
-              <p:nvPr/>
-            </p:nvCxnSpPr>
-            <p:spPr>
-              <a:xfrm flipH="1">
-                <a:off x="2917795" y="1421032"/>
-                <a:ext cx="172323" cy="0"/>
-              </a:xfrm>
-              <a:prstGeom prst="straightConnector1">
-                <a:avLst/>
-              </a:prstGeom>
-              <a:ln w="12700" cmpd="sng">
-                <a:solidFill>
-                  <a:schemeClr val="bg1">
-                    <a:lumMod val="75000"/>
-                  </a:schemeClr>
-                </a:solidFill>
-                <a:prstDash val="solid"/>
-              </a:ln>
-            </p:spPr>
-            <p:style>
-              <a:lnRef idx="2">
-                <a:schemeClr val="accent1"/>
-              </a:lnRef>
-              <a:fillRef idx="0">
-                <a:schemeClr val="accent1"/>
-              </a:fillRef>
-              <a:effectRef idx="1">
-                <a:schemeClr val="accent1"/>
-              </a:effectRef>
-              <a:fontRef idx="minor">
+              </a:solidFill>
+            </a:ln>
+          </p:spPr>
+          <p:style>
+            <a:lnRef idx="2">
+              <a:schemeClr val="accent2">
+                <a:shade val="50000"/>
+              </a:schemeClr>
+            </a:lnRef>
+            <a:fillRef idx="1">
+              <a:schemeClr val="accent2"/>
+            </a:fillRef>
+            <a:effectRef idx="0">
+              <a:schemeClr val="accent2"/>
+            </a:effectRef>
+            <a:fontRef idx="minor">
+              <a:schemeClr val="lt1"/>
+            </a:fontRef>
+          </p:style>
+          <p:txBody>
+            <a:bodyPr rtlCol="0" anchor="ctr"/>
+            <a:lstStyle/>
+            <a:p>
+              <a:pPr algn="ctr"/>
+              <a:endParaRPr lang="en-US" sz="800"/>
+            </a:p>
+          </p:txBody>
+        </p:sp>
+        <p:cxnSp>
+          <p:nvCxnSpPr>
+            <p:cNvPr id="143" name="Connecteur droit 22"/>
+            <p:cNvCxnSpPr>
+              <a:stCxn id="142" idx="0"/>
+              <a:endCxn id="141" idx="3"/>
+            </p:cNvCxnSpPr>
+            <p:nvPr/>
+          </p:nvCxnSpPr>
+          <p:spPr>
+            <a:xfrm flipH="1">
+              <a:off x="3737334" y="2200705"/>
+              <a:ext cx="335641" cy="1279"/>
+            </a:xfrm>
+            <a:prstGeom prst="straightConnector1">
+              <a:avLst/>
+            </a:prstGeom>
+            <a:ln w="12700" cmpd="sng">
+              <a:solidFill>
                 <a:schemeClr val="tx1"/>
-              </a:fontRef>
-            </p:style>
-          </p:cxnSp>
-        </p:grpSp>
-        <p:grpSp>
-          <p:nvGrpSpPr>
-            <p:cNvPr id="263" name="Grouper 262"/>
-            <p:cNvGrpSpPr/>
+              </a:solidFill>
+              <a:prstDash val="solid"/>
+            </a:ln>
+          </p:spPr>
+          <p:style>
+            <a:lnRef idx="2">
+              <a:schemeClr val="accent1"/>
+            </a:lnRef>
+            <a:fillRef idx="0">
+              <a:schemeClr val="accent1"/>
+            </a:fillRef>
+            <a:effectRef idx="1">
+              <a:schemeClr val="accent1"/>
+            </a:effectRef>
+            <a:fontRef idx="minor">
+              <a:schemeClr val="tx1"/>
+            </a:fontRef>
+          </p:style>
+        </p:cxnSp>
+        <p:sp>
+          <p:nvSpPr>
+            <p:cNvPr id="144" name="Triangle isocèle 143"/>
+            <p:cNvSpPr/>
             <p:nvPr/>
-          </p:nvGrpSpPr>
-          <p:grpSpPr>
+          </p:nvSpPr>
+          <p:spPr>
+            <a:xfrm rot="16200000">
+              <a:off x="5218213" y="2156354"/>
+              <a:ext cx="107996" cy="93099"/>
+            </a:xfrm>
+            <a:prstGeom prst="triangle">
+              <a:avLst/>
+            </a:prstGeom>
+            <a:solidFill>
+              <a:schemeClr val="bg1"/>
+            </a:solidFill>
+            <a:ln w="12700" cmpd="sng">
+              <a:solidFill>
+                <a:schemeClr val="tx1"/>
+              </a:solidFill>
+            </a:ln>
+          </p:spPr>
+          <p:style>
+            <a:lnRef idx="2">
+              <a:schemeClr val="accent2">
+                <a:shade val="50000"/>
+              </a:schemeClr>
+            </a:lnRef>
+            <a:fillRef idx="1">
+              <a:schemeClr val="accent2"/>
+            </a:fillRef>
+            <a:effectRef idx="0">
+              <a:schemeClr val="accent2"/>
+            </a:effectRef>
+            <a:fontRef idx="minor">
+              <a:schemeClr val="lt1"/>
+            </a:fontRef>
+          </p:style>
+          <p:txBody>
+            <a:bodyPr rtlCol="0" anchor="ctr"/>
+            <a:lstStyle/>
+            <a:p>
+              <a:pPr algn="ctr"/>
+              <a:endParaRPr lang="en-US" sz="800"/>
+            </a:p>
+          </p:txBody>
+        </p:sp>
+        <p:cxnSp>
+          <p:nvCxnSpPr>
+            <p:cNvPr id="145" name="Connecteur droit 22"/>
+            <p:cNvCxnSpPr>
+              <a:stCxn id="142" idx="3"/>
+              <a:endCxn id="144" idx="0"/>
+            </p:cNvCxnSpPr>
+            <p:nvPr/>
+          </p:nvCxnSpPr>
+          <p:spPr>
             <a:xfrm>
-              <a:off x="2588242" y="3030767"/>
-              <a:ext cx="4014052" cy="1575742"/>
-              <a:chOff x="2669572" y="3030767"/>
-              <a:chExt cx="4014052" cy="1575742"/>
+              <a:off x="4166074" y="2200706"/>
+              <a:ext cx="1059588" cy="2198"/>
             </a:xfrm>
-          </p:grpSpPr>
-          <p:grpSp>
-            <p:nvGrpSpPr>
-              <p:cNvPr id="260" name="Grouper 259"/>
-              <p:cNvGrpSpPr/>
-              <p:nvPr/>
-            </p:nvGrpSpPr>
-            <p:grpSpPr>
-              <a:xfrm>
-                <a:off x="2669572" y="3292377"/>
-                <a:ext cx="4014052" cy="1314132"/>
-                <a:chOff x="504409" y="3166160"/>
-                <a:chExt cx="4785117" cy="1566566"/>
-              </a:xfrm>
-            </p:grpSpPr>
-            <p:grpSp>
-              <p:nvGrpSpPr>
-                <p:cNvPr id="258" name="Grouper 257"/>
-                <p:cNvGrpSpPr/>
-                <p:nvPr/>
-              </p:nvGrpSpPr>
-              <p:grpSpPr>
-                <a:xfrm>
-                  <a:off x="504409" y="3166160"/>
-                  <a:ext cx="4785117" cy="1566566"/>
-                  <a:chOff x="4022780" y="3212693"/>
-                  <a:chExt cx="4785117" cy="1566566"/>
-                </a:xfrm>
-              </p:grpSpPr>
-              <p:grpSp>
-                <p:nvGrpSpPr>
-                  <p:cNvPr id="204" name="Grouper 203"/>
-                  <p:cNvGrpSpPr/>
-                  <p:nvPr/>
-                </p:nvGrpSpPr>
-                <p:grpSpPr>
-                  <a:xfrm>
-                    <a:off x="4022780" y="3212693"/>
-                    <a:ext cx="4785117" cy="1566566"/>
-                    <a:chOff x="809037" y="1472603"/>
-                    <a:chExt cx="7335426" cy="2401494"/>
-                  </a:xfrm>
-                </p:grpSpPr>
-                <p:sp>
-                  <p:nvSpPr>
-                    <p:cNvPr id="249" name="Rectangle à coins arrondis 248"/>
-                    <p:cNvSpPr/>
-                    <p:nvPr/>
-                  </p:nvSpPr>
-                  <p:spPr>
-                    <a:xfrm>
-                      <a:off x="809037" y="1472603"/>
-                      <a:ext cx="7335426" cy="2401494"/>
-                    </a:xfrm>
-                    <a:prstGeom prst="roundRect">
-                      <a:avLst>
-                        <a:gd name="adj" fmla="val 4490"/>
-                      </a:avLst>
-                    </a:prstGeom>
-                    <a:solidFill>
-                      <a:schemeClr val="bg1">
-                        <a:lumMod val="95000"/>
-                      </a:schemeClr>
-                    </a:solidFill>
-                    <a:ln w="12700" cmpd="sng"/>
-                  </p:spPr>
-                  <p:style>
-                    <a:lnRef idx="2">
-                      <a:schemeClr val="accent1">
-                        <a:shade val="50000"/>
-                      </a:schemeClr>
-                    </a:lnRef>
-                    <a:fillRef idx="1">
-                      <a:schemeClr val="accent1"/>
-                    </a:fillRef>
-                    <a:effectRef idx="0">
-                      <a:schemeClr val="accent1"/>
-                    </a:effectRef>
-                    <a:fontRef idx="minor">
-                      <a:schemeClr val="lt1"/>
-                    </a:fontRef>
-                  </p:style>
-                  <p:txBody>
-                    <a:bodyPr rtlCol="0" anchor="ctr"/>
-                    <a:lstStyle/>
-                    <a:p>
-                      <a:pPr algn="ctr"/>
-                      <a:endParaRPr lang="en-US" sz="1000"/>
-                    </a:p>
-                  </p:txBody>
-                </p:sp>
-                <p:cxnSp>
-                  <p:nvCxnSpPr>
-                    <p:cNvPr id="250" name="Connecteur droit 249"/>
-                    <p:cNvCxnSpPr/>
-                    <p:nvPr/>
-                  </p:nvCxnSpPr>
-                  <p:spPr>
-                    <a:xfrm>
-                      <a:off x="2193137" y="1472603"/>
-                      <a:ext cx="25617" cy="2401494"/>
-                    </a:xfrm>
-                    <a:prstGeom prst="line">
-                      <a:avLst/>
-                    </a:prstGeom>
-                    <a:ln w="12700" cmpd="sng">
-                      <a:solidFill>
-                        <a:schemeClr val="tx1"/>
-                      </a:solidFill>
-                    </a:ln>
-                  </p:spPr>
-                  <p:style>
-                    <a:lnRef idx="2">
-                      <a:schemeClr val="accent1"/>
-                    </a:lnRef>
-                    <a:fillRef idx="0">
-                      <a:schemeClr val="accent1"/>
-                    </a:fillRef>
-                    <a:effectRef idx="1">
-                      <a:schemeClr val="accent1"/>
-                    </a:effectRef>
-                    <a:fontRef idx="minor">
-                      <a:schemeClr val="tx1"/>
-                    </a:fontRef>
-                  </p:style>
-                </p:cxnSp>
-                <p:cxnSp>
-                  <p:nvCxnSpPr>
-                    <p:cNvPr id="251" name="Connecteur droit 250"/>
-                    <p:cNvCxnSpPr/>
-                    <p:nvPr/>
-                  </p:nvCxnSpPr>
-                  <p:spPr>
-                    <a:xfrm>
-                      <a:off x="3408574" y="1472603"/>
-                      <a:ext cx="25617" cy="2401494"/>
-                    </a:xfrm>
-                    <a:prstGeom prst="line">
-                      <a:avLst/>
-                    </a:prstGeom>
-                    <a:ln w="12700" cmpd="sng">
-                      <a:solidFill>
-                        <a:schemeClr val="tx1"/>
-                      </a:solidFill>
-                    </a:ln>
-                  </p:spPr>
-                  <p:style>
-                    <a:lnRef idx="2">
-                      <a:schemeClr val="accent1"/>
-                    </a:lnRef>
-                    <a:fillRef idx="0">
-                      <a:schemeClr val="accent1"/>
-                    </a:fillRef>
-                    <a:effectRef idx="1">
-                      <a:schemeClr val="accent1"/>
-                    </a:effectRef>
-                    <a:fontRef idx="minor">
-                      <a:schemeClr val="tx1"/>
-                    </a:fontRef>
-                  </p:style>
-                </p:cxnSp>
-                <p:cxnSp>
-                  <p:nvCxnSpPr>
-                    <p:cNvPr id="252" name="Connecteur droit 251"/>
-                    <p:cNvCxnSpPr/>
-                    <p:nvPr/>
-                  </p:nvCxnSpPr>
-                  <p:spPr>
-                    <a:xfrm>
-                      <a:off x="4518648" y="1472603"/>
-                      <a:ext cx="25617" cy="2401494"/>
-                    </a:xfrm>
-                    <a:prstGeom prst="line">
-                      <a:avLst/>
-                    </a:prstGeom>
-                    <a:ln w="12700" cmpd="sng">
-                      <a:solidFill>
-                        <a:schemeClr val="tx1"/>
-                      </a:solidFill>
-                    </a:ln>
-                  </p:spPr>
-                  <p:style>
-                    <a:lnRef idx="2">
-                      <a:schemeClr val="accent1"/>
-                    </a:lnRef>
-                    <a:fillRef idx="0">
-                      <a:schemeClr val="accent1"/>
-                    </a:fillRef>
-                    <a:effectRef idx="1">
-                      <a:schemeClr val="accent1"/>
-                    </a:effectRef>
-                    <a:fontRef idx="minor">
-                      <a:schemeClr val="tx1"/>
-                    </a:fontRef>
-                  </p:style>
-                </p:cxnSp>
-                <p:cxnSp>
-                  <p:nvCxnSpPr>
-                    <p:cNvPr id="253" name="Connecteur droit 252"/>
-                    <p:cNvCxnSpPr/>
-                    <p:nvPr/>
-                  </p:nvCxnSpPr>
-                  <p:spPr>
-                    <a:xfrm>
-                      <a:off x="5798056" y="1472603"/>
-                      <a:ext cx="0" cy="2401494"/>
-                    </a:xfrm>
-                    <a:prstGeom prst="line">
-                      <a:avLst/>
-                    </a:prstGeom>
-                    <a:ln w="12700" cmpd="sng">
-                      <a:solidFill>
-                        <a:schemeClr val="tx1"/>
-                      </a:solidFill>
-                    </a:ln>
-                  </p:spPr>
-                  <p:style>
-                    <a:lnRef idx="2">
-                      <a:schemeClr val="accent1"/>
-                    </a:lnRef>
-                    <a:fillRef idx="0">
-                      <a:schemeClr val="accent1"/>
-                    </a:fillRef>
-                    <a:effectRef idx="1">
-                      <a:schemeClr val="accent1"/>
-                    </a:effectRef>
-                    <a:fontRef idx="minor">
-                      <a:schemeClr val="tx1"/>
-                    </a:fontRef>
-                  </p:style>
-                </p:cxnSp>
-                <p:cxnSp>
-                  <p:nvCxnSpPr>
-                    <p:cNvPr id="254" name="Connecteur droit 253"/>
-                    <p:cNvCxnSpPr/>
-                    <p:nvPr/>
-                  </p:nvCxnSpPr>
-                  <p:spPr>
-                    <a:xfrm>
-                      <a:off x="6992796" y="1472603"/>
-                      <a:ext cx="25617" cy="2401494"/>
-                    </a:xfrm>
-                    <a:prstGeom prst="line">
-                      <a:avLst/>
-                    </a:prstGeom>
-                    <a:ln w="12700" cmpd="sng">
-                      <a:solidFill>
-                        <a:schemeClr val="tx1"/>
-                      </a:solidFill>
-                    </a:ln>
-                  </p:spPr>
-                  <p:style>
-                    <a:lnRef idx="2">
-                      <a:schemeClr val="accent1"/>
-                    </a:lnRef>
-                    <a:fillRef idx="0">
-                      <a:schemeClr val="accent1"/>
-                    </a:fillRef>
-                    <a:effectRef idx="1">
-                      <a:schemeClr val="accent1"/>
-                    </a:effectRef>
-                    <a:fontRef idx="minor">
-                      <a:schemeClr val="tx1"/>
-                    </a:fontRef>
-                  </p:style>
-                </p:cxnSp>
-                <p:cxnSp>
-                  <p:nvCxnSpPr>
-                    <p:cNvPr id="255" name="Connecteur droit 254"/>
-                    <p:cNvCxnSpPr>
-                      <a:stCxn id="249" idx="3"/>
-                      <a:endCxn id="249" idx="1"/>
-                    </p:cNvCxnSpPr>
-                    <p:nvPr/>
-                  </p:nvCxnSpPr>
-                  <p:spPr>
-                    <a:xfrm flipH="1">
-                      <a:off x="809037" y="2673350"/>
-                      <a:ext cx="7335426" cy="0"/>
-                    </a:xfrm>
-                    <a:prstGeom prst="line">
-                      <a:avLst/>
-                    </a:prstGeom>
-                    <a:ln w="12700" cmpd="sng">
-                      <a:solidFill>
-                        <a:schemeClr val="tx1"/>
-                      </a:solidFill>
-                    </a:ln>
-                  </p:spPr>
-                  <p:style>
-                    <a:lnRef idx="2">
-                      <a:schemeClr val="accent1"/>
-                    </a:lnRef>
-                    <a:fillRef idx="0">
-                      <a:schemeClr val="accent1"/>
-                    </a:fillRef>
-                    <a:effectRef idx="1">
-                      <a:schemeClr val="accent1"/>
-                    </a:effectRef>
-                    <a:fontRef idx="minor">
-                      <a:schemeClr val="tx1"/>
-                    </a:fontRef>
-                  </p:style>
-                </p:cxnSp>
-              </p:grpSp>
-              <p:grpSp>
-                <p:nvGrpSpPr>
-                  <p:cNvPr id="205" name="Grouper 204"/>
-                  <p:cNvGrpSpPr/>
-                  <p:nvPr/>
-                </p:nvGrpSpPr>
-                <p:grpSpPr>
-                  <a:xfrm>
-                    <a:off x="4248432" y="3591438"/>
-                    <a:ext cx="4392729" cy="255909"/>
-                    <a:chOff x="1154954" y="1968684"/>
-                    <a:chExt cx="6733908" cy="392300"/>
-                  </a:xfrm>
-                </p:grpSpPr>
-                <p:sp>
-                  <p:nvSpPr>
-                    <p:cNvPr id="235" name="Rectangle à coins arrondis 234"/>
-                    <p:cNvSpPr/>
-                    <p:nvPr/>
-                  </p:nvSpPr>
-                  <p:spPr>
-                    <a:xfrm>
-                      <a:off x="1154954" y="1968684"/>
-                      <a:ext cx="795866" cy="392300"/>
-                    </a:xfrm>
-                    <a:prstGeom prst="roundRect">
-                      <a:avLst>
-                        <a:gd name="adj" fmla="val 0"/>
-                      </a:avLst>
-                    </a:prstGeom>
-                    <a:solidFill>
-                      <a:srgbClr val="FFFFFF"/>
-                    </a:solidFill>
-                    <a:ln w="12700" cmpd="sng">
-                      <a:solidFill>
-                        <a:schemeClr val="tx1"/>
-                      </a:solidFill>
-                    </a:ln>
-                  </p:spPr>
-                  <p:style>
-                    <a:lnRef idx="2">
-                      <a:schemeClr val="accent1">
-                        <a:shade val="50000"/>
-                      </a:schemeClr>
-                    </a:lnRef>
-                    <a:fillRef idx="1">
-                      <a:schemeClr val="accent1"/>
-                    </a:fillRef>
-                    <a:effectRef idx="0">
-                      <a:schemeClr val="accent1"/>
-                    </a:effectRef>
-                    <a:fontRef idx="minor">
-                      <a:schemeClr val="lt1"/>
-                    </a:fontRef>
-                  </p:style>
-                  <p:txBody>
-                    <a:bodyPr rtlCol="0" anchor="ctr"/>
-                    <a:lstStyle/>
-                    <a:p>
-                      <a:pPr algn="ctr"/>
-                      <a:endParaRPr lang="en-US" sz="1000"/>
-                    </a:p>
-                  </p:txBody>
-                </p:sp>
-                <p:sp>
-                  <p:nvSpPr>
-                    <p:cNvPr id="236" name="Rectangle à coins arrondis 235"/>
-                    <p:cNvSpPr/>
-                    <p:nvPr/>
-                  </p:nvSpPr>
-                  <p:spPr>
-                    <a:xfrm>
-                      <a:off x="2412865" y="2004035"/>
-                      <a:ext cx="694268" cy="321598"/>
-                    </a:xfrm>
-                    <a:prstGeom prst="roundRect">
-                      <a:avLst>
-                        <a:gd name="adj" fmla="val 50000"/>
-                      </a:avLst>
-                    </a:prstGeom>
-                    <a:solidFill>
-                      <a:schemeClr val="bg1"/>
-                    </a:solidFill>
-                    <a:ln w="12700" cmpd="sng">
-                      <a:solidFill>
-                        <a:schemeClr val="tx1"/>
-                      </a:solidFill>
-                    </a:ln>
-                  </p:spPr>
-                  <p:style>
-                    <a:lnRef idx="2">
-                      <a:schemeClr val="accent1">
-                        <a:shade val="50000"/>
-                      </a:schemeClr>
-                    </a:lnRef>
-                    <a:fillRef idx="1">
-                      <a:schemeClr val="accent1"/>
-                    </a:fillRef>
-                    <a:effectRef idx="0">
-                      <a:schemeClr val="accent1"/>
-                    </a:effectRef>
-                    <a:fontRef idx="minor">
-                      <a:schemeClr val="lt1"/>
-                    </a:fontRef>
-                  </p:style>
-                  <p:txBody>
-                    <a:bodyPr rtlCol="0" anchor="ctr"/>
-                    <a:lstStyle/>
-                    <a:p>
-                      <a:pPr algn="ctr"/>
-                      <a:endParaRPr lang="en-US" sz="1000"/>
-                    </a:p>
-                  </p:txBody>
-                </p:sp>
-                <p:sp>
-                  <p:nvSpPr>
-                    <p:cNvPr id="237" name="Triangle isocèle 236"/>
-                    <p:cNvSpPr/>
-                    <p:nvPr/>
-                  </p:nvSpPr>
-                  <p:spPr>
-                    <a:xfrm rot="10800000">
-                      <a:off x="3780829" y="2016230"/>
-                      <a:ext cx="344762" cy="297208"/>
-                    </a:xfrm>
-                    <a:prstGeom prst="triangle">
-                      <a:avLst/>
-                    </a:prstGeom>
-                    <a:solidFill>
-                      <a:schemeClr val="bg1"/>
-                    </a:solidFill>
-                    <a:ln w="12700" cmpd="sng">
-                      <a:solidFill>
-                        <a:schemeClr val="tx1"/>
-                      </a:solidFill>
-                    </a:ln>
-                  </p:spPr>
-                  <p:style>
-                    <a:lnRef idx="2">
-                      <a:schemeClr val="accent2">
-                        <a:shade val="50000"/>
-                      </a:schemeClr>
-                    </a:lnRef>
-                    <a:fillRef idx="1">
-                      <a:schemeClr val="accent2"/>
-                    </a:fillRef>
-                    <a:effectRef idx="0">
-                      <a:schemeClr val="accent2"/>
-                    </a:effectRef>
-                    <a:fontRef idx="minor">
-                      <a:schemeClr val="lt1"/>
-                    </a:fontRef>
-                  </p:style>
-                  <p:txBody>
-                    <a:bodyPr rtlCol="0" anchor="ctr"/>
-                    <a:lstStyle/>
-                    <a:p>
-                      <a:pPr algn="ctr"/>
-                      <a:endParaRPr lang="en-US" sz="1000"/>
-                    </a:p>
-                  </p:txBody>
-                </p:sp>
-                <p:cxnSp>
-                  <p:nvCxnSpPr>
-                    <p:cNvPr id="238" name="Connecteur droit 237"/>
-                    <p:cNvCxnSpPr/>
-                    <p:nvPr/>
-                  </p:nvCxnSpPr>
-                  <p:spPr>
-                    <a:xfrm>
-                      <a:off x="4907289" y="2164834"/>
-                      <a:ext cx="568028" cy="0"/>
-                    </a:xfrm>
-                    <a:prstGeom prst="line">
-                      <a:avLst/>
-                    </a:prstGeom>
-                    <a:ln w="19050" cmpd="sng">
-                      <a:solidFill>
-                        <a:srgbClr val="526DB0"/>
-                      </a:solidFill>
-                      <a:prstDash val="solid"/>
-                    </a:ln>
-                  </p:spPr>
-                  <p:style>
-                    <a:lnRef idx="2">
-                      <a:schemeClr val="accent1"/>
-                    </a:lnRef>
-                    <a:fillRef idx="0">
-                      <a:schemeClr val="accent1"/>
-                    </a:fillRef>
-                    <a:effectRef idx="1">
-                      <a:schemeClr val="accent1"/>
-                    </a:effectRef>
-                    <a:fontRef idx="minor">
-                      <a:schemeClr val="tx1"/>
-                    </a:fontRef>
-                  </p:style>
-                </p:cxnSp>
-                <p:grpSp>
-                  <p:nvGrpSpPr>
-                    <p:cNvPr id="239" name="Grouper 238"/>
-                    <p:cNvGrpSpPr/>
-                    <p:nvPr/>
-                  </p:nvGrpSpPr>
-                  <p:grpSpPr>
-                    <a:xfrm>
-                      <a:off x="6145383" y="2009739"/>
-                      <a:ext cx="568028" cy="310190"/>
-                      <a:chOff x="4043617" y="3016625"/>
-                      <a:chExt cx="568028" cy="310190"/>
-                    </a:xfrm>
-                  </p:grpSpPr>
-                  <p:cxnSp>
-                    <p:nvCxnSpPr>
-                      <p:cNvPr id="245" name="Connecteur droit 244"/>
-                      <p:cNvCxnSpPr/>
-                      <p:nvPr/>
-                    </p:nvCxnSpPr>
-                    <p:spPr>
-                      <a:xfrm>
-                        <a:off x="4043617" y="3171242"/>
-                        <a:ext cx="568028" cy="0"/>
-                      </a:xfrm>
-                      <a:prstGeom prst="line">
-                        <a:avLst/>
-                      </a:prstGeom>
-                      <a:ln w="12700" cmpd="sng">
-                        <a:solidFill>
-                          <a:schemeClr val="tx1"/>
-                        </a:solidFill>
-                      </a:ln>
-                    </p:spPr>
-                    <p:style>
-                      <a:lnRef idx="2">
-                        <a:schemeClr val="accent1"/>
-                      </a:lnRef>
-                      <a:fillRef idx="0">
-                        <a:schemeClr val="accent1"/>
-                      </a:fillRef>
-                      <a:effectRef idx="1">
-                        <a:schemeClr val="accent1"/>
-                      </a:effectRef>
-                      <a:fontRef idx="minor">
-                        <a:schemeClr val="tx1"/>
-                      </a:fontRef>
-                    </p:style>
-                  </p:cxnSp>
-                  <p:sp>
-                    <p:nvSpPr>
-                      <p:cNvPr id="246" name="Ellipse 245"/>
-                      <p:cNvSpPr/>
-                      <p:nvPr/>
-                    </p:nvSpPr>
-                    <p:spPr>
-                      <a:xfrm>
-                        <a:off x="4285196" y="3016625"/>
-                        <a:ext cx="84871" cy="84871"/>
-                      </a:xfrm>
-                      <a:prstGeom prst="ellipse">
-                        <a:avLst/>
-                      </a:prstGeom>
-                      <a:solidFill>
-                        <a:srgbClr val="000000"/>
-                      </a:solidFill>
-                      <a:ln w="12700" cmpd="sng">
-                        <a:solidFill>
-                          <a:schemeClr val="tx1"/>
-                        </a:solidFill>
-                      </a:ln>
-                    </p:spPr>
-                    <p:style>
-                      <a:lnRef idx="2">
-                        <a:schemeClr val="accent1">
-                          <a:shade val="50000"/>
-                        </a:schemeClr>
-                      </a:lnRef>
-                      <a:fillRef idx="1">
-                        <a:schemeClr val="accent1"/>
-                      </a:fillRef>
-                      <a:effectRef idx="0">
-                        <a:schemeClr val="accent1"/>
-                      </a:effectRef>
-                      <a:fontRef idx="minor">
-                        <a:schemeClr val="lt1"/>
-                      </a:fontRef>
-                    </p:style>
-                    <p:txBody>
-                      <a:bodyPr rtlCol="0" anchor="ctr"/>
-                      <a:lstStyle/>
-                      <a:p>
-                        <a:pPr algn="ctr"/>
-                        <a:endParaRPr lang="en-US" sz="200"/>
-                      </a:p>
-                    </p:txBody>
-                  </p:sp>
-                  <p:sp>
-                    <p:nvSpPr>
-                      <p:cNvPr id="247" name="Ellipse 246"/>
-                      <p:cNvSpPr/>
-                      <p:nvPr/>
-                    </p:nvSpPr>
-                    <p:spPr>
-                      <a:xfrm>
-                        <a:off x="4148671" y="3241944"/>
-                        <a:ext cx="84871" cy="84871"/>
-                      </a:xfrm>
-                      <a:prstGeom prst="ellipse">
-                        <a:avLst/>
-                      </a:prstGeom>
-                      <a:solidFill>
-                        <a:srgbClr val="000000"/>
-                      </a:solidFill>
-                      <a:ln w="12700" cmpd="sng">
-                        <a:solidFill>
-                          <a:schemeClr val="tx1"/>
-                        </a:solidFill>
-                      </a:ln>
-                    </p:spPr>
-                    <p:style>
-                      <a:lnRef idx="2">
-                        <a:schemeClr val="accent1">
-                          <a:shade val="50000"/>
-                        </a:schemeClr>
-                      </a:lnRef>
-                      <a:fillRef idx="1">
-                        <a:schemeClr val="accent1"/>
-                      </a:fillRef>
-                      <a:effectRef idx="0">
-                        <a:schemeClr val="accent1"/>
-                      </a:effectRef>
-                      <a:fontRef idx="minor">
-                        <a:schemeClr val="lt1"/>
-                      </a:fontRef>
-                    </p:style>
-                    <p:txBody>
-                      <a:bodyPr rtlCol="0" anchor="ctr"/>
-                      <a:lstStyle/>
-                      <a:p>
-                        <a:pPr algn="ctr"/>
-                        <a:endParaRPr lang="en-US" sz="200"/>
-                      </a:p>
-                    </p:txBody>
-                  </p:sp>
-                  <p:sp>
-                    <p:nvSpPr>
-                      <p:cNvPr id="248" name="Ellipse 247"/>
-                      <p:cNvSpPr/>
-                      <p:nvPr/>
-                    </p:nvSpPr>
-                    <p:spPr>
-                      <a:xfrm>
-                        <a:off x="4421721" y="3241944"/>
-                        <a:ext cx="84871" cy="84871"/>
-                      </a:xfrm>
-                      <a:prstGeom prst="ellipse">
-                        <a:avLst/>
-                      </a:prstGeom>
-                      <a:solidFill>
-                        <a:srgbClr val="000000"/>
-                      </a:solidFill>
-                      <a:ln w="12700" cmpd="sng">
-                        <a:solidFill>
-                          <a:schemeClr val="tx1"/>
-                        </a:solidFill>
-                      </a:ln>
-                    </p:spPr>
-                    <p:style>
-                      <a:lnRef idx="2">
-                        <a:schemeClr val="accent1">
-                          <a:shade val="50000"/>
-                        </a:schemeClr>
-                      </a:lnRef>
-                      <a:fillRef idx="1">
-                        <a:schemeClr val="accent1"/>
-                      </a:fillRef>
-                      <a:effectRef idx="0">
-                        <a:schemeClr val="accent1"/>
-                      </a:effectRef>
-                      <a:fontRef idx="minor">
-                        <a:schemeClr val="lt1"/>
-                      </a:fontRef>
-                    </p:style>
-                    <p:txBody>
-                      <a:bodyPr rtlCol="0" anchor="ctr"/>
-                      <a:lstStyle/>
-                      <a:p>
-                        <a:pPr algn="ctr"/>
-                        <a:endParaRPr lang="en-US" sz="200"/>
-                      </a:p>
-                    </p:txBody>
-                  </p:sp>
-                </p:grpSp>
-                <p:grpSp>
-                  <p:nvGrpSpPr>
-                    <p:cNvPr id="240" name="Grouper 239"/>
-                    <p:cNvGrpSpPr/>
-                    <p:nvPr/>
-                  </p:nvGrpSpPr>
-                  <p:grpSpPr>
-                    <a:xfrm>
-                      <a:off x="7302915" y="2009739"/>
-                      <a:ext cx="585947" cy="310190"/>
-                      <a:chOff x="4726306" y="3016625"/>
-                      <a:chExt cx="585947" cy="310190"/>
-                    </a:xfrm>
-                  </p:grpSpPr>
-                  <p:sp>
-                    <p:nvSpPr>
-                      <p:cNvPr id="241" name="Triangle isocèle 240"/>
-                      <p:cNvSpPr/>
-                      <p:nvPr/>
-                    </p:nvSpPr>
-                    <p:spPr>
-                      <a:xfrm>
-                        <a:off x="4726306" y="3106933"/>
-                        <a:ext cx="585947" cy="119135"/>
-                      </a:xfrm>
-                      <a:prstGeom prst="triangle">
-                        <a:avLst/>
-                      </a:prstGeom>
-                      <a:solidFill>
-                        <a:schemeClr val="bg1"/>
-                      </a:solidFill>
-                      <a:ln w="12700" cmpd="sng">
-                        <a:solidFill>
-                          <a:srgbClr val="000000"/>
-                        </a:solidFill>
-                      </a:ln>
-                    </p:spPr>
-                    <p:style>
-                      <a:lnRef idx="2">
-                        <a:schemeClr val="accent2">
-                          <a:shade val="50000"/>
-                        </a:schemeClr>
-                      </a:lnRef>
-                      <a:fillRef idx="1">
-                        <a:schemeClr val="accent2"/>
-                      </a:fillRef>
-                      <a:effectRef idx="0">
-                        <a:schemeClr val="accent2"/>
-                      </a:effectRef>
-                      <a:fontRef idx="minor">
-                        <a:schemeClr val="lt1"/>
-                      </a:fontRef>
-                    </p:style>
-                    <p:txBody>
-                      <a:bodyPr rtlCol="0" anchor="ctr"/>
-                      <a:lstStyle/>
-                      <a:p>
-                        <a:pPr algn="ctr"/>
-                        <a:endParaRPr lang="en-US" sz="1000"/>
-                      </a:p>
-                    </p:txBody>
-                  </p:sp>
-                  <p:sp>
-                    <p:nvSpPr>
-                      <p:cNvPr id="242" name="Ellipse 241"/>
-                      <p:cNvSpPr/>
-                      <p:nvPr/>
-                    </p:nvSpPr>
-                    <p:spPr>
-                      <a:xfrm>
-                        <a:off x="4976844" y="3016625"/>
-                        <a:ext cx="84871" cy="84871"/>
-                      </a:xfrm>
-                      <a:prstGeom prst="ellipse">
-                        <a:avLst/>
-                      </a:prstGeom>
-                      <a:solidFill>
-                        <a:srgbClr val="000000"/>
-                      </a:solidFill>
-                      <a:ln w="12700" cmpd="sng">
-                        <a:solidFill>
-                          <a:schemeClr val="tx1"/>
-                        </a:solidFill>
-                      </a:ln>
-                    </p:spPr>
-                    <p:style>
-                      <a:lnRef idx="2">
-                        <a:schemeClr val="accent1">
-                          <a:shade val="50000"/>
-                        </a:schemeClr>
-                      </a:lnRef>
-                      <a:fillRef idx="1">
-                        <a:schemeClr val="accent1"/>
-                      </a:fillRef>
-                      <a:effectRef idx="0">
-                        <a:schemeClr val="accent1"/>
-                      </a:effectRef>
-                      <a:fontRef idx="minor">
-                        <a:schemeClr val="lt1"/>
-                      </a:fontRef>
-                    </p:style>
-                    <p:txBody>
-                      <a:bodyPr rtlCol="0" anchor="ctr"/>
-                      <a:lstStyle/>
-                      <a:p>
-                        <a:pPr algn="ctr"/>
-                        <a:endParaRPr lang="en-US" sz="200"/>
-                      </a:p>
-                    </p:txBody>
-                  </p:sp>
-                  <p:sp>
-                    <p:nvSpPr>
-                      <p:cNvPr id="243" name="Ellipse 242"/>
-                      <p:cNvSpPr/>
-                      <p:nvPr/>
-                    </p:nvSpPr>
-                    <p:spPr>
-                      <a:xfrm>
-                        <a:off x="4840319" y="3241944"/>
-                        <a:ext cx="84871" cy="84871"/>
-                      </a:xfrm>
-                      <a:prstGeom prst="ellipse">
-                        <a:avLst/>
-                      </a:prstGeom>
-                      <a:solidFill>
-                        <a:srgbClr val="000000"/>
-                      </a:solidFill>
-                      <a:ln w="12700" cmpd="sng">
-                        <a:solidFill>
-                          <a:schemeClr val="tx1"/>
-                        </a:solidFill>
-                      </a:ln>
-                    </p:spPr>
-                    <p:style>
-                      <a:lnRef idx="2">
-                        <a:schemeClr val="accent1">
-                          <a:shade val="50000"/>
-                        </a:schemeClr>
-                      </a:lnRef>
-                      <a:fillRef idx="1">
-                        <a:schemeClr val="accent1"/>
-                      </a:fillRef>
-                      <a:effectRef idx="0">
-                        <a:schemeClr val="accent1"/>
-                      </a:effectRef>
-                      <a:fontRef idx="minor">
-                        <a:schemeClr val="lt1"/>
-                      </a:fontRef>
-                    </p:style>
-                    <p:txBody>
-                      <a:bodyPr rtlCol="0" anchor="ctr"/>
-                      <a:lstStyle/>
-                      <a:p>
-                        <a:pPr algn="ctr"/>
-                        <a:endParaRPr lang="en-US" sz="200"/>
-                      </a:p>
-                    </p:txBody>
-                  </p:sp>
-                  <p:sp>
-                    <p:nvSpPr>
-                      <p:cNvPr id="244" name="Ellipse 243"/>
-                      <p:cNvSpPr/>
-                      <p:nvPr/>
-                    </p:nvSpPr>
-                    <p:spPr>
-                      <a:xfrm>
-                        <a:off x="5113369" y="3241944"/>
-                        <a:ext cx="84871" cy="84871"/>
-                      </a:xfrm>
-                      <a:prstGeom prst="ellipse">
-                        <a:avLst/>
-                      </a:prstGeom>
-                      <a:solidFill>
-                        <a:srgbClr val="000000"/>
-                      </a:solidFill>
-                      <a:ln w="12700" cmpd="sng">
-                        <a:solidFill>
-                          <a:schemeClr val="tx1"/>
-                        </a:solidFill>
-                      </a:ln>
-                    </p:spPr>
-                    <p:style>
-                      <a:lnRef idx="2">
-                        <a:schemeClr val="accent1">
-                          <a:shade val="50000"/>
-                        </a:schemeClr>
-                      </a:lnRef>
-                      <a:fillRef idx="1">
-                        <a:schemeClr val="accent1"/>
-                      </a:fillRef>
-                      <a:effectRef idx="0">
-                        <a:schemeClr val="accent1"/>
-                      </a:effectRef>
-                      <a:fontRef idx="minor">
-                        <a:schemeClr val="lt1"/>
-                      </a:fontRef>
-                    </p:style>
-                    <p:txBody>
-                      <a:bodyPr rtlCol="0" anchor="ctr"/>
-                      <a:lstStyle/>
-                      <a:p>
-                        <a:pPr algn="ctr"/>
-                        <a:endParaRPr lang="en-US" sz="200"/>
-                      </a:p>
-                    </p:txBody>
-                  </p:sp>
-                </p:grpSp>
-              </p:grpSp>
-              <p:grpSp>
-                <p:nvGrpSpPr>
-                  <p:cNvPr id="206" name="Grouper 205"/>
-                  <p:cNvGrpSpPr/>
-                  <p:nvPr/>
-                </p:nvGrpSpPr>
-                <p:grpSpPr>
-                  <a:xfrm>
-                    <a:off x="4211980" y="4390249"/>
-                    <a:ext cx="4472318" cy="342477"/>
-                    <a:chOff x="1099074" y="3277757"/>
-                    <a:chExt cx="6855916" cy="525006"/>
-                  </a:xfrm>
-                </p:grpSpPr>
-                <p:grpSp>
-                  <p:nvGrpSpPr>
-                    <p:cNvPr id="221" name="Grouper 220"/>
-                    <p:cNvGrpSpPr/>
-                    <p:nvPr/>
-                  </p:nvGrpSpPr>
-                  <p:grpSpPr>
-                    <a:xfrm>
-                      <a:off x="1099074" y="3277757"/>
-                      <a:ext cx="907626" cy="525006"/>
-                      <a:chOff x="1244601" y="3816148"/>
-                      <a:chExt cx="907626" cy="525006"/>
-                    </a:xfrm>
-                    <a:solidFill>
-                      <a:srgbClr val="FFFFFF"/>
-                    </a:solidFill>
-                  </p:grpSpPr>
-                  <p:sp>
-                    <p:nvSpPr>
-                      <p:cNvPr id="232" name="Rectangle à coins arrondis 231"/>
-                      <p:cNvSpPr/>
-                      <p:nvPr/>
-                    </p:nvSpPr>
-                    <p:spPr>
-                      <a:xfrm>
-                        <a:off x="1356361" y="3816148"/>
-                        <a:ext cx="795866" cy="392300"/>
-                      </a:xfrm>
-                      <a:prstGeom prst="roundRect">
-                        <a:avLst>
-                          <a:gd name="adj" fmla="val 0"/>
-                        </a:avLst>
-                      </a:prstGeom>
-                      <a:grpFill/>
-                      <a:ln w="12700" cmpd="sng">
-                        <a:solidFill>
-                          <a:schemeClr val="tx1"/>
-                        </a:solidFill>
-                      </a:ln>
-                    </p:spPr>
-                    <p:style>
-                      <a:lnRef idx="2">
-                        <a:schemeClr val="accent1">
-                          <a:shade val="50000"/>
-                        </a:schemeClr>
-                      </a:lnRef>
-                      <a:fillRef idx="1">
-                        <a:schemeClr val="accent1"/>
-                      </a:fillRef>
-                      <a:effectRef idx="0">
-                        <a:schemeClr val="accent1"/>
-                      </a:effectRef>
-                      <a:fontRef idx="minor">
-                        <a:schemeClr val="lt1"/>
-                      </a:fontRef>
-                    </p:style>
-                    <p:txBody>
-                      <a:bodyPr rtlCol="0" anchor="ctr"/>
-                      <a:lstStyle/>
-                      <a:p>
-                        <a:pPr algn="ctr"/>
-                        <a:endParaRPr lang="en-US" sz="1000"/>
-                      </a:p>
-                    </p:txBody>
-                  </p:sp>
-                  <p:sp>
-                    <p:nvSpPr>
-                      <p:cNvPr id="233" name="Rectangle à coins arrondis 232"/>
-                      <p:cNvSpPr/>
-                      <p:nvPr/>
-                    </p:nvSpPr>
-                    <p:spPr>
-                      <a:xfrm>
-                        <a:off x="1300481" y="3882501"/>
-                        <a:ext cx="795866" cy="392300"/>
-                      </a:xfrm>
-                      <a:prstGeom prst="roundRect">
-                        <a:avLst>
-                          <a:gd name="adj" fmla="val 0"/>
-                        </a:avLst>
-                      </a:prstGeom>
-                      <a:grpFill/>
-                      <a:ln w="12700" cmpd="sng">
-                        <a:solidFill>
-                          <a:schemeClr val="tx1"/>
-                        </a:solidFill>
-                      </a:ln>
-                    </p:spPr>
-                    <p:style>
-                      <a:lnRef idx="2">
-                        <a:schemeClr val="accent1">
-                          <a:shade val="50000"/>
-                        </a:schemeClr>
-                      </a:lnRef>
-                      <a:fillRef idx="1">
-                        <a:schemeClr val="accent1"/>
-                      </a:fillRef>
-                      <a:effectRef idx="0">
-                        <a:schemeClr val="accent1"/>
-                      </a:effectRef>
-                      <a:fontRef idx="minor">
-                        <a:schemeClr val="lt1"/>
-                      </a:fontRef>
-                    </p:style>
-                    <p:txBody>
-                      <a:bodyPr rtlCol="0" anchor="ctr"/>
-                      <a:lstStyle/>
-                      <a:p>
-                        <a:pPr algn="ctr"/>
-                        <a:endParaRPr lang="en-US" sz="1000"/>
-                      </a:p>
-                    </p:txBody>
-                  </p:sp>
-                  <p:sp>
-                    <p:nvSpPr>
-                      <p:cNvPr id="234" name="Rectangle à coins arrondis 233"/>
-                      <p:cNvSpPr/>
-                      <p:nvPr/>
-                    </p:nvSpPr>
-                    <p:spPr>
-                      <a:xfrm>
-                        <a:off x="1244601" y="3948854"/>
-                        <a:ext cx="795866" cy="392300"/>
-                      </a:xfrm>
-                      <a:prstGeom prst="roundRect">
-                        <a:avLst>
-                          <a:gd name="adj" fmla="val 0"/>
-                        </a:avLst>
-                      </a:prstGeom>
-                      <a:grpFill/>
-                      <a:ln w="12700" cmpd="sng">
-                        <a:solidFill>
-                          <a:schemeClr val="tx1"/>
-                        </a:solidFill>
-                      </a:ln>
-                    </p:spPr>
-                    <p:style>
-                      <a:lnRef idx="2">
-                        <a:schemeClr val="accent1">
-                          <a:shade val="50000"/>
-                        </a:schemeClr>
-                      </a:lnRef>
-                      <a:fillRef idx="1">
-                        <a:schemeClr val="accent1"/>
-                      </a:fillRef>
-                      <a:effectRef idx="0">
-                        <a:schemeClr val="accent1"/>
-                      </a:effectRef>
-                      <a:fontRef idx="minor">
-                        <a:schemeClr val="lt1"/>
-                      </a:fontRef>
-                    </p:style>
-                    <p:txBody>
-                      <a:bodyPr rtlCol="0" anchor="ctr"/>
-                      <a:lstStyle/>
-                      <a:p>
-                        <a:pPr algn="ctr"/>
-                        <a:endParaRPr lang="en-US" sz="1000"/>
-                      </a:p>
-                    </p:txBody>
-                  </p:sp>
-                </p:grpSp>
-                <p:sp>
-                  <p:nvSpPr>
-                    <p:cNvPr id="222" name="Rectangle à coins arrondis 221"/>
-                    <p:cNvSpPr/>
-                    <p:nvPr/>
-                  </p:nvSpPr>
-                  <p:spPr>
-                    <a:xfrm>
-                      <a:off x="2362066" y="3351882"/>
-                      <a:ext cx="795867" cy="407054"/>
-                    </a:xfrm>
-                    <a:prstGeom prst="roundRect">
-                      <a:avLst>
-                        <a:gd name="adj" fmla="val 16326"/>
-                      </a:avLst>
-                    </a:prstGeom>
-                    <a:solidFill>
-                      <a:schemeClr val="bg1"/>
-                    </a:solidFill>
-                    <a:ln w="12700" cmpd="sng">
-                      <a:solidFill>
-                        <a:schemeClr val="tx1"/>
-                      </a:solidFill>
-                    </a:ln>
-                  </p:spPr>
-                  <p:style>
-                    <a:lnRef idx="2">
-                      <a:schemeClr val="accent1">
-                        <a:shade val="50000"/>
-                      </a:schemeClr>
-                    </a:lnRef>
-                    <a:fillRef idx="1">
-                      <a:schemeClr val="accent1"/>
-                    </a:fillRef>
-                    <a:effectRef idx="0">
-                      <a:schemeClr val="accent1"/>
-                    </a:effectRef>
-                    <a:fontRef idx="minor">
-                      <a:schemeClr val="lt1"/>
-                    </a:fontRef>
-                  </p:style>
-                  <p:txBody>
-                    <a:bodyPr rtlCol="0" anchor="ctr"/>
-                    <a:lstStyle/>
-                    <a:p>
-                      <a:pPr algn="ctr"/>
-                      <a:endParaRPr lang="en-US" sz="1000"/>
-                    </a:p>
-                  </p:txBody>
-                </p:sp>
-                <p:grpSp>
-                  <p:nvGrpSpPr>
-                    <p:cNvPr id="223" name="Grouper 222"/>
-                    <p:cNvGrpSpPr/>
-                    <p:nvPr/>
-                  </p:nvGrpSpPr>
-                  <p:grpSpPr>
-                    <a:xfrm>
-                      <a:off x="3808659" y="3410859"/>
-                      <a:ext cx="289101" cy="289101"/>
-                      <a:chOff x="3927155" y="3532577"/>
-                      <a:chExt cx="289101" cy="289101"/>
-                    </a:xfrm>
-                  </p:grpSpPr>
-                  <p:sp>
-                    <p:nvSpPr>
-                      <p:cNvPr id="230" name="Ellipse 229"/>
-                      <p:cNvSpPr/>
-                      <p:nvPr/>
-                    </p:nvSpPr>
-                    <p:spPr>
-                      <a:xfrm>
-                        <a:off x="3927155" y="3532577"/>
-                        <a:ext cx="289101" cy="289101"/>
-                      </a:xfrm>
-                      <a:prstGeom prst="ellipse">
-                        <a:avLst/>
-                      </a:prstGeom>
-                      <a:solidFill>
-                        <a:schemeClr val="accent5"/>
-                      </a:solidFill>
-                      <a:ln w="12700" cmpd="sng">
-                        <a:solidFill>
-                          <a:srgbClr val="000000"/>
-                        </a:solidFill>
-                      </a:ln>
-                    </p:spPr>
-                    <p:style>
-                      <a:lnRef idx="2">
-                        <a:schemeClr val="accent1">
-                          <a:shade val="50000"/>
-                        </a:schemeClr>
-                      </a:lnRef>
-                      <a:fillRef idx="1">
-                        <a:schemeClr val="accent1"/>
-                      </a:fillRef>
-                      <a:effectRef idx="0">
-                        <a:schemeClr val="accent1"/>
-                      </a:effectRef>
-                      <a:fontRef idx="minor">
-                        <a:schemeClr val="lt1"/>
-                      </a:fontRef>
-                    </p:style>
-                    <p:txBody>
-                      <a:bodyPr rtlCol="0" anchor="ctr"/>
-                      <a:lstStyle/>
-                      <a:p>
-                        <a:pPr algn="ctr"/>
-                        <a:endParaRPr lang="en-US" sz="200"/>
-                      </a:p>
-                    </p:txBody>
-                  </p:sp>
-                  <p:sp>
-                    <p:nvSpPr>
-                      <p:cNvPr id="231" name="Ellipse 230"/>
-                      <p:cNvSpPr/>
-                      <p:nvPr/>
-                    </p:nvSpPr>
-                    <p:spPr>
-                      <a:xfrm>
-                        <a:off x="4029270" y="3634692"/>
-                        <a:ext cx="84871" cy="84871"/>
-                      </a:xfrm>
-                      <a:prstGeom prst="ellipse">
-                        <a:avLst/>
-                      </a:prstGeom>
-                      <a:solidFill>
-                        <a:srgbClr val="000000"/>
-                      </a:solidFill>
-                      <a:ln w="12700" cmpd="sng">
-                        <a:solidFill>
-                          <a:schemeClr val="tx1"/>
-                        </a:solidFill>
-                      </a:ln>
-                    </p:spPr>
-                    <p:style>
-                      <a:lnRef idx="2">
-                        <a:schemeClr val="accent1">
-                          <a:shade val="50000"/>
-                        </a:schemeClr>
-                      </a:lnRef>
-                      <a:fillRef idx="1">
-                        <a:schemeClr val="accent1"/>
-                      </a:fillRef>
-                      <a:effectRef idx="0">
-                        <a:schemeClr val="accent1"/>
-                      </a:effectRef>
-                      <a:fontRef idx="minor">
-                        <a:schemeClr val="lt1"/>
-                      </a:fontRef>
-                    </p:style>
-                    <p:txBody>
-                      <a:bodyPr rtlCol="0" anchor="ctr"/>
-                      <a:lstStyle/>
-                      <a:p>
-                        <a:pPr algn="ctr"/>
-                        <a:endParaRPr lang="en-US" sz="200"/>
-                      </a:p>
-                    </p:txBody>
-                  </p:sp>
-                </p:grpSp>
-                <p:cxnSp>
-                  <p:nvCxnSpPr>
-                    <p:cNvPr id="224" name="Connecteur droit 223"/>
-                    <p:cNvCxnSpPr/>
-                    <p:nvPr/>
-                  </p:nvCxnSpPr>
-                  <p:spPr>
-                    <a:xfrm>
-                      <a:off x="4907289" y="3555409"/>
-                      <a:ext cx="568028" cy="0"/>
-                    </a:xfrm>
-                    <a:prstGeom prst="line">
-                      <a:avLst/>
-                    </a:prstGeom>
-                    <a:ln w="19050" cmpd="sng">
-                      <a:solidFill>
-                        <a:schemeClr val="tx1"/>
-                      </a:solidFill>
-                      <a:prstDash val="sysDash"/>
-                    </a:ln>
-                  </p:spPr>
-                  <p:style>
-                    <a:lnRef idx="2">
-                      <a:schemeClr val="accent1"/>
-                    </a:lnRef>
-                    <a:fillRef idx="0">
-                      <a:schemeClr val="accent1"/>
-                    </a:fillRef>
-                    <a:effectRef idx="1">
-                      <a:schemeClr val="accent1"/>
-                    </a:effectRef>
-                    <a:fontRef idx="minor">
-                      <a:schemeClr val="tx1"/>
-                    </a:fontRef>
-                  </p:style>
-                </p:cxnSp>
-                <p:grpSp>
-                  <p:nvGrpSpPr>
-                    <p:cNvPr id="225" name="Grouper 224"/>
-                    <p:cNvGrpSpPr/>
-                    <p:nvPr/>
-                  </p:nvGrpSpPr>
-                  <p:grpSpPr>
-                    <a:xfrm>
-                      <a:off x="6226163" y="3352175"/>
-                      <a:ext cx="406468" cy="406468"/>
-                      <a:chOff x="5279957" y="4005457"/>
-                      <a:chExt cx="476318" cy="476318"/>
-                    </a:xfrm>
-                  </p:grpSpPr>
-                  <p:sp>
-                    <p:nvSpPr>
-                      <p:cNvPr id="227" name="Ellipse 226"/>
-                      <p:cNvSpPr/>
-                      <p:nvPr/>
-                    </p:nvSpPr>
-                    <p:spPr>
-                      <a:xfrm>
-                        <a:off x="5279957" y="4005457"/>
-                        <a:ext cx="476318" cy="476318"/>
-                      </a:xfrm>
-                      <a:prstGeom prst="ellipse">
-                        <a:avLst/>
-                      </a:prstGeom>
-                      <a:noFill/>
-                      <a:ln w="12700" cmpd="sng">
-                        <a:solidFill>
-                          <a:srgbClr val="000000"/>
-                        </a:solidFill>
-                      </a:ln>
-                    </p:spPr>
-                    <p:style>
-                      <a:lnRef idx="2">
-                        <a:schemeClr val="accent1">
-                          <a:shade val="50000"/>
-                        </a:schemeClr>
-                      </a:lnRef>
-                      <a:fillRef idx="1">
-                        <a:schemeClr val="accent1"/>
-                      </a:fillRef>
-                      <a:effectRef idx="0">
-                        <a:schemeClr val="accent1"/>
-                      </a:effectRef>
-                      <a:fontRef idx="minor">
-                        <a:schemeClr val="lt1"/>
-                      </a:fontRef>
-                    </p:style>
-                    <p:txBody>
-                      <a:bodyPr rtlCol="0" anchor="ctr"/>
-                      <a:lstStyle/>
-                      <a:p>
-                        <a:pPr algn="ctr"/>
-                        <a:endParaRPr lang="en-US" sz="200"/>
-                      </a:p>
-                    </p:txBody>
-                  </p:sp>
-                  <p:sp>
-                    <p:nvSpPr>
-                      <p:cNvPr id="228" name="Ellipse 227"/>
-                      <p:cNvSpPr/>
-                      <p:nvPr/>
-                    </p:nvSpPr>
-                    <p:spPr>
-                      <a:xfrm>
-                        <a:off x="5348725" y="4074225"/>
-                        <a:ext cx="338782" cy="338782"/>
-                      </a:xfrm>
-                      <a:prstGeom prst="ellipse">
-                        <a:avLst/>
-                      </a:prstGeom>
-                      <a:solidFill>
-                        <a:schemeClr val="accent5"/>
-                      </a:solidFill>
-                      <a:ln w="12700" cmpd="sng">
-                        <a:solidFill>
-                          <a:srgbClr val="000000"/>
-                        </a:solidFill>
-                      </a:ln>
-                    </p:spPr>
-                    <p:style>
-                      <a:lnRef idx="2">
-                        <a:schemeClr val="accent1">
-                          <a:shade val="50000"/>
-                        </a:schemeClr>
-                      </a:lnRef>
-                      <a:fillRef idx="1">
-                        <a:schemeClr val="accent1"/>
-                      </a:fillRef>
-                      <a:effectRef idx="0">
-                        <a:schemeClr val="accent1"/>
-                      </a:effectRef>
-                      <a:fontRef idx="minor">
-                        <a:schemeClr val="lt1"/>
-                      </a:fontRef>
-                    </p:style>
-                    <p:txBody>
-                      <a:bodyPr rtlCol="0" anchor="ctr"/>
-                      <a:lstStyle/>
-                      <a:p>
-                        <a:pPr algn="ctr"/>
-                        <a:endParaRPr lang="en-US" sz="200"/>
-                      </a:p>
-                    </p:txBody>
-                  </p:sp>
-                  <p:sp>
-                    <p:nvSpPr>
-                      <p:cNvPr id="229" name="Ellipse 228"/>
-                      <p:cNvSpPr/>
-                      <p:nvPr/>
-                    </p:nvSpPr>
-                    <p:spPr>
-                      <a:xfrm>
-                        <a:off x="5468388" y="4193888"/>
-                        <a:ext cx="99456" cy="99456"/>
-                      </a:xfrm>
-                      <a:prstGeom prst="ellipse">
-                        <a:avLst/>
-                      </a:prstGeom>
-                      <a:solidFill>
-                        <a:srgbClr val="000000"/>
-                      </a:solidFill>
-                      <a:ln w="12700" cmpd="sng">
-                        <a:solidFill>
-                          <a:schemeClr val="tx1"/>
-                        </a:solidFill>
-                      </a:ln>
-                    </p:spPr>
-                    <p:style>
-                      <a:lnRef idx="2">
-                        <a:schemeClr val="accent1">
-                          <a:shade val="50000"/>
-                        </a:schemeClr>
-                      </a:lnRef>
-                      <a:fillRef idx="1">
-                        <a:schemeClr val="accent1"/>
-                      </a:fillRef>
-                      <a:effectRef idx="0">
-                        <a:schemeClr val="accent1"/>
-                      </a:effectRef>
-                      <a:fontRef idx="minor">
-                        <a:schemeClr val="lt1"/>
-                      </a:fontRef>
-                    </p:style>
-                    <p:txBody>
-                      <a:bodyPr rtlCol="0" anchor="ctr"/>
-                      <a:lstStyle/>
-                      <a:p>
-                        <a:pPr algn="ctr"/>
-                        <a:endParaRPr lang="en-US" sz="200"/>
-                      </a:p>
-                    </p:txBody>
-                  </p:sp>
-                </p:grpSp>
-                <p:sp>
-                  <p:nvSpPr>
-                    <p:cNvPr id="226" name="ZoneTexte 225"/>
-                    <p:cNvSpPr txBox="1"/>
-                    <p:nvPr/>
-                  </p:nvSpPr>
-                  <p:spPr>
-                    <a:xfrm>
-                      <a:off x="7264185" y="3370744"/>
-                      <a:ext cx="690805" cy="377449"/>
-                    </a:xfrm>
-                    <a:prstGeom prst="rect">
-                      <a:avLst/>
-                    </a:prstGeom>
-                    <a:noFill/>
-                    <a:ln w="12700" cmpd="sng">
-                      <a:noFill/>
-                    </a:ln>
-                  </p:spPr>
-                  <p:txBody>
-                    <a:bodyPr wrap="none" rtlCol="0">
-                      <a:spAutoFit/>
-                    </a:bodyPr>
-                    <a:lstStyle/>
-                    <a:p>
-                      <a:r>
-                        <a:rPr lang="en-US" sz="1000" dirty="0" smtClean="0">
-                          <a:latin typeface="Helvetica Neue"/>
-                          <a:cs typeface="Helvetica Neue"/>
-                        </a:rPr>
-                        <a:t>[ … ]</a:t>
-                      </a:r>
-                      <a:endParaRPr lang="en-US" sz="1000" dirty="0">
-                        <a:latin typeface="Helvetica Neue"/>
-                        <a:cs typeface="Helvetica Neue"/>
-                      </a:endParaRPr>
-                    </a:p>
-                  </p:txBody>
-                </p:sp>
-              </p:grpSp>
-            </p:grpSp>
-            <p:grpSp>
-              <p:nvGrpSpPr>
-                <p:cNvPr id="256" name="Grouper 255"/>
-                <p:cNvGrpSpPr/>
-                <p:nvPr/>
-              </p:nvGrpSpPr>
-              <p:grpSpPr>
-                <a:xfrm>
-                  <a:off x="762659" y="3181302"/>
-                  <a:ext cx="4453709" cy="338554"/>
-                  <a:chOff x="4281030" y="3218428"/>
-                  <a:chExt cx="4453709" cy="338554"/>
-                </a:xfrm>
-              </p:grpSpPr>
-              <p:sp>
-                <p:nvSpPr>
-                  <p:cNvPr id="215" name="ZoneTexte 214"/>
-                  <p:cNvSpPr txBox="1"/>
-                  <p:nvPr/>
-                </p:nvSpPr>
-                <p:spPr>
-                  <a:xfrm>
-                    <a:off x="4281030" y="3279983"/>
-                    <a:ext cx="453970" cy="215444"/>
-                  </a:xfrm>
-                  <a:prstGeom prst="rect">
-                    <a:avLst/>
-                  </a:prstGeom>
-                  <a:noFill/>
-                </p:spPr>
-                <p:txBody>
-                  <a:bodyPr wrap="none" rtlCol="0" anchor="ctr">
-                    <a:spAutoFit/>
-                  </a:bodyPr>
-                  <a:lstStyle/>
-                  <a:p>
-                    <a:pPr algn="ctr"/>
-                    <a:r>
-                      <a:rPr lang="en-US" sz="800" b="1" dirty="0" smtClean="0">
-                        <a:latin typeface="Helvetica Neue"/>
-                        <a:cs typeface="Helvetica Neue"/>
-                      </a:rPr>
-                      <a:t>Actor</a:t>
-                    </a:r>
-                    <a:endParaRPr lang="en-US" sz="800" b="1" dirty="0">
-                      <a:latin typeface="Helvetica Neue"/>
-                      <a:cs typeface="Helvetica Neue"/>
-                    </a:endParaRPr>
-                  </a:p>
-                </p:txBody>
-              </p:sp>
-              <p:sp>
-                <p:nvSpPr>
-                  <p:cNvPr id="216" name="ZoneTexte 215"/>
-                  <p:cNvSpPr txBox="1"/>
-                  <p:nvPr/>
-                </p:nvSpPr>
-                <p:spPr>
-                  <a:xfrm>
-                    <a:off x="4984702" y="3218428"/>
-                    <a:ext cx="621495" cy="338554"/>
-                  </a:xfrm>
-                  <a:prstGeom prst="rect">
-                    <a:avLst/>
-                  </a:prstGeom>
-                  <a:noFill/>
-                </p:spPr>
-                <p:txBody>
-                  <a:bodyPr wrap="none" rtlCol="0" anchor="ctr">
-                    <a:spAutoFit/>
-                  </a:bodyPr>
-                  <a:lstStyle/>
-                  <a:p>
-                    <a:pPr algn="ctr"/>
-                    <a:r>
-                      <a:rPr lang="en-US" sz="800" dirty="0" smtClean="0">
-                        <a:latin typeface="Helvetica Neue"/>
-                        <a:cs typeface="Helvetica Neue"/>
-                      </a:rPr>
-                      <a:t>Value </a:t>
-                    </a:r>
-                  </a:p>
-                  <a:p>
-                    <a:pPr algn="ctr"/>
-                    <a:r>
-                      <a:rPr lang="en-US" sz="800" b="1" dirty="0" smtClean="0">
-                        <a:latin typeface="Helvetica Neue"/>
-                        <a:cs typeface="Helvetica Neue"/>
-                      </a:rPr>
-                      <a:t>Interface</a:t>
-                    </a:r>
-                    <a:endParaRPr lang="en-US" sz="800" b="1" dirty="0">
-                      <a:latin typeface="Helvetica Neue"/>
-                      <a:cs typeface="Helvetica Neue"/>
-                    </a:endParaRPr>
-                  </a:p>
-                </p:txBody>
-              </p:sp>
-              <p:sp>
-                <p:nvSpPr>
-                  <p:cNvPr id="217" name="ZoneTexte 216"/>
-                  <p:cNvSpPr txBox="1"/>
-                  <p:nvPr/>
-                </p:nvSpPr>
-                <p:spPr>
-                  <a:xfrm>
-                    <a:off x="5853243" y="3218428"/>
-                    <a:ext cx="441146" cy="338554"/>
-                  </a:xfrm>
-                  <a:prstGeom prst="rect">
-                    <a:avLst/>
-                  </a:prstGeom>
-                  <a:noFill/>
-                </p:spPr>
-                <p:txBody>
-                  <a:bodyPr wrap="none" rtlCol="0" anchor="ctr">
-                    <a:spAutoFit/>
-                  </a:bodyPr>
-                  <a:lstStyle/>
-                  <a:p>
-                    <a:pPr algn="ctr"/>
-                    <a:r>
-                      <a:rPr lang="en-US" sz="800" dirty="0" smtClean="0">
-                        <a:latin typeface="Helvetica Neue"/>
-                        <a:cs typeface="Helvetica Neue"/>
-                      </a:rPr>
-                      <a:t>Value </a:t>
-                    </a:r>
-                  </a:p>
-                  <a:p>
-                    <a:pPr algn="ctr"/>
-                    <a:r>
-                      <a:rPr lang="en-US" sz="800" b="1" dirty="0" smtClean="0">
-                        <a:latin typeface="Helvetica Neue"/>
-                        <a:cs typeface="Helvetica Neue"/>
-                      </a:rPr>
-                      <a:t>Port</a:t>
-                    </a:r>
-                    <a:endParaRPr lang="en-US" sz="800" b="1" dirty="0">
-                      <a:latin typeface="Helvetica Neue"/>
-                      <a:cs typeface="Helvetica Neue"/>
-                    </a:endParaRPr>
-                  </a:p>
-                </p:txBody>
-              </p:sp>
-              <p:sp>
-                <p:nvSpPr>
-                  <p:cNvPr id="218" name="ZoneTexte 217"/>
-                  <p:cNvSpPr txBox="1"/>
-                  <p:nvPr/>
-                </p:nvSpPr>
-                <p:spPr>
-                  <a:xfrm>
-                    <a:off x="6545473" y="3218428"/>
-                    <a:ext cx="671979" cy="338554"/>
-                  </a:xfrm>
-                  <a:prstGeom prst="rect">
-                    <a:avLst/>
-                  </a:prstGeom>
-                  <a:noFill/>
-                </p:spPr>
-                <p:txBody>
-                  <a:bodyPr wrap="none" rtlCol="0" anchor="ctr">
-                    <a:spAutoFit/>
-                  </a:bodyPr>
-                  <a:lstStyle/>
-                  <a:p>
-                    <a:pPr algn="ctr"/>
-                    <a:r>
-                      <a:rPr lang="en-US" sz="800" dirty="0" smtClean="0">
-                        <a:latin typeface="Helvetica Neue"/>
-                        <a:cs typeface="Helvetica Neue"/>
-                      </a:rPr>
-                      <a:t>Value </a:t>
-                    </a:r>
-                  </a:p>
-                  <a:p>
-                    <a:pPr algn="ctr"/>
-                    <a:r>
-                      <a:rPr lang="en-US" sz="800" b="1" dirty="0" smtClean="0">
-                        <a:latin typeface="Helvetica Neue"/>
-                        <a:cs typeface="Helvetica Neue"/>
-                      </a:rPr>
-                      <a:t>Exchange</a:t>
-                    </a:r>
-                    <a:endParaRPr lang="en-US" sz="800" b="1" dirty="0">
-                      <a:latin typeface="Helvetica Neue"/>
-                      <a:cs typeface="Helvetica Neue"/>
-                    </a:endParaRPr>
-                  </a:p>
-                </p:txBody>
-              </p:sp>
-              <p:sp>
-                <p:nvSpPr>
-                  <p:cNvPr id="219" name="ZoneTexte 218"/>
-                  <p:cNvSpPr txBox="1"/>
-                  <p:nvPr/>
-                </p:nvSpPr>
-                <p:spPr>
-                  <a:xfrm>
-                    <a:off x="7404415" y="3218428"/>
-                    <a:ext cx="569387" cy="338554"/>
-                  </a:xfrm>
-                  <a:prstGeom prst="rect">
-                    <a:avLst/>
-                  </a:prstGeom>
-                  <a:noFill/>
-                </p:spPr>
-                <p:txBody>
-                  <a:bodyPr wrap="none" rtlCol="0" anchor="ctr">
-                    <a:spAutoFit/>
-                  </a:bodyPr>
-                  <a:lstStyle/>
-                  <a:p>
-                    <a:pPr algn="ctr"/>
-                    <a:r>
-                      <a:rPr lang="en-US" sz="800" b="1" dirty="0" smtClean="0">
-                        <a:latin typeface="Helvetica Neue"/>
-                        <a:cs typeface="Helvetica Neue"/>
-                      </a:rPr>
-                      <a:t>AND</a:t>
-                    </a:r>
-                  </a:p>
-                  <a:p>
-                    <a:pPr algn="ctr"/>
-                    <a:r>
-                      <a:rPr lang="en-US" sz="800" dirty="0" smtClean="0">
-                        <a:latin typeface="Helvetica Neue"/>
-                        <a:cs typeface="Helvetica Neue"/>
-                      </a:rPr>
-                      <a:t>Element</a:t>
-                    </a:r>
-                    <a:endParaRPr lang="en-US" sz="800" dirty="0">
-                      <a:latin typeface="Helvetica Neue"/>
-                      <a:cs typeface="Helvetica Neue"/>
-                    </a:endParaRPr>
-                  </a:p>
-                </p:txBody>
-              </p:sp>
-              <p:sp>
-                <p:nvSpPr>
-                  <p:cNvPr id="220" name="ZoneTexte 219"/>
-                  <p:cNvSpPr txBox="1"/>
-                  <p:nvPr/>
-                </p:nvSpPr>
-                <p:spPr>
-                  <a:xfrm>
-                    <a:off x="8165352" y="3218428"/>
-                    <a:ext cx="569387" cy="338554"/>
-                  </a:xfrm>
-                  <a:prstGeom prst="rect">
-                    <a:avLst/>
-                  </a:prstGeom>
-                  <a:noFill/>
-                </p:spPr>
-                <p:txBody>
-                  <a:bodyPr wrap="none" rtlCol="0" anchor="ctr">
-                    <a:spAutoFit/>
-                  </a:bodyPr>
-                  <a:lstStyle/>
-                  <a:p>
-                    <a:pPr algn="ctr"/>
-                    <a:r>
-                      <a:rPr lang="en-US" sz="800" b="1" dirty="0" smtClean="0">
-                        <a:latin typeface="Helvetica Neue"/>
-                        <a:cs typeface="Helvetica Neue"/>
-                      </a:rPr>
-                      <a:t>OR</a:t>
-                    </a:r>
-                  </a:p>
-                  <a:p>
-                    <a:pPr algn="ctr"/>
-                    <a:r>
-                      <a:rPr lang="en-US" sz="800" dirty="0" smtClean="0">
-                        <a:latin typeface="Helvetica Neue"/>
-                        <a:cs typeface="Helvetica Neue"/>
-                      </a:rPr>
-                      <a:t>Element</a:t>
-                    </a:r>
-                    <a:endParaRPr lang="en-US" sz="800" dirty="0">
-                      <a:latin typeface="Helvetica Neue"/>
-                      <a:cs typeface="Helvetica Neue"/>
-                    </a:endParaRPr>
-                  </a:p>
-                </p:txBody>
-              </p:sp>
-            </p:grpSp>
-            <p:grpSp>
-              <p:nvGrpSpPr>
-                <p:cNvPr id="257" name="Grouper 256"/>
-                <p:cNvGrpSpPr/>
-                <p:nvPr/>
-              </p:nvGrpSpPr>
-              <p:grpSpPr>
-                <a:xfrm>
-                  <a:off x="685715" y="3976958"/>
-                  <a:ext cx="4492181" cy="338555"/>
-                  <a:chOff x="4204086" y="4023491"/>
-                  <a:chExt cx="4492181" cy="338555"/>
-                </a:xfrm>
-              </p:grpSpPr>
-              <p:sp>
-                <p:nvSpPr>
-                  <p:cNvPr id="209" name="ZoneTexte 208"/>
-                  <p:cNvSpPr txBox="1"/>
-                  <p:nvPr/>
-                </p:nvSpPr>
-                <p:spPr>
-                  <a:xfrm>
-                    <a:off x="4204086" y="4023491"/>
-                    <a:ext cx="607859" cy="338555"/>
-                  </a:xfrm>
-                  <a:prstGeom prst="rect">
-                    <a:avLst/>
-                  </a:prstGeom>
-                  <a:noFill/>
-                </p:spPr>
-                <p:txBody>
-                  <a:bodyPr wrap="none" rtlCol="0">
-                    <a:spAutoFit/>
-                  </a:bodyPr>
-                  <a:lstStyle/>
-                  <a:p>
-                    <a:pPr algn="ctr"/>
-                    <a:r>
-                      <a:rPr lang="en-US" sz="800" b="1" dirty="0" smtClean="0">
-                        <a:latin typeface="Helvetica Neue"/>
-                        <a:cs typeface="Helvetica Neue"/>
-                      </a:rPr>
-                      <a:t>Market</a:t>
-                    </a:r>
-                  </a:p>
-                  <a:p>
-                    <a:pPr algn="ctr"/>
-                    <a:r>
-                      <a:rPr lang="en-US" sz="800" dirty="0" smtClean="0">
-                        <a:latin typeface="Helvetica Neue"/>
-                        <a:cs typeface="Helvetica Neue"/>
-                      </a:rPr>
-                      <a:t>Segment</a:t>
-                    </a:r>
-                    <a:endParaRPr lang="en-US" sz="800" dirty="0">
-                      <a:latin typeface="Helvetica Neue"/>
-                      <a:cs typeface="Helvetica Neue"/>
-                    </a:endParaRPr>
-                  </a:p>
-                </p:txBody>
-              </p:sp>
-              <p:sp>
-                <p:nvSpPr>
-                  <p:cNvPr id="210" name="ZoneTexte 209"/>
-                  <p:cNvSpPr txBox="1"/>
-                  <p:nvPr/>
-                </p:nvSpPr>
-                <p:spPr>
-                  <a:xfrm>
-                    <a:off x="5017170" y="4085046"/>
-                    <a:ext cx="556563" cy="215445"/>
-                  </a:xfrm>
-                  <a:prstGeom prst="rect">
-                    <a:avLst/>
-                  </a:prstGeom>
-                  <a:noFill/>
-                </p:spPr>
-                <p:txBody>
-                  <a:bodyPr wrap="none" rtlCol="0">
-                    <a:spAutoFit/>
-                  </a:bodyPr>
-                  <a:lstStyle/>
-                  <a:p>
-                    <a:pPr algn="ctr"/>
-                    <a:r>
-                      <a:rPr lang="en-US" sz="800" b="1" dirty="0" smtClean="0">
-                        <a:latin typeface="Helvetica Neue"/>
-                        <a:cs typeface="Helvetica Neue"/>
-                      </a:rPr>
-                      <a:t>Activity</a:t>
-                    </a:r>
-                  </a:p>
-                </p:txBody>
-              </p:sp>
-              <p:sp>
-                <p:nvSpPr>
-                  <p:cNvPr id="211" name="ZoneTexte 210"/>
-                  <p:cNvSpPr txBox="1"/>
-                  <p:nvPr/>
-                </p:nvSpPr>
-                <p:spPr>
-                  <a:xfrm>
-                    <a:off x="5782712" y="4023491"/>
-                    <a:ext cx="582211" cy="338555"/>
-                  </a:xfrm>
-                  <a:prstGeom prst="rect">
-                    <a:avLst/>
-                  </a:prstGeom>
-                  <a:noFill/>
-                </p:spPr>
-                <p:txBody>
-                  <a:bodyPr wrap="none" rtlCol="0">
-                    <a:spAutoFit/>
-                  </a:bodyPr>
-                  <a:lstStyle/>
-                  <a:p>
-                    <a:pPr algn="ctr"/>
-                    <a:r>
-                      <a:rPr lang="en-US" sz="800" b="1" dirty="0" smtClean="0">
-                        <a:latin typeface="Helvetica Neue"/>
-                        <a:cs typeface="Helvetica Neue"/>
-                      </a:rPr>
-                      <a:t>Start</a:t>
-                    </a:r>
-                  </a:p>
-                  <a:p>
-                    <a:pPr algn="ctr"/>
-                    <a:r>
-                      <a:rPr lang="en-US" sz="800" dirty="0" smtClean="0">
-                        <a:latin typeface="Helvetica Neue"/>
-                        <a:cs typeface="Helvetica Neue"/>
-                      </a:rPr>
-                      <a:t>Stimulus</a:t>
-                    </a:r>
-                  </a:p>
-                </p:txBody>
-              </p:sp>
-              <p:sp>
-                <p:nvSpPr>
-                  <p:cNvPr id="212" name="ZoneTexte 211"/>
-                  <p:cNvSpPr txBox="1"/>
-                  <p:nvPr/>
-                </p:nvSpPr>
-                <p:spPr>
-                  <a:xfrm>
-                    <a:off x="6506999" y="4023491"/>
-                    <a:ext cx="748923" cy="338555"/>
-                  </a:xfrm>
-                  <a:prstGeom prst="rect">
-                    <a:avLst/>
-                  </a:prstGeom>
-                  <a:noFill/>
-                </p:spPr>
-                <p:txBody>
-                  <a:bodyPr wrap="none" rtlCol="0">
-                    <a:spAutoFit/>
-                  </a:bodyPr>
-                  <a:lstStyle/>
-                  <a:p>
-                    <a:pPr algn="ctr"/>
-                    <a:r>
-                      <a:rPr lang="en-US" sz="800" b="1" dirty="0" smtClean="0">
-                        <a:latin typeface="Helvetica Neue"/>
-                        <a:cs typeface="Helvetica Neue"/>
-                      </a:rPr>
-                      <a:t>Connection</a:t>
-                    </a:r>
-                  </a:p>
-                  <a:p>
-                    <a:pPr algn="ctr"/>
-                    <a:r>
-                      <a:rPr lang="en-US" sz="800" dirty="0" smtClean="0">
-                        <a:latin typeface="Helvetica Neue"/>
-                        <a:cs typeface="Helvetica Neue"/>
-                      </a:rPr>
-                      <a:t>Element</a:t>
-                    </a:r>
-                    <a:endParaRPr lang="en-US" sz="800" dirty="0">
-                      <a:latin typeface="Helvetica Neue"/>
-                      <a:cs typeface="Helvetica Neue"/>
-                    </a:endParaRPr>
-                  </a:p>
-                </p:txBody>
-              </p:sp>
-              <p:sp>
-                <p:nvSpPr>
-                  <p:cNvPr id="213" name="ZoneTexte 212"/>
-                  <p:cNvSpPr txBox="1"/>
-                  <p:nvPr/>
-                </p:nvSpPr>
-                <p:spPr>
-                  <a:xfrm>
-                    <a:off x="7398003" y="4023491"/>
-                    <a:ext cx="582211" cy="338555"/>
-                  </a:xfrm>
-                  <a:prstGeom prst="rect">
-                    <a:avLst/>
-                  </a:prstGeom>
-                  <a:noFill/>
-                </p:spPr>
-                <p:txBody>
-                  <a:bodyPr wrap="none" rtlCol="0">
-                    <a:spAutoFit/>
-                  </a:bodyPr>
-                  <a:lstStyle/>
-                  <a:p>
-                    <a:pPr algn="ctr"/>
-                    <a:r>
-                      <a:rPr lang="en-US" sz="800" b="1" dirty="0" smtClean="0">
-                        <a:latin typeface="Helvetica Neue"/>
-                        <a:cs typeface="Helvetica Neue"/>
-                      </a:rPr>
-                      <a:t>END</a:t>
-                    </a:r>
-                  </a:p>
-                  <a:p>
-                    <a:pPr algn="ctr"/>
-                    <a:r>
-                      <a:rPr lang="en-US" sz="800" dirty="0" smtClean="0">
-                        <a:latin typeface="Helvetica Neue"/>
-                        <a:cs typeface="Helvetica Neue"/>
-                      </a:rPr>
-                      <a:t>Stimulus</a:t>
-                    </a:r>
-                    <a:endParaRPr lang="en-US" sz="800" dirty="0">
-                      <a:latin typeface="Helvetica Neue"/>
-                      <a:cs typeface="Helvetica Neue"/>
-                    </a:endParaRPr>
-                  </a:p>
-                </p:txBody>
-              </p:sp>
-              <p:sp>
-                <p:nvSpPr>
-                  <p:cNvPr id="214" name="ZoneTexte 213"/>
-                  <p:cNvSpPr txBox="1"/>
-                  <p:nvPr/>
-                </p:nvSpPr>
-                <p:spPr>
-                  <a:xfrm>
-                    <a:off x="8203824" y="4023491"/>
-                    <a:ext cx="492443" cy="338555"/>
-                  </a:xfrm>
-                  <a:prstGeom prst="rect">
-                    <a:avLst/>
-                  </a:prstGeom>
-                  <a:noFill/>
-                </p:spPr>
-                <p:txBody>
-                  <a:bodyPr wrap="none" rtlCol="0">
-                    <a:spAutoFit/>
-                  </a:bodyPr>
-                  <a:lstStyle/>
-                  <a:p>
-                    <a:pPr algn="ctr"/>
-                    <a:r>
-                      <a:rPr lang="en-US" sz="800" b="1" dirty="0" smtClean="0">
-                        <a:latin typeface="Helvetica Neue"/>
-                        <a:cs typeface="Helvetica Neue"/>
-                      </a:rPr>
-                      <a:t>Value</a:t>
-                    </a:r>
-                  </a:p>
-                  <a:p>
-                    <a:pPr algn="ctr"/>
-                    <a:r>
-                      <a:rPr lang="en-US" sz="800" dirty="0" smtClean="0">
-                        <a:latin typeface="Helvetica Neue"/>
-                        <a:cs typeface="Helvetica Neue"/>
-                      </a:rPr>
-                      <a:t>Object</a:t>
-                    </a:r>
-                  </a:p>
-                </p:txBody>
-              </p:sp>
-            </p:grpSp>
-          </p:grpSp>
-          <p:sp>
-            <p:nvSpPr>
-              <p:cNvPr id="261" name="ZoneTexte 260"/>
-              <p:cNvSpPr txBox="1"/>
-              <p:nvPr/>
-            </p:nvSpPr>
-            <p:spPr>
-              <a:xfrm>
-                <a:off x="4375077" y="3030767"/>
-                <a:ext cx="673307" cy="261610"/>
-              </a:xfrm>
-              <a:prstGeom prst="rect">
-                <a:avLst/>
-              </a:prstGeom>
+            <a:prstGeom prst="straightConnector1">
+              <a:avLst/>
+            </a:prstGeom>
+            <a:ln w="28575" cmpd="sng">
+              <a:solidFill>
+                <a:schemeClr val="accent3"/>
+              </a:solidFill>
+              <a:prstDash val="solid"/>
+            </a:ln>
+          </p:spPr>
+          <p:style>
+            <a:lnRef idx="2">
+              <a:schemeClr val="accent1"/>
+            </a:lnRef>
+            <a:fillRef idx="0">
+              <a:schemeClr val="accent1"/>
+            </a:fillRef>
+            <a:effectRef idx="1">
+              <a:schemeClr val="accent1"/>
+            </a:effectRef>
+            <a:fontRef idx="minor">
+              <a:schemeClr val="tx1"/>
+            </a:fontRef>
+          </p:style>
+        </p:cxnSp>
+        <p:sp>
+          <p:nvSpPr>
+            <p:cNvPr id="146" name="ZoneTexte 145"/>
+            <p:cNvSpPr txBox="1"/>
+            <p:nvPr/>
+          </p:nvSpPr>
+          <p:spPr>
+            <a:xfrm>
+              <a:off x="4842253" y="2327275"/>
+              <a:ext cx="406874" cy="215444"/>
+            </a:xfrm>
+            <a:prstGeom prst="rect">
+              <a:avLst/>
+            </a:prstGeom>
+            <a:noFill/>
+            <a:ln w="12700" cmpd="sng">
               <a:noFill/>
-            </p:spPr>
-            <p:txBody>
-              <a:bodyPr wrap="none" rtlCol="0">
-                <a:spAutoFit/>
-              </a:bodyPr>
-              <a:lstStyle/>
-              <a:p>
-                <a:r>
-                  <a:rPr lang="en-US" sz="1100" dirty="0" smtClean="0">
-                    <a:latin typeface="Helvetica Neue Medium"/>
-                    <a:cs typeface="Helvetica Neue Medium"/>
-                  </a:rPr>
-                  <a:t>Legend</a:t>
-                </a:r>
-                <a:endParaRPr lang="en-US" sz="1100" dirty="0">
-                  <a:latin typeface="Helvetica Neue Medium"/>
-                  <a:cs typeface="Helvetica Neue Medium"/>
-                </a:endParaRPr>
-              </a:p>
-            </p:txBody>
-          </p:sp>
-        </p:grpSp>
+            </a:ln>
+          </p:spPr>
+          <p:txBody>
+            <a:bodyPr wrap="none" rtlCol="0">
+              <a:spAutoFit/>
+            </a:bodyPr>
+            <a:lstStyle/>
+            <a:p>
+              <a:pPr algn="ctr"/>
+              <a:r>
+                <a:rPr lang="en-US" sz="800" dirty="0" smtClean="0">
+                  <a:latin typeface="Helvetica Neue"/>
+                  <a:cs typeface="Helvetica Neue"/>
+                </a:rPr>
+                <a:t>[Fee]</a:t>
+              </a:r>
+              <a:endParaRPr lang="en-US" sz="800" dirty="0">
+                <a:latin typeface="Helvetica Neue"/>
+                <a:cs typeface="Helvetica Neue"/>
+              </a:endParaRPr>
+            </a:p>
+          </p:txBody>
+        </p:sp>
+        <p:cxnSp>
+          <p:nvCxnSpPr>
+            <p:cNvPr id="147" name="Connecteur droit 22"/>
+            <p:cNvCxnSpPr>
+              <a:stCxn id="146" idx="0"/>
+            </p:cNvCxnSpPr>
+            <p:nvPr/>
+          </p:nvCxnSpPr>
+          <p:spPr>
+            <a:xfrm flipH="1" flipV="1">
+              <a:off x="4862980" y="2057470"/>
+              <a:ext cx="182710" cy="269805"/>
+            </a:xfrm>
+            <a:prstGeom prst="straightConnector1">
+              <a:avLst/>
+            </a:prstGeom>
+            <a:ln w="12700" cmpd="sng">
+              <a:solidFill>
+                <a:schemeClr val="bg1">
+                  <a:lumMod val="75000"/>
+                </a:schemeClr>
+              </a:solidFill>
+              <a:prstDash val="solid"/>
+            </a:ln>
+          </p:spPr>
+          <p:style>
+            <a:lnRef idx="2">
+              <a:schemeClr val="accent1"/>
+            </a:lnRef>
+            <a:fillRef idx="0">
+              <a:schemeClr val="accent1"/>
+            </a:fillRef>
+            <a:effectRef idx="1">
+              <a:schemeClr val="accent1"/>
+            </a:effectRef>
+            <a:fontRef idx="minor">
+              <a:schemeClr val="tx1"/>
+            </a:fontRef>
+          </p:style>
+        </p:cxnSp>
       </p:grpSp>
     </p:spTree>
     <p:extLst>

--- a/JournalToSubmit2013/figs/Ready/Figuras Journal.pptx
+++ b/JournalToSubmit2013/figs/Ready/Figuras Journal.pptx
@@ -10760,7 +10760,7 @@
       </p:grpSp>
       <p:grpSp>
         <p:nvGrpSpPr>
-          <p:cNvPr id="26" name="Grouper 25"/>
+          <p:cNvPr id="282" name="Grouper 281"/>
           <p:cNvGrpSpPr/>
           <p:nvPr/>
         </p:nvGrpSpPr>
@@ -10781,9 +10781,9 @@
             <p:nvPr/>
           </p:nvCxnSpPr>
           <p:spPr>
-            <a:xfrm flipV="1">
-              <a:off x="4673310" y="1836224"/>
-              <a:ext cx="1" cy="89061"/>
+            <a:xfrm flipH="1" flipV="1">
+              <a:off x="4552977" y="1534858"/>
+              <a:ext cx="214111" cy="192726"/>
             </a:xfrm>
             <a:prstGeom prst="straightConnector1">
               <a:avLst/>
@@ -11226,7 +11226,7 @@
             <p:nvPr/>
           </p:nvSpPr>
           <p:spPr>
-            <a:xfrm rot="5400000">
+            <a:xfrm rot="16200000" flipH="1">
               <a:off x="3636778" y="1880015"/>
               <a:ext cx="107996" cy="93099"/>
             </a:xfrm>
@@ -11274,7 +11274,7 @@
             <p:nvPr/>
           </p:nvSpPr>
           <p:spPr>
-            <a:xfrm rot="16200000">
+            <a:xfrm rot="5400000" flipH="1">
               <a:off x="3636773" y="2010918"/>
               <a:ext cx="107996" cy="93099"/>
             </a:xfrm>
@@ -12372,7 +12372,7 @@
             <p:nvPr/>
           </p:nvSpPr>
           <p:spPr>
-            <a:xfrm rot="5400000">
+            <a:xfrm rot="16200000" flipH="1">
               <a:off x="4065526" y="1878735"/>
               <a:ext cx="107996" cy="93099"/>
             </a:xfrm>
@@ -12420,7 +12420,7 @@
             <p:nvPr/>
           </p:nvSpPr>
           <p:spPr>
-            <a:xfrm rot="16200000">
+            <a:xfrm rot="5400000" flipH="1">
               <a:off x="4065526" y="2009642"/>
               <a:ext cx="107996" cy="93099"/>
             </a:xfrm>
@@ -12465,15 +12465,15 @@
           <p:nvCxnSpPr>
             <p:cNvPr id="76" name="Connecteur droit 22"/>
             <p:cNvCxnSpPr>
-              <a:stCxn id="66" idx="0"/>
-              <a:endCxn id="72" idx="3"/>
+              <a:stCxn id="66" idx="3"/>
+              <a:endCxn id="72" idx="0"/>
             </p:cNvCxnSpPr>
             <p:nvPr/>
           </p:nvCxnSpPr>
           <p:spPr>
             <a:xfrm flipH="1">
-              <a:off x="3737334" y="2056191"/>
-              <a:ext cx="335641" cy="1279"/>
+              <a:off x="3737321" y="2056192"/>
+              <a:ext cx="335654" cy="1276"/>
             </a:xfrm>
             <a:prstGeom prst="straightConnector1">
               <a:avLst/>
@@ -12504,15 +12504,15 @@
           <p:nvCxnSpPr>
             <p:cNvPr id="67" name="Connecteur droit 22"/>
             <p:cNvCxnSpPr>
-              <a:stCxn id="65" idx="3"/>
-              <a:endCxn id="71" idx="0"/>
+              <a:stCxn id="65" idx="0"/>
+              <a:endCxn id="71" idx="3"/>
             </p:cNvCxnSpPr>
             <p:nvPr/>
           </p:nvCxnSpPr>
           <p:spPr>
             <a:xfrm flipH="1">
-              <a:off x="3737334" y="1925285"/>
-              <a:ext cx="335641" cy="1279"/>
+              <a:off x="3737326" y="1925285"/>
+              <a:ext cx="335649" cy="1280"/>
             </a:xfrm>
             <a:prstGeom prst="straightConnector1">
               <a:avLst/>
@@ -12544,14 +12544,14 @@
             <p:cNvPr id="79" name="Connecteur droit 22"/>
             <p:cNvCxnSpPr>
               <a:stCxn id="4" idx="0"/>
-              <a:endCxn id="71" idx="3"/>
+              <a:endCxn id="72" idx="3"/>
             </p:cNvCxnSpPr>
             <p:nvPr/>
           </p:nvCxnSpPr>
           <p:spPr>
-            <a:xfrm flipV="1">
-              <a:off x="3428835" y="1926565"/>
-              <a:ext cx="215392" cy="95951"/>
+            <a:xfrm>
+              <a:off x="3428835" y="2022516"/>
+              <a:ext cx="215387" cy="34952"/>
             </a:xfrm>
             <a:prstGeom prst="curvedConnector3">
               <a:avLst>
@@ -12588,8 +12588,8 @@
           </p:nvSpPr>
           <p:spPr>
             <a:xfrm rot="5400000">
-              <a:off x="4455412" y="1434429"/>
-              <a:ext cx="1626044" cy="159647"/>
+              <a:off x="4838158" y="1379400"/>
+              <a:ext cx="860552" cy="159647"/>
             </a:xfrm>
             <a:prstGeom prst="roundRect">
               <a:avLst>
@@ -12638,103 +12638,7 @@
           </p:nvSpPr>
           <p:spPr>
             <a:xfrm rot="5400000">
-              <a:off x="5217777" y="831777"/>
-              <a:ext cx="107996" cy="93099"/>
-            </a:xfrm>
-            <a:prstGeom prst="triangle">
-              <a:avLst/>
-            </a:prstGeom>
-            <a:solidFill>
-              <a:schemeClr val="bg1"/>
-            </a:solidFill>
-            <a:ln w="12700" cmpd="sng">
-              <a:solidFill>
-                <a:schemeClr val="tx1"/>
-              </a:solidFill>
-            </a:ln>
-          </p:spPr>
-          <p:style>
-            <a:lnRef idx="2">
-              <a:schemeClr val="accent2">
-                <a:shade val="50000"/>
-              </a:schemeClr>
-            </a:lnRef>
-            <a:fillRef idx="1">
-              <a:schemeClr val="accent2"/>
-            </a:fillRef>
-            <a:effectRef idx="0">
-              <a:schemeClr val="accent2"/>
-            </a:effectRef>
-            <a:fontRef idx="minor">
-              <a:schemeClr val="lt1"/>
-            </a:fontRef>
-          </p:style>
-          <p:txBody>
-            <a:bodyPr rtlCol="0" anchor="ctr"/>
-            <a:lstStyle/>
-            <a:p>
-              <a:pPr algn="ctr"/>
-              <a:endParaRPr lang="en-US" sz="800"/>
-            </a:p>
-          </p:txBody>
-        </p:sp>
-        <p:sp>
-          <p:nvSpPr>
-            <p:cNvPr id="93" name="Triangle isocèle 92"/>
-            <p:cNvSpPr/>
-            <p:nvPr/>
-          </p:nvSpPr>
-          <p:spPr>
-            <a:xfrm rot="5400000" flipH="1">
-              <a:off x="5217777" y="1878735"/>
-              <a:ext cx="107996" cy="93099"/>
-            </a:xfrm>
-            <a:prstGeom prst="triangle">
-              <a:avLst/>
-            </a:prstGeom>
-            <a:solidFill>
-              <a:schemeClr val="bg1"/>
-            </a:solidFill>
-            <a:ln w="12700" cmpd="sng">
-              <a:solidFill>
-                <a:schemeClr val="tx1"/>
-              </a:solidFill>
-            </a:ln>
-          </p:spPr>
-          <p:style>
-            <a:lnRef idx="2">
-              <a:schemeClr val="accent2">
-                <a:shade val="50000"/>
-              </a:schemeClr>
-            </a:lnRef>
-            <a:fillRef idx="1">
-              <a:schemeClr val="accent2"/>
-            </a:fillRef>
-            <a:effectRef idx="0">
-              <a:schemeClr val="accent2"/>
-            </a:effectRef>
-            <a:fontRef idx="minor">
-              <a:schemeClr val="lt1"/>
-            </a:fontRef>
-          </p:style>
-          <p:txBody>
-            <a:bodyPr rtlCol="0" anchor="ctr"/>
-            <a:lstStyle/>
-            <a:p>
-              <a:pPr algn="ctr"/>
-              <a:endParaRPr lang="en-US" sz="800"/>
-            </a:p>
-          </p:txBody>
-        </p:sp>
-        <p:sp>
-          <p:nvSpPr>
-            <p:cNvPr id="94" name="Triangle isocèle 93"/>
-            <p:cNvSpPr/>
-            <p:nvPr/>
-          </p:nvSpPr>
-          <p:spPr>
-            <a:xfrm rot="16200000" flipH="1">
-              <a:off x="5217777" y="2000280"/>
+              <a:off x="5217777" y="1187525"/>
               <a:ext cx="107996" cy="93099"/>
             </a:xfrm>
             <a:prstGeom prst="triangle">
@@ -12963,8 +12867,8 @@
           </p:nvCxnSpPr>
           <p:spPr>
             <a:xfrm>
-              <a:off x="4200177" y="873555"/>
-              <a:ext cx="1025050" cy="4771"/>
+              <a:off x="4200176" y="873555"/>
+              <a:ext cx="1025050" cy="360520"/>
             </a:xfrm>
             <a:prstGeom prst="straightConnector1">
               <a:avLst/>
@@ -12995,15 +12899,15 @@
           <p:nvCxnSpPr>
             <p:cNvPr id="112" name="Connecteur droit 22"/>
             <p:cNvCxnSpPr>
-              <a:stCxn id="66" idx="3"/>
-              <a:endCxn id="94" idx="0"/>
+              <a:stCxn id="66" idx="0"/>
+              <a:endCxn id="94" idx="3"/>
             </p:cNvCxnSpPr>
             <p:nvPr/>
           </p:nvCxnSpPr>
           <p:spPr>
             <a:xfrm flipV="1">
-              <a:off x="4166074" y="2046830"/>
-              <a:ext cx="1059153" cy="9361"/>
+              <a:off x="4166074" y="1517512"/>
+              <a:ext cx="1059152" cy="538680"/>
             </a:xfrm>
             <a:prstGeom prst="straightConnector1">
               <a:avLst/>
@@ -13034,15 +12938,15 @@
           <p:nvCxnSpPr>
             <p:cNvPr id="118" name="Connecteur droit 22"/>
             <p:cNvCxnSpPr>
-              <a:stCxn id="65" idx="0"/>
-              <a:endCxn id="93" idx="3"/>
+              <a:stCxn id="65" idx="3"/>
+              <a:endCxn id="93" idx="0"/>
             </p:cNvCxnSpPr>
             <p:nvPr/>
           </p:nvCxnSpPr>
           <p:spPr>
-            <a:xfrm>
-              <a:off x="4166074" y="1925285"/>
-              <a:ext cx="1059153" cy="0"/>
+            <a:xfrm flipV="1">
+              <a:off x="4166074" y="1379033"/>
+              <a:ext cx="1059152" cy="546252"/>
             </a:xfrm>
             <a:prstGeom prst="straightConnector1">
               <a:avLst/>
@@ -13183,14 +13087,14 @@
             <p:cNvPr id="95" name="Connecteur droit 22"/>
             <p:cNvCxnSpPr>
               <a:stCxn id="88" idx="2"/>
-              <a:endCxn id="93" idx="0"/>
+              <a:endCxn id="91" idx="0"/>
             </p:cNvCxnSpPr>
             <p:nvPr/>
           </p:nvCxnSpPr>
           <p:spPr>
-            <a:xfrm rot="10800000" flipV="1">
-              <a:off x="5318326" y="1642883"/>
-              <a:ext cx="687343" cy="282402"/>
+            <a:xfrm rot="10800000">
+              <a:off x="5348258" y="1459225"/>
+              <a:ext cx="657410" cy="183659"/>
             </a:xfrm>
             <a:prstGeom prst="curvedConnector3">
               <a:avLst>
@@ -13202,6 +13106,8 @@
                 <a:schemeClr val="tx1"/>
               </a:solidFill>
               <a:prstDash val="sysDash"/>
+              <a:headEnd type="none"/>
+              <a:tailEnd type="oval" w="sm" len="sm"/>
             </a:ln>
           </p:spPr>
           <p:style>
@@ -13343,7 +13249,7 @@
           </p:nvSpPr>
           <p:spPr>
             <a:xfrm>
-              <a:off x="4330196" y="1497670"/>
+              <a:off x="4209862" y="1196304"/>
               <a:ext cx="686229" cy="338554"/>
             </a:xfrm>
             <a:prstGeom prst="rect">
@@ -13368,10 +13274,6 @@
                 </a:rPr>
                 <a:t>[Evaluation </a:t>
               </a:r>
-              <a:endParaRPr lang="en-US" sz="800" dirty="0" smtClean="0">
-                <a:latin typeface="Helvetica Neue"/>
-                <a:cs typeface="Helvetica Neue"/>
-              </a:endParaRPr>
             </a:p>
             <a:p>
               <a:pPr algn="ctr"/>
@@ -13420,14 +13322,7 @@
                   <a:latin typeface="Helvetica Neue"/>
                   <a:cs typeface="Helvetica Neue"/>
                 </a:rPr>
-                <a:t>[Company </a:t>
-              </a:r>
-              <a:r>
-                <a:rPr lang="en-US" sz="800" dirty="0" smtClean="0">
-                  <a:latin typeface="Helvetica Neue"/>
-                  <a:cs typeface="Helvetica Neue"/>
-                </a:rPr>
-                <a:t>Questionnaires</a:t>
+                <a:t>[Company Questionnaires</a:t>
               </a:r>
             </a:p>
             <a:p>
@@ -13437,19 +13332,8 @@
                   <a:latin typeface="Helvetica Neue"/>
                   <a:cs typeface="Helvetica Neue"/>
                 </a:rPr>
-                <a:t>and </a:t>
+                <a:t>and Evidence]</a:t>
               </a:r>
-              <a:r>
-                <a:rPr lang="en-US" sz="800" dirty="0" smtClean="0">
-                  <a:latin typeface="Helvetica Neue"/>
-                  <a:cs typeface="Helvetica Neue"/>
-                </a:rPr>
-                <a:t>Evidence]</a:t>
-              </a:r>
-              <a:endParaRPr lang="en-US" sz="800" dirty="0" smtClean="0">
-                <a:latin typeface="Helvetica Neue"/>
-                <a:cs typeface="Helvetica Neue"/>
-              </a:endParaRPr>
             </a:p>
             <a:p>
               <a:endParaRPr lang="en-US" sz="800" dirty="0">
@@ -13519,8 +13403,8 @@
           </p:nvCxnSpPr>
           <p:spPr>
             <a:xfrm flipV="1">
-              <a:off x="4529125" y="2202904"/>
-              <a:ext cx="0" cy="188618"/>
+              <a:off x="4529125" y="2057468"/>
+              <a:ext cx="0" cy="334054"/>
             </a:xfrm>
             <a:prstGeom prst="straightConnector1">
               <a:avLst/>
@@ -13559,8 +13443,8 @@
           </p:nvCxnSpPr>
           <p:spPr>
             <a:xfrm flipV="1">
-              <a:off x="4696093" y="784535"/>
-              <a:ext cx="70995" cy="89020"/>
+              <a:off x="4632213" y="784535"/>
+              <a:ext cx="134875" cy="237342"/>
             </a:xfrm>
             <a:prstGeom prst="straightConnector1">
               <a:avLst/>
@@ -13766,13 +13650,109 @@
         </p:cxnSp>
         <p:sp>
           <p:nvSpPr>
+            <p:cNvPr id="93" name="Triangle isocèle 92"/>
+            <p:cNvSpPr/>
+            <p:nvPr/>
+          </p:nvSpPr>
+          <p:spPr>
+            <a:xfrm rot="16200000">
+              <a:off x="5217777" y="1332483"/>
+              <a:ext cx="107996" cy="93099"/>
+            </a:xfrm>
+            <a:prstGeom prst="triangle">
+              <a:avLst/>
+            </a:prstGeom>
+            <a:solidFill>
+              <a:schemeClr val="bg1"/>
+            </a:solidFill>
+            <a:ln w="12700" cmpd="sng">
+              <a:solidFill>
+                <a:schemeClr val="tx1"/>
+              </a:solidFill>
+            </a:ln>
+          </p:spPr>
+          <p:style>
+            <a:lnRef idx="2">
+              <a:schemeClr val="accent2">
+                <a:shade val="50000"/>
+              </a:schemeClr>
+            </a:lnRef>
+            <a:fillRef idx="1">
+              <a:schemeClr val="accent2"/>
+            </a:fillRef>
+            <a:effectRef idx="0">
+              <a:schemeClr val="accent2"/>
+            </a:effectRef>
+            <a:fontRef idx="minor">
+              <a:schemeClr val="lt1"/>
+            </a:fontRef>
+          </p:style>
+          <p:txBody>
+            <a:bodyPr rtlCol="0" anchor="ctr"/>
+            <a:lstStyle/>
+            <a:p>
+              <a:pPr algn="ctr"/>
+              <a:endParaRPr lang="en-US" sz="800"/>
+            </a:p>
+          </p:txBody>
+        </p:sp>
+        <p:sp>
+          <p:nvSpPr>
+            <p:cNvPr id="94" name="Triangle isocèle 93"/>
+            <p:cNvSpPr/>
+            <p:nvPr/>
+          </p:nvSpPr>
+          <p:spPr>
+            <a:xfrm rot="5400000">
+              <a:off x="5217777" y="1470962"/>
+              <a:ext cx="107996" cy="93099"/>
+            </a:xfrm>
+            <a:prstGeom prst="triangle">
+              <a:avLst/>
+            </a:prstGeom>
+            <a:solidFill>
+              <a:schemeClr val="bg1"/>
+            </a:solidFill>
+            <a:ln w="12700" cmpd="sng">
+              <a:solidFill>
+                <a:schemeClr val="tx1"/>
+              </a:solidFill>
+            </a:ln>
+          </p:spPr>
+          <p:style>
+            <a:lnRef idx="2">
+              <a:schemeClr val="accent2">
+                <a:shade val="50000"/>
+              </a:schemeClr>
+            </a:lnRef>
+            <a:fillRef idx="1">
+              <a:schemeClr val="accent2"/>
+            </a:fillRef>
+            <a:effectRef idx="0">
+              <a:schemeClr val="accent2"/>
+            </a:effectRef>
+            <a:fontRef idx="minor">
+              <a:schemeClr val="lt1"/>
+            </a:fontRef>
+          </p:style>
+          <p:txBody>
+            <a:bodyPr rtlCol="0" anchor="ctr"/>
+            <a:lstStyle/>
+            <a:p>
+              <a:pPr algn="ctr"/>
+              <a:endParaRPr lang="en-US" sz="800"/>
+            </a:p>
+          </p:txBody>
+        </p:sp>
+        <p:sp>
+          <p:nvSpPr>
             <p:cNvPr id="144" name="Triangle isocèle 143"/>
             <p:cNvSpPr/>
             <p:nvPr/>
           </p:nvSpPr>
           <p:spPr>
             <a:xfrm rot="16200000">
-              <a:off x="5218213" y="2156354"/>
+              <a:off x="5218213" y="1627036"/>
               <a:ext cx="107996" cy="93099"/>
             </a:xfrm>
             <a:prstGeom prst="triangle">
@@ -13822,9 +13802,9 @@
             <p:nvPr/>
           </p:nvCxnSpPr>
           <p:spPr>
-            <a:xfrm>
-              <a:off x="4166074" y="2200706"/>
-              <a:ext cx="1059588" cy="2198"/>
+            <a:xfrm flipV="1">
+              <a:off x="4166074" y="1673586"/>
+              <a:ext cx="1059588" cy="527120"/>
             </a:xfrm>
             <a:prstGeom prst="straightConnector1">
               <a:avLst/>
@@ -13859,7 +13839,7 @@
           </p:nvSpPr>
           <p:spPr>
             <a:xfrm>
-              <a:off x="4842253" y="2327275"/>
+              <a:off x="4761054" y="2189473"/>
               <a:ext cx="406874" cy="215444"/>
             </a:xfrm>
             <a:prstGeom prst="rect">
@@ -13900,9 +13880,9 @@
             <p:nvPr/>
           </p:nvCxnSpPr>
           <p:spPr>
-            <a:xfrm flipH="1" flipV="1">
-              <a:off x="4862980" y="2057470"/>
-              <a:ext cx="182710" cy="269805"/>
+            <a:xfrm flipV="1">
+              <a:off x="4964491" y="1517512"/>
+              <a:ext cx="2563" cy="671961"/>
             </a:xfrm>
             <a:prstGeom prst="straightConnector1">
               <a:avLst/>
